--- a/3 Quadratic optimization with quantum computing .pptx
+++ b/3 Quadratic optimization with quantum computing .pptx
@@ -5,16 +5,26 @@
     <p:sldMasterId id="2147483648" r:id="rId1"/>
   </p:sldMasterIdLst>
   <p:notesMasterIdLst>
-    <p:notesMasterId r:id="rId9"/>
+    <p:notesMasterId r:id="rId19"/>
   </p:notesMasterIdLst>
   <p:sldIdLst>
     <p:sldId id="256" r:id="rId2"/>
-    <p:sldId id="257" r:id="rId3"/>
-    <p:sldId id="261" r:id="rId4"/>
-    <p:sldId id="258" r:id="rId5"/>
-    <p:sldId id="263" r:id="rId6"/>
-    <p:sldId id="264" r:id="rId7"/>
-    <p:sldId id="260" r:id="rId8"/>
+    <p:sldId id="268" r:id="rId3"/>
+    <p:sldId id="276" r:id="rId4"/>
+    <p:sldId id="257" r:id="rId5"/>
+    <p:sldId id="265" r:id="rId6"/>
+    <p:sldId id="266" r:id="rId7"/>
+    <p:sldId id="261" r:id="rId8"/>
+    <p:sldId id="260" r:id="rId9"/>
+    <p:sldId id="277" r:id="rId10"/>
+    <p:sldId id="258" r:id="rId11"/>
+    <p:sldId id="263" r:id="rId12"/>
+    <p:sldId id="271" r:id="rId13"/>
+    <p:sldId id="272" r:id="rId14"/>
+    <p:sldId id="273" r:id="rId15"/>
+    <p:sldId id="264" r:id="rId16"/>
+    <p:sldId id="275" r:id="rId17"/>
+    <p:sldId id="274" r:id="rId18"/>
   </p:sldIdLst>
   <p:sldSz cx="12192000" cy="6858000"/>
   <p:notesSz cx="6858000" cy="9144000"/>
@@ -203,7 +213,7 @@
           <a:p>
             <a:fld id="{CEFB2F96-B852-4E62-A440-A40FC6EE8BF4}" type="datetimeFigureOut">
               <a:rPr lang="hu-HU" smtClean="0"/>
-              <a:t>2022. 03. 24.</a:t>
+              <a:t>2022. 04. 04.</a:t>
             </a:fld>
             <a:endParaRPr lang="hu-HU"/>
           </a:p>
@@ -1055,7 +1065,7 @@
           <a:p>
             <a:fld id="{CA4D5627-2EC6-4212-8271-F1EB6C1D5C54}" type="slidenum">
               <a:rPr lang="hu-HU" smtClean="0"/>
-              <a:t>2</a:t>
+              <a:t>4</a:t>
             </a:fld>
             <a:endParaRPr lang="hu-HU"/>
           </a:p>
@@ -1118,7 +1128,14 @@
           <a:bodyPr/>
           <a:lstStyle/>
           <a:p>
-            <a:endParaRPr lang="hu-HU" dirty="0"/>
+            <a:r>
+              <a:rPr lang="en-US" dirty="0"/>
+              <a:t>This time we put less emphasis on using the boson sampler simulator and more on understanding </a:t>
+            </a:r>
+            <a:r>
+              <a:rPr lang="hu-HU" dirty="0"/>
+              <a:t>the application that we’re dealing with.</a:t>
+            </a:r>
           </a:p>
         </p:txBody>
       </p:sp>
@@ -1139,7 +1156,7 @@
           <a:p>
             <a:fld id="{CA4D5627-2EC6-4212-8271-F1EB6C1D5C54}" type="slidenum">
               <a:rPr lang="hu-HU" smtClean="0"/>
-              <a:t>3</a:t>
+              <a:t>7</a:t>
             </a:fld>
             <a:endParaRPr lang="hu-HU"/>
           </a:p>
@@ -1203,59 +1220,91 @@
           <a:lstStyle/>
           <a:p>
             <a:r>
+              <a:rPr lang="hu-HU" b="1" i="1" dirty="0"/>
+              <a:t>How does the boson sampler come into play?</a:t>
+            </a:r>
+          </a:p>
+          <a:p>
+            <a:endParaRPr lang="hu-HU" dirty="0"/>
+          </a:p>
+          <a:p>
+            <a:r>
               <a:rPr lang="hu-HU" dirty="0"/>
-              <a:t>What is a boson sampler and how it works?</a:t>
+              <a:t>This is the model overview of the variational bosonic solver.</a:t>
             </a:r>
           </a:p>
           <a:p>
             <a:r>
               <a:rPr lang="hu-HU" dirty="0"/>
-              <a:t>Here is what the boson sampler does on a diagram.</a:t>
-            </a:r>
-          </a:p>
-          <a:p>
-            <a:r>
-              <a:rPr lang="en-US" dirty="0"/>
-              <a:t>On top, there are single photon states and vacuum states, that are propagated through a linear optics network.  </a:t>
+              <a:t>In the first step we generate a quantum state with the M-mode interferometer. </a:t>
+            </a:r>
+          </a:p>
+          <a:p>
+            <a:r>
+              <a:rPr lang="hu-HU" dirty="0"/>
+              <a:t>This interferometer has some parameters, that </a:t>
+            </a:r>
+            <a:r>
+              <a:rPr lang="hu-HU"/>
+              <a:t>are tunable </a:t>
             </a:r>
             <a:endParaRPr lang="hu-HU" dirty="0"/>
           </a:p>
           <a:p>
             <a:r>
               <a:rPr lang="hu-HU" dirty="0"/>
-              <a:t>It implements a unitary map on the creation operators like this.</a:t>
-            </a:r>
+              <a:t>The amplitudes of the quantum states depend on the circuit elements’ angles, thetas and psis.</a:t>
+            </a:r>
+          </a:p>
+          <a:p>
+            <a:endParaRPr lang="hu-HU" dirty="0"/>
           </a:p>
           <a:p>
             <a:r>
               <a:rPr lang="hu-HU" dirty="0"/>
-              <a:t>Then at the output we’ve got some big </a:t>
-            </a:r>
-            <a:r>
-              <a:rPr lang="en-US" dirty="0"/>
-              <a:t>superpositions of the multiphoton optical states.</a:t>
-            </a:r>
+              <a:t>Then we apply a parity function so that the we map the optical states to a many-qubit hilbert space. Then we have our qubits. </a:t>
+            </a:r>
+          </a:p>
+          <a:p>
+            <a:r>
+              <a:rPr lang="hu-HU" dirty="0"/>
+              <a:t>Note: Each qubit state has a some energy associated with it.</a:t>
+            </a:r>
+          </a:p>
+          <a:p>
             <a:endParaRPr lang="hu-HU" dirty="0"/>
           </a:p>
           <a:p>
+            <a:r>
+              <a:rPr lang="hu-HU" dirty="0"/>
+              <a:t>So we apply the parity functions and record the amplitudes of the qubits.</a:t>
+            </a:r>
+          </a:p>
+          <a:p>
             <a:endParaRPr lang="hu-HU" dirty="0"/>
           </a:p>
           <a:p>
             <a:r>
               <a:rPr lang="hu-HU" dirty="0"/>
-              <a:t>In this notation S represents a configuration of where the photons could arrive. </a:t>
-            </a:r>
+              <a:t>Then using these amplitudes and the qubit states we calculate the expected value of the energy – it is the objective function, that we try to minimize. </a:t>
+            </a:r>
+          </a:p>
+          <a:p>
+            <a:endParaRPr lang="hu-HU" dirty="0"/>
           </a:p>
           <a:p>
             <a:r>
               <a:rPr lang="hu-HU" dirty="0"/>
-              <a:t>Gamma represents the amplitude associated with that configuration.</a:t>
-            </a:r>
+              <a:t>Then we tweak the psi and theta parameters with gradient descent and do the previous steps again.</a:t>
+            </a:r>
+          </a:p>
+          <a:p>
+            <a:endParaRPr lang="hu-HU" dirty="0"/>
           </a:p>
           <a:p>
             <a:r>
               <a:rPr lang="hu-HU" dirty="0"/>
-              <a:t>N sub 1 super S is the number of photons in the state 1 in the configuration S.</a:t>
+              <a:t>The goal is to find the smallest energy and the associated bit string.</a:t>
             </a:r>
           </a:p>
           <a:p>
@@ -1264,20 +1313,14 @@
           <a:p>
             <a:r>
               <a:rPr lang="hu-HU" dirty="0"/>
-              <a:t>The output state represent all the possible configurations. </a:t>
-            </a:r>
-          </a:p>
-          <a:p>
-            <a:r>
-              <a:rPr lang="hu-HU" dirty="0"/>
-              <a:t>Then we measure the output and we get the S configuration with absolute gamma squared probability.</a:t>
-            </a:r>
-          </a:p>
-          <a:p>
-            <a:r>
-              <a:rPr lang="hu-HU" dirty="0"/>
-              <a:t>So the goal is to build up statistics of what P of S looks like.</a:t>
-            </a:r>
+              <a:t>So, how can we use this ? We need to formulate our our problem as optimizing the energy by choosing an appropriate Hamiltonian matrix. </a:t>
+            </a:r>
+          </a:p>
+          <a:p>
+            <a:endParaRPr lang="hu-HU" dirty="0"/>
+          </a:p>
+          <a:p>
+            <a:endParaRPr lang="hu-HU" b="1" i="1" dirty="0"/>
           </a:p>
         </p:txBody>
       </p:sp>
@@ -1298,7 +1341,7 @@
           <a:p>
             <a:fld id="{CA4D5627-2EC6-4212-8271-F1EB6C1D5C54}" type="slidenum">
               <a:rPr lang="hu-HU" smtClean="0"/>
-              <a:t>4</a:t>
+              <a:t>8</a:t>
             </a:fld>
             <a:endParaRPr lang="hu-HU"/>
           </a:p>
@@ -1307,7 +1350,7 @@
     </p:spTree>
     <p:extLst>
       <p:ext uri="{BB962C8B-B14F-4D97-AF65-F5344CB8AC3E}">
-        <p14:creationId xmlns:p14="http://schemas.microsoft.com/office/powerpoint/2010/main" val="681078116"/>
+        <p14:creationId xmlns:p14="http://schemas.microsoft.com/office/powerpoint/2010/main" val="1191337104"/>
       </p:ext>
     </p:extLst>
   </p:cSld>
@@ -1363,25 +1406,97 @@
           <a:p>
             <a:r>
               <a:rPr lang="hu-HU" dirty="0"/>
-              <a:t>Then the question is why do we need a quantum computer for that?</a:t>
+              <a:t>What is a boson sampler and how it works?</a:t>
             </a:r>
           </a:p>
           <a:p>
             <a:r>
               <a:rPr lang="hu-HU" dirty="0"/>
-              <a:t>One of the key results is that measuring the probability of a given configuration is proportional to a permanent of the A matrix.</a:t>
-            </a:r>
+              <a:t>Here is what the boson sampler does on a diagram.</a:t>
+            </a:r>
+          </a:p>
+          <a:p>
+            <a:r>
+              <a:rPr lang="en-US" dirty="0"/>
+              <a:t>On top, there are single photon states and vacuum states, that are propagated through a linear optics network.  </a:t>
+            </a:r>
+            <a:endParaRPr lang="hu-HU" dirty="0"/>
           </a:p>
           <a:p>
             <a:r>
               <a:rPr lang="hu-HU" dirty="0"/>
-              <a:t>The A matrix is a unitary transformation describing the linear optics network and the output configuration.</a:t>
+              <a:t>It implements a unitary map on the single photon creation operators like this.</a:t>
             </a:r>
           </a:p>
           <a:p>
             <a:r>
               <a:rPr lang="hu-HU" dirty="0"/>
-              <a:t>It is a very hard problem to calculate complex-valued matrix permanents. So boson sampling is classically inefficient to simulate, we need a real quantum device to that.</a:t>
+              <a:t>Then at the output we’ve got some big </a:t>
+            </a:r>
+            <a:r>
+              <a:rPr lang="en-US" dirty="0"/>
+              <a:t>superpositions of the multiphoton optical states.</a:t>
+            </a:r>
+            <a:endParaRPr lang="hu-HU" dirty="0"/>
+          </a:p>
+          <a:p>
+            <a:endParaRPr lang="hu-HU" dirty="0"/>
+          </a:p>
+          <a:p>
+            <a:r>
+              <a:rPr lang="hu-HU" dirty="0"/>
+              <a:t>This linear optic network is basically an </a:t>
+            </a:r>
+            <a:r>
+              <a:rPr lang="hu-HU" b="1" dirty="0"/>
+              <a:t>interferometer </a:t>
+            </a:r>
+            <a:r>
+              <a:rPr lang="hu-HU" b="0" dirty="0"/>
+              <a:t>made of beam splitters and phase shifters as it can be seen on the diagram on the left. </a:t>
+            </a:r>
+            <a:endParaRPr lang="hu-HU" b="1" dirty="0"/>
+          </a:p>
+          <a:p>
+            <a:endParaRPr lang="hu-HU" dirty="0"/>
+          </a:p>
+          <a:p>
+            <a:r>
+              <a:rPr lang="hu-HU" dirty="0"/>
+              <a:t>In this notation S represents a configuration of where the photons could arrive. </a:t>
+            </a:r>
+          </a:p>
+          <a:p>
+            <a:r>
+              <a:rPr lang="hu-HU" dirty="0"/>
+              <a:t>Gamma represents the amplitude associated with that configuration.</a:t>
+            </a:r>
+          </a:p>
+          <a:p>
+            <a:r>
+              <a:rPr lang="hu-HU" dirty="0"/>
+              <a:t>N sub 1 super S is the number of photons in the state 1 in the configuration S.</a:t>
+            </a:r>
+          </a:p>
+          <a:p>
+            <a:endParaRPr lang="hu-HU" dirty="0"/>
+          </a:p>
+          <a:p>
+            <a:r>
+              <a:rPr lang="hu-HU" dirty="0"/>
+              <a:t>The output state represent all the possible configurations. </a:t>
+            </a:r>
+          </a:p>
+          <a:p>
+            <a:r>
+              <a:rPr lang="hu-HU" dirty="0"/>
+              <a:t>Then we measure the output and we get the S configuration with absolute gamma squared probability.</a:t>
+            </a:r>
+          </a:p>
+          <a:p>
+            <a:r>
+              <a:rPr lang="hu-HU" dirty="0"/>
+              <a:t>So the goal is to build up statistics of what P of S looks like.</a:t>
             </a:r>
           </a:p>
         </p:txBody>
@@ -1403,7 +1518,7 @@
           <a:p>
             <a:fld id="{CA4D5627-2EC6-4212-8271-F1EB6C1D5C54}" type="slidenum">
               <a:rPr lang="hu-HU" smtClean="0"/>
-              <a:t>5</a:t>
+              <a:t>9</a:t>
             </a:fld>
             <a:endParaRPr lang="hu-HU"/>
           </a:p>
@@ -1412,7 +1527,7 @@
     </p:spTree>
     <p:extLst>
       <p:ext uri="{BB962C8B-B14F-4D97-AF65-F5344CB8AC3E}">
-        <p14:creationId xmlns:p14="http://schemas.microsoft.com/office/powerpoint/2010/main" val="2407068548"/>
+        <p14:creationId xmlns:p14="http://schemas.microsoft.com/office/powerpoint/2010/main" val="3132199387"/>
       </p:ext>
     </p:extLst>
   </p:cSld>
@@ -1468,52 +1583,98 @@
           <a:p>
             <a:r>
               <a:rPr lang="hu-HU" dirty="0"/>
-              <a:t>This is the model overview of the variational bosonic solver.</a:t>
+              <a:t>What is a boson sampler and how it works?</a:t>
             </a:r>
           </a:p>
           <a:p>
             <a:r>
               <a:rPr lang="hu-HU" dirty="0"/>
-              <a:t>In the first step we generate a quantum state with the M-mode interferometer. </a:t>
-            </a:r>
-          </a:p>
-          <a:p>
+              <a:t>Here is what the boson sampler does on a diagram.</a:t>
+            </a:r>
+          </a:p>
+          <a:p>
+            <a:r>
+              <a:rPr lang="en-US" dirty="0"/>
+              <a:t>On top, there are single photon states </a:t>
+            </a:r>
             <a:r>
               <a:rPr lang="hu-HU" dirty="0"/>
-              <a:t>The amplitudes of the quantum states depend on the circuit elements’ angles, thetas and psis.</a:t>
-            </a:r>
-          </a:p>
-          <a:p>
+              <a:t>in n modes </a:t>
+            </a:r>
+            <a:r>
+              <a:rPr lang="en-US" dirty="0"/>
+              <a:t>and vacuum states</a:t>
+            </a:r>
+            <a:r>
+              <a:rPr lang="hu-HU" dirty="0"/>
+              <a:t> in the remaining of the m modes.</a:t>
+            </a:r>
+          </a:p>
+          <a:p>
+            <a:r>
+              <a:rPr lang="hu-HU" dirty="0"/>
+              <a:t>Note: there is only one photon per mode.</a:t>
+            </a:r>
+          </a:p>
+          <a:p>
+            <a:r>
+              <a:rPr lang="hu-HU" dirty="0"/>
+              <a:t>This input state is </a:t>
+            </a:r>
+            <a:r>
+              <a:rPr lang="en-US" dirty="0"/>
+              <a:t>propagated through a linear optics network.</a:t>
+            </a:r>
             <a:endParaRPr lang="hu-HU" dirty="0"/>
           </a:p>
           <a:p>
             <a:r>
               <a:rPr lang="hu-HU" dirty="0"/>
-              <a:t>Then we apply a parity function so that the we map the optical states to a many-qubit hilbert space. Then we have our qubits. </a:t>
+              <a:t>It implements a unitary map on the creation operators like this.</a:t>
             </a:r>
           </a:p>
           <a:p>
             <a:r>
               <a:rPr lang="hu-HU" dirty="0"/>
-              <a:t>Note: Each qubit state has a some energy associated with it.</a:t>
+              <a:t>The unitary map depends </a:t>
             </a:r>
           </a:p>
           <a:p>
             <a:endParaRPr lang="hu-HU" dirty="0"/>
           </a:p>
           <a:p>
+            <a:endParaRPr lang="hu-HU" dirty="0"/>
+          </a:p>
+          <a:p>
             <a:r>
               <a:rPr lang="hu-HU" dirty="0"/>
-              <a:t>So we apply the parity functions and record the amplitudes of the qubits.</a:t>
-            </a:r>
-          </a:p>
-          <a:p>
+              <a:t>Then at the output we’ve got some big </a:t>
+            </a:r>
+            <a:r>
+              <a:rPr lang="en-US" dirty="0"/>
+              <a:t>superpositions of the multiphoton optical states.</a:t>
+            </a:r>
             <a:endParaRPr lang="hu-HU" dirty="0"/>
           </a:p>
           <a:p>
+            <a:endParaRPr lang="hu-HU" dirty="0"/>
+          </a:p>
+          <a:p>
             <a:r>
               <a:rPr lang="hu-HU" dirty="0"/>
-              <a:t>Then using these amplitudes and the qubit states we calculate the expected value of the energy – it is the objective function, that we try to minimize. </a:t>
+              <a:t>In this notation S represents a configuration of where the photons could arrive. </a:t>
+            </a:r>
+          </a:p>
+          <a:p>
+            <a:r>
+              <a:rPr lang="hu-HU" dirty="0"/>
+              <a:t>Gamma represents the amplitude associated with that configuration.</a:t>
+            </a:r>
+          </a:p>
+          <a:p>
+            <a:r>
+              <a:rPr lang="hu-HU" dirty="0"/>
+              <a:t>N sub 1 super S is the number of photons in the state 1 in the configuration S.</a:t>
             </a:r>
           </a:p>
           <a:p>
@@ -1522,25 +1683,19 @@
           <a:p>
             <a:r>
               <a:rPr lang="hu-HU" dirty="0"/>
-              <a:t>Then we tweak the psi and theta parameters with gradient descent and do the previous steps again.</a:t>
-            </a:r>
-          </a:p>
-          <a:p>
-            <a:endParaRPr lang="hu-HU" dirty="0"/>
+              <a:t>The output state represent all the possible configurations. </a:t>
+            </a:r>
           </a:p>
           <a:p>
             <a:r>
               <a:rPr lang="hu-HU" dirty="0"/>
-              <a:t>The goal is to find the smallest energy and the associated bit string.</a:t>
-            </a:r>
-          </a:p>
-          <a:p>
-            <a:endParaRPr lang="hu-HU" dirty="0"/>
+              <a:t>Then we measure the output and we get the S configuration with absolute gamma squared probability.</a:t>
+            </a:r>
           </a:p>
           <a:p>
             <a:r>
               <a:rPr lang="hu-HU" dirty="0"/>
-              <a:t>So, how can we use this ? We need to formulate our our problem as optimizing the energy by choosing an appropriate Hamiltonian matrix. </a:t>
+              <a:t>So the goal is to build up statistics of what P of S looks like.</a:t>
             </a:r>
           </a:p>
         </p:txBody>
@@ -1562,7 +1717,7 @@
           <a:p>
             <a:fld id="{CA4D5627-2EC6-4212-8271-F1EB6C1D5C54}" type="slidenum">
               <a:rPr lang="hu-HU" smtClean="0"/>
-              <a:t>7</a:t>
+              <a:t>10</a:t>
             </a:fld>
             <a:endParaRPr lang="hu-HU"/>
           </a:p>
@@ -1571,7 +1726,317 @@
     </p:spTree>
     <p:extLst>
       <p:ext uri="{BB962C8B-B14F-4D97-AF65-F5344CB8AC3E}">
-        <p14:creationId xmlns:p14="http://schemas.microsoft.com/office/powerpoint/2010/main" val="1191337104"/>
+        <p14:creationId xmlns:p14="http://schemas.microsoft.com/office/powerpoint/2010/main" val="681078116"/>
+      </p:ext>
+    </p:extLst>
+  </p:cSld>
+  <p:clrMapOvr>
+    <a:masterClrMapping/>
+  </p:clrMapOvr>
+</p:notes>
+</file>
+
+<file path=ppt/notesSlides/notesSlide7.xml><?xml version="1.0" encoding="utf-8"?>
+<p:notes xmlns:a="http://schemas.openxmlformats.org/drawingml/2006/main" xmlns:r="http://schemas.openxmlformats.org/officeDocument/2006/relationships" xmlns:p="http://schemas.openxmlformats.org/presentationml/2006/main">
+  <p:cSld>
+    <p:spTree>
+      <p:nvGrpSpPr>
+        <p:cNvPr id="1" name=""/>
+        <p:cNvGrpSpPr/>
+        <p:nvPr/>
+      </p:nvGrpSpPr>
+      <p:grpSpPr>
+        <a:xfrm>
+          <a:off x="0" y="0"/>
+          <a:ext cx="0" cy="0"/>
+          <a:chOff x="0" y="0"/>
+          <a:chExt cx="0" cy="0"/>
+        </a:xfrm>
+      </p:grpSpPr>
+      <p:sp>
+        <p:nvSpPr>
+          <p:cNvPr id="2" name="Slide Image Placeholder 1"/>
+          <p:cNvSpPr>
+            <a:spLocks noGrp="1" noRot="1" noChangeAspect="1"/>
+          </p:cNvSpPr>
+          <p:nvPr>
+            <p:ph type="sldImg"/>
+          </p:nvPr>
+        </p:nvSpPr>
+        <p:spPr/>
+      </p:sp>
+      <p:sp>
+        <p:nvSpPr>
+          <p:cNvPr id="3" name="Notes Placeholder 2"/>
+          <p:cNvSpPr>
+            <a:spLocks noGrp="1"/>
+          </p:cNvSpPr>
+          <p:nvPr>
+            <p:ph type="body" idx="1"/>
+          </p:nvPr>
+        </p:nvSpPr>
+        <p:spPr/>
+        <p:txBody>
+          <a:bodyPr/>
+          <a:lstStyle/>
+          <a:p>
+            <a:r>
+              <a:rPr lang="hu-HU" dirty="0"/>
+              <a:t>Then the question is why do we need a quantum computer for that?</a:t>
+            </a:r>
+          </a:p>
+          <a:p>
+            <a:r>
+              <a:rPr lang="hu-HU" dirty="0"/>
+              <a:t>One of the key results is that measuring the probability of a given configuration is proportional to a permanent of the A matrix.</a:t>
+            </a:r>
+          </a:p>
+          <a:p>
+            <a:r>
+              <a:rPr lang="hu-HU" dirty="0"/>
+              <a:t>The A matrix is a unitary transformation describing the linear optics network and the output configuration.</a:t>
+            </a:r>
+          </a:p>
+          <a:p>
+            <a:r>
+              <a:rPr lang="hu-HU" dirty="0"/>
+              <a:t>It is a very hard problem to calculate complex-valued matrix permanents. So boson sampling is classically inefficient to simulate, we need a real quantum device to that.</a:t>
+            </a:r>
+          </a:p>
+        </p:txBody>
+      </p:sp>
+      <p:sp>
+        <p:nvSpPr>
+          <p:cNvPr id="4" name="Slide Number Placeholder 3"/>
+          <p:cNvSpPr>
+            <a:spLocks noGrp="1"/>
+          </p:cNvSpPr>
+          <p:nvPr>
+            <p:ph type="sldNum" sz="quarter" idx="5"/>
+          </p:nvPr>
+        </p:nvSpPr>
+        <p:spPr/>
+        <p:txBody>
+          <a:bodyPr/>
+          <a:lstStyle/>
+          <a:p>
+            <a:fld id="{CA4D5627-2EC6-4212-8271-F1EB6C1D5C54}" type="slidenum">
+              <a:rPr lang="hu-HU" smtClean="0"/>
+              <a:t>11</a:t>
+            </a:fld>
+            <a:endParaRPr lang="hu-HU"/>
+          </a:p>
+        </p:txBody>
+      </p:sp>
+    </p:spTree>
+    <p:extLst>
+      <p:ext uri="{BB962C8B-B14F-4D97-AF65-F5344CB8AC3E}">
+        <p14:creationId xmlns:p14="http://schemas.microsoft.com/office/powerpoint/2010/main" val="2407068548"/>
+      </p:ext>
+    </p:extLst>
+  </p:cSld>
+  <p:clrMapOvr>
+    <a:masterClrMapping/>
+  </p:clrMapOvr>
+</p:notes>
+</file>
+
+<file path=ppt/notesSlides/notesSlide8.xml><?xml version="1.0" encoding="utf-8"?>
+<p:notes xmlns:a="http://schemas.openxmlformats.org/drawingml/2006/main" xmlns:r="http://schemas.openxmlformats.org/officeDocument/2006/relationships" xmlns:p="http://schemas.openxmlformats.org/presentationml/2006/main">
+  <p:cSld>
+    <p:spTree>
+      <p:nvGrpSpPr>
+        <p:cNvPr id="1" name=""/>
+        <p:cNvGrpSpPr/>
+        <p:nvPr/>
+      </p:nvGrpSpPr>
+      <p:grpSpPr>
+        <a:xfrm>
+          <a:off x="0" y="0"/>
+          <a:ext cx="0" cy="0"/>
+          <a:chOff x="0" y="0"/>
+          <a:chExt cx="0" cy="0"/>
+        </a:xfrm>
+      </p:grpSpPr>
+      <p:sp>
+        <p:nvSpPr>
+          <p:cNvPr id="2" name="Slide Image Placeholder 1"/>
+          <p:cNvSpPr>
+            <a:spLocks noGrp="1" noRot="1" noChangeAspect="1"/>
+          </p:cNvSpPr>
+          <p:nvPr>
+            <p:ph type="sldImg"/>
+          </p:nvPr>
+        </p:nvSpPr>
+        <p:spPr/>
+      </p:sp>
+      <p:sp>
+        <p:nvSpPr>
+          <p:cNvPr id="3" name="Notes Placeholder 2"/>
+          <p:cNvSpPr>
+            <a:spLocks noGrp="1"/>
+          </p:cNvSpPr>
+          <p:nvPr>
+            <p:ph type="body" idx="1"/>
+          </p:nvPr>
+        </p:nvSpPr>
+        <p:spPr/>
+        <p:txBody>
+          <a:bodyPr/>
+          <a:lstStyle/>
+          <a:p>
+            <a:r>
+              <a:rPr lang="hu-HU" dirty="0"/>
+              <a:t>My contribution</a:t>
+            </a:r>
+          </a:p>
+        </p:txBody>
+      </p:sp>
+      <p:sp>
+        <p:nvSpPr>
+          <p:cNvPr id="4" name="Slide Number Placeholder 3"/>
+          <p:cNvSpPr>
+            <a:spLocks noGrp="1"/>
+          </p:cNvSpPr>
+          <p:nvPr>
+            <p:ph type="sldNum" sz="quarter" idx="5"/>
+          </p:nvPr>
+        </p:nvSpPr>
+        <p:spPr/>
+        <p:txBody>
+          <a:bodyPr/>
+          <a:lstStyle/>
+          <a:p>
+            <a:fld id="{CA4D5627-2EC6-4212-8271-F1EB6C1D5C54}" type="slidenum">
+              <a:rPr lang="hu-HU" smtClean="0"/>
+              <a:t>15</a:t>
+            </a:fld>
+            <a:endParaRPr lang="hu-HU"/>
+          </a:p>
+        </p:txBody>
+      </p:sp>
+    </p:spTree>
+    <p:extLst>
+      <p:ext uri="{BB962C8B-B14F-4D97-AF65-F5344CB8AC3E}">
+        <p14:creationId xmlns:p14="http://schemas.microsoft.com/office/powerpoint/2010/main" val="3841965688"/>
+      </p:ext>
+    </p:extLst>
+  </p:cSld>
+  <p:clrMapOvr>
+    <a:masterClrMapping/>
+  </p:clrMapOvr>
+</p:notes>
+</file>
+
+<file path=ppt/notesSlides/notesSlide9.xml><?xml version="1.0" encoding="utf-8"?>
+<p:notes xmlns:a="http://schemas.openxmlformats.org/drawingml/2006/main" xmlns:r="http://schemas.openxmlformats.org/officeDocument/2006/relationships" xmlns:p="http://schemas.openxmlformats.org/presentationml/2006/main">
+  <p:cSld>
+    <p:spTree>
+      <p:nvGrpSpPr>
+        <p:cNvPr id="1" name=""/>
+        <p:cNvGrpSpPr/>
+        <p:nvPr/>
+      </p:nvGrpSpPr>
+      <p:grpSpPr>
+        <a:xfrm>
+          <a:off x="0" y="0"/>
+          <a:ext cx="0" cy="0"/>
+          <a:chOff x="0" y="0"/>
+          <a:chExt cx="0" cy="0"/>
+        </a:xfrm>
+      </p:grpSpPr>
+      <p:sp>
+        <p:nvSpPr>
+          <p:cNvPr id="2" name="Slide Image Placeholder 1"/>
+          <p:cNvSpPr>
+            <a:spLocks noGrp="1" noRot="1" noChangeAspect="1"/>
+          </p:cNvSpPr>
+          <p:nvPr>
+            <p:ph type="sldImg"/>
+          </p:nvPr>
+        </p:nvSpPr>
+        <p:spPr/>
+      </p:sp>
+      <p:sp>
+        <p:nvSpPr>
+          <p:cNvPr id="3" name="Notes Placeholder 2"/>
+          <p:cNvSpPr>
+            <a:spLocks noGrp="1"/>
+          </p:cNvSpPr>
+          <p:nvPr>
+            <p:ph type="body" idx="1"/>
+          </p:nvPr>
+        </p:nvSpPr>
+        <p:spPr/>
+        <p:txBody>
+          <a:bodyPr/>
+          <a:lstStyle/>
+          <a:p>
+            <a:r>
+              <a:rPr lang="en-US" dirty="0" err="1"/>
+              <a:t>Unfortunatly</a:t>
+            </a:r>
+            <a:r>
+              <a:rPr lang="en-US" dirty="0"/>
+              <a:t> we found no clear correspondence between the expected value of the QUBO matrix and the number of breaks</a:t>
+            </a:r>
+            <a:r>
+              <a:rPr lang="hu-HU" dirty="0"/>
+              <a:t>. </a:t>
+            </a:r>
+          </a:p>
+          <a:p>
+            <a:endParaRPr lang="hu-HU" dirty="0"/>
+          </a:p>
+          <a:p>
+            <a:r>
+              <a:rPr lang="en-US" dirty="0"/>
+              <a:t>This leads to the conclusion that perhaps the Q matrix is calculated in a wrong way.</a:t>
+            </a:r>
+            <a:endParaRPr lang="hu-HU" dirty="0"/>
+          </a:p>
+          <a:p>
+            <a:endParaRPr lang="hu-HU" dirty="0"/>
+          </a:p>
+          <a:p>
+            <a:r>
+              <a:rPr lang="en-US" dirty="0"/>
+              <a:t>In the future we might try using different timetables  with the same calculations, however we presume that it is not very likely to generate better results.</a:t>
+            </a:r>
+            <a:endParaRPr lang="hu-HU" dirty="0"/>
+          </a:p>
+          <a:p>
+            <a:endParaRPr lang="hu-HU" dirty="0"/>
+          </a:p>
+        </p:txBody>
+      </p:sp>
+      <p:sp>
+        <p:nvSpPr>
+          <p:cNvPr id="4" name="Slide Number Placeholder 3"/>
+          <p:cNvSpPr>
+            <a:spLocks noGrp="1"/>
+          </p:cNvSpPr>
+          <p:nvPr>
+            <p:ph type="sldNum" sz="quarter" idx="5"/>
+          </p:nvPr>
+        </p:nvSpPr>
+        <p:spPr/>
+        <p:txBody>
+          <a:bodyPr/>
+          <a:lstStyle/>
+          <a:p>
+            <a:fld id="{CA4D5627-2EC6-4212-8271-F1EB6C1D5C54}" type="slidenum">
+              <a:rPr lang="hu-HU" smtClean="0"/>
+              <a:t>16</a:t>
+            </a:fld>
+            <a:endParaRPr lang="hu-HU"/>
+          </a:p>
+        </p:txBody>
+      </p:sp>
+    </p:spTree>
+    <p:extLst>
+      <p:ext uri="{BB962C8B-B14F-4D97-AF65-F5344CB8AC3E}">
+        <p14:creationId xmlns:p14="http://schemas.microsoft.com/office/powerpoint/2010/main" val="2332899815"/>
       </p:ext>
     </p:extLst>
   </p:cSld>
@@ -1730,7 +2195,7 @@
           <a:p>
             <a:fld id="{22B6A5EC-5C40-4D16-A161-35791B9AB6ED}" type="datetimeFigureOut">
               <a:rPr lang="hu-HU" smtClean="0"/>
-              <a:t>2022. 03. 24.</a:t>
+              <a:t>2022. 04. 04.</a:t>
             </a:fld>
             <a:endParaRPr lang="hu-HU"/>
           </a:p>
@@ -1930,7 +2395,7 @@
           <a:p>
             <a:fld id="{22B6A5EC-5C40-4D16-A161-35791B9AB6ED}" type="datetimeFigureOut">
               <a:rPr lang="hu-HU" smtClean="0"/>
-              <a:t>2022. 03. 24.</a:t>
+              <a:t>2022. 04. 04.</a:t>
             </a:fld>
             <a:endParaRPr lang="hu-HU"/>
           </a:p>
@@ -2140,7 +2605,7 @@
           <a:p>
             <a:fld id="{22B6A5EC-5C40-4D16-A161-35791B9AB6ED}" type="datetimeFigureOut">
               <a:rPr lang="hu-HU" smtClean="0"/>
-              <a:t>2022. 03. 24.</a:t>
+              <a:t>2022. 04. 04.</a:t>
             </a:fld>
             <a:endParaRPr lang="hu-HU"/>
           </a:p>
@@ -2340,7 +2805,7 @@
           <a:p>
             <a:fld id="{22B6A5EC-5C40-4D16-A161-35791B9AB6ED}" type="datetimeFigureOut">
               <a:rPr lang="hu-HU" smtClean="0"/>
-              <a:t>2022. 03. 24.</a:t>
+              <a:t>2022. 04. 04.</a:t>
             </a:fld>
             <a:endParaRPr lang="hu-HU"/>
           </a:p>
@@ -2616,7 +3081,7 @@
           <a:p>
             <a:fld id="{22B6A5EC-5C40-4D16-A161-35791B9AB6ED}" type="datetimeFigureOut">
               <a:rPr lang="hu-HU" smtClean="0"/>
-              <a:t>2022. 03. 24.</a:t>
+              <a:t>2022. 04. 04.</a:t>
             </a:fld>
             <a:endParaRPr lang="hu-HU"/>
           </a:p>
@@ -2884,7 +3349,7 @@
           <a:p>
             <a:fld id="{22B6A5EC-5C40-4D16-A161-35791B9AB6ED}" type="datetimeFigureOut">
               <a:rPr lang="hu-HU" smtClean="0"/>
-              <a:t>2022. 03. 24.</a:t>
+              <a:t>2022. 04. 04.</a:t>
             </a:fld>
             <a:endParaRPr lang="hu-HU"/>
           </a:p>
@@ -3299,7 +3764,7 @@
           <a:p>
             <a:fld id="{22B6A5EC-5C40-4D16-A161-35791B9AB6ED}" type="datetimeFigureOut">
               <a:rPr lang="hu-HU" smtClean="0"/>
-              <a:t>2022. 03. 24.</a:t>
+              <a:t>2022. 04. 04.</a:t>
             </a:fld>
             <a:endParaRPr lang="hu-HU"/>
           </a:p>
@@ -3441,7 +3906,7 @@
           <a:p>
             <a:fld id="{22B6A5EC-5C40-4D16-A161-35791B9AB6ED}" type="datetimeFigureOut">
               <a:rPr lang="hu-HU" smtClean="0"/>
-              <a:t>2022. 03. 24.</a:t>
+              <a:t>2022. 04. 04.</a:t>
             </a:fld>
             <a:endParaRPr lang="hu-HU"/>
           </a:p>
@@ -3554,7 +4019,7 @@
           <a:p>
             <a:fld id="{22B6A5EC-5C40-4D16-A161-35791B9AB6ED}" type="datetimeFigureOut">
               <a:rPr lang="hu-HU" smtClean="0"/>
-              <a:t>2022. 03. 24.</a:t>
+              <a:t>2022. 04. 04.</a:t>
             </a:fld>
             <a:endParaRPr lang="hu-HU"/>
           </a:p>
@@ -3867,7 +4332,7 @@
           <a:p>
             <a:fld id="{22B6A5EC-5C40-4D16-A161-35791B9AB6ED}" type="datetimeFigureOut">
               <a:rPr lang="hu-HU" smtClean="0"/>
-              <a:t>2022. 03. 24.</a:t>
+              <a:t>2022. 04. 04.</a:t>
             </a:fld>
             <a:endParaRPr lang="hu-HU"/>
           </a:p>
@@ -4156,7 +4621,7 @@
           <a:p>
             <a:fld id="{22B6A5EC-5C40-4D16-A161-35791B9AB6ED}" type="datetimeFigureOut">
               <a:rPr lang="hu-HU" smtClean="0"/>
-              <a:t>2022. 03. 24.</a:t>
+              <a:t>2022. 04. 04.</a:t>
             </a:fld>
             <a:endParaRPr lang="hu-HU"/>
           </a:p>
@@ -4399,7 +4864,7 @@
           <a:p>
             <a:fld id="{22B6A5EC-5C40-4D16-A161-35791B9AB6ED}" type="datetimeFigureOut">
               <a:rPr lang="hu-HU" smtClean="0"/>
-              <a:t>2022. 03. 24.</a:t>
+              <a:t>2022. 04. 04.</a:t>
             </a:fld>
             <a:endParaRPr lang="hu-HU"/>
           </a:p>
@@ -4843,6 +5308,14 @@
               <a:rPr lang="hu-HU" dirty="0"/>
               <a:t>Quadratic optimization with quantum computing</a:t>
             </a:r>
+            <a:br>
+              <a:rPr lang="hu-HU" dirty="0"/>
+            </a:br>
+            <a:r>
+              <a:rPr lang="hu-HU" sz="1400" dirty="0"/>
+              <a:t>midterm presentation</a:t>
+            </a:r>
+            <a:endParaRPr lang="hu-HU" dirty="0"/>
           </a:p>
         </p:txBody>
       </p:sp>
@@ -4893,8 +5366,8 @@
 </p:sld>
 </file>
 
-<file path=ppt/slides/slide2.xml><?xml version="1.0" encoding="utf-8"?>
-<p:sld xmlns:a="http://schemas.openxmlformats.org/drawingml/2006/main" xmlns:r="http://schemas.openxmlformats.org/officeDocument/2006/relationships" xmlns:p="http://schemas.openxmlformats.org/presentationml/2006/main">
+<file path=ppt/slides/slide10.xml><?xml version="1.0" encoding="utf-8"?>
+<p:sld xmlns:a="http://schemas.openxmlformats.org/drawingml/2006/main" xmlns:r="http://schemas.openxmlformats.org/officeDocument/2006/relationships" xmlns:p="http://schemas.openxmlformats.org/presentationml/2006/main" show="0">
   <p:cSld>
     <p:spTree>
       <p:nvGrpSpPr>
@@ -4912,267 +5385,20 @@
       </p:grpSpPr>
       <p:sp>
         <p:nvSpPr>
-          <p:cNvPr id="2" name="Title 1">
-            <a:extLst>
-              <a:ext uri="{FF2B5EF4-FFF2-40B4-BE49-F238E27FC236}">
-                <a16:creationId xmlns:a16="http://schemas.microsoft.com/office/drawing/2014/main" id="{649032D4-326C-4797-A966-CB25DC44CF2A}"/>
-              </a:ext>
-            </a:extLst>
-          </p:cNvPr>
-          <p:cNvSpPr>
-            <a:spLocks noGrp="1"/>
-          </p:cNvSpPr>
-          <p:nvPr>
-            <p:ph type="title"/>
-          </p:nvPr>
+          <p:cNvPr id="11" name="TextBox 10">
+            <a:extLst>
+              <a:ext uri="{FF2B5EF4-FFF2-40B4-BE49-F238E27FC236}">
+                <a16:creationId xmlns:a16="http://schemas.microsoft.com/office/drawing/2014/main" id="{FAD9EA76-160F-4255-90C4-97C3A5E8456C}"/>
+              </a:ext>
+            </a:extLst>
+          </p:cNvPr>
+          <p:cNvSpPr txBox="1"/>
+          <p:nvPr/>
         </p:nvSpPr>
         <p:spPr>
           <a:xfrm>
-            <a:off x="838200" y="1355725"/>
-            <a:ext cx="10515600" cy="1325563"/>
-          </a:xfrm>
-        </p:spPr>
-        <p:txBody>
-          <a:bodyPr/>
-          <a:lstStyle/>
-          <a:p>
-            <a:r>
-              <a:rPr lang="hu-HU" dirty="0">
-                <a:latin typeface="+mn-lt"/>
-              </a:rPr>
-              <a:t>Open questions</a:t>
-            </a:r>
-          </a:p>
-        </p:txBody>
-      </p:sp>
-      <p:sp>
-        <p:nvSpPr>
-          <p:cNvPr id="3" name="Content Placeholder 2">
-            <a:extLst>
-              <a:ext uri="{FF2B5EF4-FFF2-40B4-BE49-F238E27FC236}">
-                <a16:creationId xmlns:a16="http://schemas.microsoft.com/office/drawing/2014/main" id="{E4C4CCF5-9AC4-4EEE-9510-C9EDD83417A9}"/>
-              </a:ext>
-            </a:extLst>
-          </p:cNvPr>
-          <p:cNvSpPr>
-            <a:spLocks noGrp="1"/>
-          </p:cNvSpPr>
-          <p:nvPr>
-            <p:ph idx="1"/>
-          </p:nvPr>
-        </p:nvSpPr>
-        <p:spPr>
-          <a:xfrm>
-            <a:off x="5494020" y="1825625"/>
-            <a:ext cx="5859780" cy="4351338"/>
-          </a:xfrm>
-        </p:spPr>
-        <p:txBody>
-          <a:bodyPr/>
-          <a:lstStyle/>
-          <a:p>
-            <a:pPr algn="just">
-              <a:spcBef>
-                <a:spcPts val="600"/>
-              </a:spcBef>
-              <a:spcAft>
-                <a:spcPts val="1800"/>
-              </a:spcAft>
-              <a:tabLst>
-                <a:tab pos="5943600" algn="r"/>
-              </a:tabLst>
-            </a:pPr>
-            <a:r>
-              <a:rPr lang="en-US" sz="2400" dirty="0">
-                <a:effectLst/>
-                <a:ea typeface="LM Roman 10" panose="00000500000000000000" pitchFamily="50" charset="-18"/>
-                <a:cs typeface="Times New Roman" panose="02020603050405020304" pitchFamily="18" charset="0"/>
-              </a:rPr>
-              <a:t>When will we be able to build a</a:t>
-            </a:r>
-            <a:r>
-              <a:rPr lang="hu-HU" sz="2400" dirty="0">
-                <a:effectLst/>
-                <a:ea typeface="LM Roman 10" panose="00000500000000000000" pitchFamily="50" charset="-18"/>
-                <a:cs typeface="Times New Roman" panose="02020603050405020304" pitchFamily="18" charset="0"/>
-              </a:rPr>
-              <a:t> powerful</a:t>
-            </a:r>
-            <a:r>
-              <a:rPr lang="en-US" sz="2400" dirty="0">
-                <a:effectLst/>
-                <a:ea typeface="LM Roman 10" panose="00000500000000000000" pitchFamily="50" charset="-18"/>
-                <a:cs typeface="Times New Roman" panose="02020603050405020304" pitchFamily="18" charset="0"/>
-              </a:rPr>
-              <a:t> optical quantum computer?</a:t>
-            </a:r>
-            <a:endParaRPr lang="hu-HU" sz="2400" dirty="0">
-              <a:effectLst/>
-              <a:ea typeface="LM Roman 10" panose="00000500000000000000" pitchFamily="50" charset="-18"/>
-              <a:cs typeface="Times New Roman" panose="02020603050405020304" pitchFamily="18" charset="0"/>
-            </a:endParaRPr>
-          </a:p>
-          <a:p>
-            <a:pPr algn="just">
-              <a:spcBef>
-                <a:spcPts val="600"/>
-              </a:spcBef>
-              <a:spcAft>
-                <a:spcPts val="1800"/>
-              </a:spcAft>
-              <a:tabLst>
-                <a:tab pos="5943600" algn="r"/>
-              </a:tabLst>
-            </a:pPr>
-            <a:r>
-              <a:rPr lang="en-US" sz="2400" dirty="0">
-                <a:effectLst/>
-                <a:ea typeface="LM Roman 10" panose="00000500000000000000" pitchFamily="50" charset="-18"/>
-                <a:cs typeface="Times New Roman" panose="02020603050405020304" pitchFamily="18" charset="0"/>
-              </a:rPr>
-              <a:t>What physical resources and equipment will this device need?</a:t>
-            </a:r>
-            <a:endParaRPr lang="hu-HU" sz="2400" dirty="0">
-              <a:effectLst/>
-              <a:ea typeface="LM Roman 10" panose="00000500000000000000" pitchFamily="50" charset="-18"/>
-              <a:cs typeface="Times New Roman" panose="02020603050405020304" pitchFamily="18" charset="0"/>
-            </a:endParaRPr>
-          </a:p>
-          <a:p>
-            <a:pPr algn="just">
-              <a:spcBef>
-                <a:spcPts val="600"/>
-              </a:spcBef>
-              <a:spcAft>
-                <a:spcPts val="1800"/>
-              </a:spcAft>
-              <a:tabLst>
-                <a:tab pos="5943600" algn="r"/>
-              </a:tabLst>
-            </a:pPr>
-            <a:r>
-              <a:rPr lang="en-US" sz="2400" dirty="0">
-                <a:effectLst/>
-                <a:ea typeface="LM Roman 10" panose="00000500000000000000" pitchFamily="50" charset="-18"/>
-                <a:cs typeface="Times New Roman" panose="02020603050405020304" pitchFamily="18" charset="0"/>
-              </a:rPr>
-              <a:t>How much do we have to improve technology to reach this?</a:t>
-            </a:r>
-            <a:endParaRPr lang="hu-HU" sz="2400" dirty="0">
-              <a:effectLst/>
-              <a:ea typeface="LM Roman 10" panose="00000500000000000000" pitchFamily="50" charset="-18"/>
-              <a:cs typeface="Times New Roman" panose="02020603050405020304" pitchFamily="18" charset="0"/>
-            </a:endParaRPr>
-          </a:p>
-          <a:p>
-            <a:endParaRPr lang="hu-HU" dirty="0"/>
-          </a:p>
-        </p:txBody>
-      </p:sp>
-    </p:spTree>
-    <p:extLst>
-      <p:ext uri="{BB962C8B-B14F-4D97-AF65-F5344CB8AC3E}">
-        <p14:creationId xmlns:p14="http://schemas.microsoft.com/office/powerpoint/2010/main" val="523655769"/>
-      </p:ext>
-    </p:extLst>
-  </p:cSld>
-  <p:clrMapOvr>
-    <a:masterClrMapping/>
-  </p:clrMapOvr>
-</p:sld>
-</file>
-
-<file path=ppt/slides/slide3.xml><?xml version="1.0" encoding="utf-8"?>
-<p:sld xmlns:a="http://schemas.openxmlformats.org/drawingml/2006/main" xmlns:r="http://schemas.openxmlformats.org/officeDocument/2006/relationships" xmlns:p="http://schemas.openxmlformats.org/presentationml/2006/main">
-  <p:cSld>
-    <p:spTree>
-      <p:nvGrpSpPr>
-        <p:cNvPr id="1" name=""/>
-        <p:cNvGrpSpPr/>
-        <p:nvPr/>
-      </p:nvGrpSpPr>
-      <p:grpSpPr>
-        <a:xfrm>
-          <a:off x="0" y="0"/>
-          <a:ext cx="0" cy="0"/>
-          <a:chOff x="0" y="0"/>
-          <a:chExt cx="0" cy="0"/>
-        </a:xfrm>
-      </p:grpSpPr>
-      <p:sp>
-        <p:nvSpPr>
-          <p:cNvPr id="2" name="Title 1">
-            <a:extLst>
-              <a:ext uri="{FF2B5EF4-FFF2-40B4-BE49-F238E27FC236}">
-                <a16:creationId xmlns:a16="http://schemas.microsoft.com/office/drawing/2014/main" id="{66CEC24B-D202-49E0-9803-FF84FB4E51FD}"/>
-              </a:ext>
-            </a:extLst>
-          </p:cNvPr>
-          <p:cNvSpPr>
-            <a:spLocks noGrp="1"/>
-          </p:cNvSpPr>
-          <p:nvPr>
-            <p:ph type="title"/>
-          </p:nvPr>
-        </p:nvSpPr>
-        <p:spPr/>
-        <p:txBody>
-          <a:bodyPr/>
-          <a:lstStyle/>
-          <a:p>
-            <a:r>
-              <a:rPr lang="hu-HU" dirty="0"/>
-              <a:t>Application: Quadratic unconstrained binary optimization - QUBO</a:t>
-            </a:r>
-          </a:p>
-        </p:txBody>
-      </p:sp>
-      <p:pic>
-        <p:nvPicPr>
-          <p:cNvPr id="16" name="Picture 15">
-            <a:extLst>
-              <a:ext uri="{FF2B5EF4-FFF2-40B4-BE49-F238E27FC236}">
-                <a16:creationId xmlns:a16="http://schemas.microsoft.com/office/drawing/2014/main" id="{E89885AF-3C87-4FAC-9CE6-7B90EEB915A7}"/>
-              </a:ext>
-            </a:extLst>
-          </p:cNvPr>
-          <p:cNvPicPr>
-            <a:picLocks noChangeAspect="1"/>
-          </p:cNvPicPr>
-          <p:nvPr/>
-        </p:nvPicPr>
-        <p:blipFill>
-          <a:blip r:embed="rId3"/>
-          <a:stretch>
-            <a:fillRect/>
-          </a:stretch>
-        </p:blipFill>
-        <p:spPr>
-          <a:xfrm>
-            <a:off x="1449521" y="3538934"/>
-            <a:ext cx="9292958" cy="2436018"/>
-          </a:xfrm>
-          <a:prstGeom prst="rect">
-            <a:avLst/>
-          </a:prstGeom>
-        </p:spPr>
-      </p:pic>
-      <p:sp>
-        <p:nvSpPr>
-          <p:cNvPr id="20" name="TextBox 19">
-            <a:extLst>
-              <a:ext uri="{FF2B5EF4-FFF2-40B4-BE49-F238E27FC236}">
-                <a16:creationId xmlns:a16="http://schemas.microsoft.com/office/drawing/2014/main" id="{6BE67D9E-374D-441A-BADD-BFB49C63CB44}"/>
-              </a:ext>
-            </a:extLst>
-          </p:cNvPr>
-          <p:cNvSpPr txBox="1"/>
-          <p:nvPr/>
-        </p:nvSpPr>
-        <p:spPr>
-          <a:xfrm>
-            <a:off x="1449521" y="1690688"/>
-            <a:ext cx="10329333" cy="1200329"/>
+            <a:off x="8419873" y="6215876"/>
+            <a:ext cx="3535624" cy="276999"/>
           </a:xfrm>
           <a:prstGeom prst="rect">
             <a:avLst/>
@@ -5185,146 +5411,48 @@
           </a:bodyPr>
           <a:lstStyle/>
           <a:p>
-            <a:pPr marL="285750" indent="-285750">
-              <a:buFont typeface="Arial" panose="020B0604020202020204" pitchFamily="34" charset="0"/>
-              <a:buChar char="•"/>
-            </a:pPr>
-            <a:r>
-              <a:rPr lang="hu-HU" sz="2400" dirty="0">
-                <a:latin typeface="+mj-lt"/>
-              </a:rPr>
-              <a:t>Closely related to the Ising model</a:t>
-            </a:r>
-          </a:p>
-          <a:p>
-            <a:pPr marL="285750" indent="-285750">
-              <a:buFont typeface="Arial" panose="020B0604020202020204" pitchFamily="34" charset="0"/>
-              <a:buChar char="•"/>
-            </a:pPr>
-            <a:endParaRPr lang="hu-HU" sz="2400" dirty="0">
-              <a:latin typeface="+mj-lt"/>
-            </a:endParaRPr>
-          </a:p>
-          <a:p>
-            <a:pPr marL="285750" indent="-285750">
-              <a:buFont typeface="Arial" panose="020B0604020202020204" pitchFamily="34" charset="0"/>
-              <a:buChar char="•"/>
-            </a:pPr>
-            <a:r>
-              <a:rPr lang="hu-HU" sz="2400" dirty="0">
-                <a:latin typeface="+mj-lt"/>
-              </a:rPr>
-              <a:t>Used in graph theory, finance, computer science</a:t>
-            </a:r>
-          </a:p>
-        </p:txBody>
-      </p:sp>
-    </p:spTree>
-    <p:extLst>
-      <p:ext uri="{BB962C8B-B14F-4D97-AF65-F5344CB8AC3E}">
-        <p14:creationId xmlns:p14="http://schemas.microsoft.com/office/powerpoint/2010/main" val="419033066"/>
-      </p:ext>
-    </p:extLst>
-  </p:cSld>
-  <p:clrMapOvr>
-    <a:masterClrMapping/>
-  </p:clrMapOvr>
-</p:sld>
-</file>
-
-<file path=ppt/slides/slide4.xml><?xml version="1.0" encoding="utf-8"?>
-<p:sld xmlns:a="http://schemas.openxmlformats.org/drawingml/2006/main" xmlns:r="http://schemas.openxmlformats.org/officeDocument/2006/relationships" xmlns:p="http://schemas.openxmlformats.org/presentationml/2006/main">
-  <p:cSld>
-    <p:spTree>
-      <p:nvGrpSpPr>
-        <p:cNvPr id="1" name=""/>
-        <p:cNvGrpSpPr/>
-        <p:nvPr/>
-      </p:nvGrpSpPr>
-      <p:grpSpPr>
-        <a:xfrm>
-          <a:off x="0" y="0"/>
-          <a:ext cx="0" cy="0"/>
-          <a:chOff x="0" y="0"/>
-          <a:chExt cx="0" cy="0"/>
-        </a:xfrm>
-      </p:grpSpPr>
-      <p:pic>
-        <p:nvPicPr>
-          <p:cNvPr id="10" name="Picture 9">
-            <a:extLst>
-              <a:ext uri="{FF2B5EF4-FFF2-40B4-BE49-F238E27FC236}">
-                <a16:creationId xmlns:a16="http://schemas.microsoft.com/office/drawing/2014/main" id="{273AF74E-A528-4E98-A8B6-4FD1EF8499FF}"/>
-              </a:ext>
-            </a:extLst>
-          </p:cNvPr>
-          <p:cNvPicPr>
-            <a:picLocks noChangeAspect="1"/>
-          </p:cNvPicPr>
-          <p:nvPr/>
-        </p:nvPicPr>
-        <p:blipFill>
-          <a:blip r:embed="rId3"/>
-          <a:stretch>
-            <a:fillRect/>
-          </a:stretch>
-        </p:blipFill>
-        <p:spPr>
-          <a:xfrm>
-            <a:off x="5173309" y="1521142"/>
-            <a:ext cx="6493128" cy="3815715"/>
-          </a:xfrm>
-          <a:prstGeom prst="rect">
-            <a:avLst/>
-          </a:prstGeom>
-        </p:spPr>
-      </p:pic>
-      <p:sp>
-        <p:nvSpPr>
-          <p:cNvPr id="11" name="TextBox 10">
-            <a:extLst>
-              <a:ext uri="{FF2B5EF4-FFF2-40B4-BE49-F238E27FC236}">
-                <a16:creationId xmlns:a16="http://schemas.microsoft.com/office/drawing/2014/main" id="{FAD9EA76-160F-4255-90C4-97C3A5E8456C}"/>
-              </a:ext>
-            </a:extLst>
-          </p:cNvPr>
-          <p:cNvSpPr txBox="1"/>
-          <p:nvPr/>
-        </p:nvSpPr>
-        <p:spPr>
-          <a:xfrm>
-            <a:off x="7482896" y="6185098"/>
-            <a:ext cx="6088380" cy="307777"/>
-          </a:xfrm>
-          <a:prstGeom prst="rect">
-            <a:avLst/>
-          </a:prstGeom>
-          <a:noFill/>
-        </p:spPr>
-        <p:txBody>
-          <a:bodyPr wrap="square" rtlCol="0">
-            <a:spAutoFit/>
-          </a:bodyPr>
-          <a:lstStyle/>
-          <a:p>
-            <a:r>
-              <a:rPr lang="en-US" sz="1400" dirty="0">
+            <a:r>
+              <a:rPr lang="en-US" sz="1200" dirty="0">
                 <a:solidFill>
                   <a:schemeClr val="tx1">
-                    <a:lumMod val="65000"/>
-                    <a:lumOff val="35000"/>
+                    <a:lumMod val="50000"/>
+                    <a:lumOff val="50000"/>
                   </a:schemeClr>
                 </a:solidFill>
                 <a:latin typeface="+mj-lt"/>
               </a:rPr>
-              <a:t>Gard, Bryan T., et al. "An introduction to boson-sampling.„</a:t>
-            </a:r>
-            <a:r>
-              <a:rPr lang="hu-HU" sz="1400" dirty="0">
+              <a:t>Gard</a:t>
+            </a:r>
+            <a:r>
+              <a:rPr lang="hu-HU" sz="1200" dirty="0">
                 <a:solidFill>
                   <a:schemeClr val="tx1">
-                    <a:lumMod val="65000"/>
-                    <a:lumOff val="35000"/>
+                    <a:lumMod val="50000"/>
+                    <a:lumOff val="50000"/>
+                  </a:schemeClr>
+                </a:solidFill>
+                <a:latin typeface="+mj-lt"/>
+              </a:rPr>
+              <a:t> </a:t>
+            </a:r>
+            <a:r>
+              <a:rPr lang="en-US" sz="1200" dirty="0">
+                <a:solidFill>
+                  <a:schemeClr val="tx1">
+                    <a:lumMod val="50000"/>
+                    <a:lumOff val="50000"/>
+                  </a:schemeClr>
+                </a:solidFill>
+                <a:latin typeface="+mj-lt"/>
+              </a:rPr>
+              <a:t>et al. "An introduction to boson-sampling.„</a:t>
+            </a:r>
+            <a:r>
+              <a:rPr lang="hu-HU" sz="1200" dirty="0">
+                <a:solidFill>
+                  <a:schemeClr val="tx1">
+                    <a:lumMod val="50000"/>
+                    <a:lumOff val="50000"/>
                   </a:schemeClr>
                 </a:solidFill>
                 <a:latin typeface="+mj-lt"/>
@@ -5350,7 +5478,7 @@
         </p:nvSpPr>
         <p:spPr>
           <a:xfrm>
-            <a:off x="838200" y="1355725"/>
+            <a:off x="838200" y="195579"/>
             <a:ext cx="10515600" cy="1325563"/>
           </a:xfrm>
           <a:prstGeom prst="rect">
@@ -5390,6 +5518,288 @@
           </a:p>
         </p:txBody>
       </p:sp>
+      <p:sp>
+        <p:nvSpPr>
+          <p:cNvPr id="3" name="TextBox 2">
+            <a:extLst>
+              <a:ext uri="{FF2B5EF4-FFF2-40B4-BE49-F238E27FC236}">
+                <a16:creationId xmlns:a16="http://schemas.microsoft.com/office/drawing/2014/main" id="{9EBD3454-1C07-4D84-AF5C-720BBA3210EA}"/>
+              </a:ext>
+            </a:extLst>
+          </p:cNvPr>
+          <p:cNvSpPr txBox="1"/>
+          <p:nvPr/>
+        </p:nvSpPr>
+        <p:spPr>
+          <a:xfrm>
+            <a:off x="1382695" y="1464983"/>
+            <a:ext cx="3634740" cy="369332"/>
+          </a:xfrm>
+          <a:prstGeom prst="rect">
+            <a:avLst/>
+          </a:prstGeom>
+          <a:noFill/>
+        </p:spPr>
+        <p:txBody>
+          <a:bodyPr wrap="square" rtlCol="0">
+            <a:spAutoFit/>
+          </a:bodyPr>
+          <a:lstStyle/>
+          <a:p>
+            <a:r>
+              <a:rPr lang="hu-HU" dirty="0"/>
+              <a:t>Input: Single photon quantum states</a:t>
+            </a:r>
+          </a:p>
+        </p:txBody>
+      </p:sp>
+      <p:grpSp>
+        <p:nvGrpSpPr>
+          <p:cNvPr id="5" name="Group 4">
+            <a:extLst>
+              <a:ext uri="{FF2B5EF4-FFF2-40B4-BE49-F238E27FC236}">
+                <a16:creationId xmlns:a16="http://schemas.microsoft.com/office/drawing/2014/main" id="{87273356-88B8-4FAF-BC58-35374A6B9516}"/>
+              </a:ext>
+            </a:extLst>
+          </p:cNvPr>
+          <p:cNvGrpSpPr/>
+          <p:nvPr/>
+        </p:nvGrpSpPr>
+        <p:grpSpPr>
+          <a:xfrm>
+            <a:off x="5173309" y="1521142"/>
+            <a:ext cx="6493128" cy="3815715"/>
+            <a:chOff x="5173309" y="1521142"/>
+            <a:chExt cx="6493128" cy="3815715"/>
+          </a:xfrm>
+        </p:grpSpPr>
+        <p:pic>
+          <p:nvPicPr>
+            <p:cNvPr id="10" name="Picture 9">
+              <a:extLst>
+                <a:ext uri="{FF2B5EF4-FFF2-40B4-BE49-F238E27FC236}">
+                  <a16:creationId xmlns:a16="http://schemas.microsoft.com/office/drawing/2014/main" id="{273AF74E-A528-4E98-A8B6-4FD1EF8499FF}"/>
+                </a:ext>
+              </a:extLst>
+            </p:cNvPr>
+            <p:cNvPicPr>
+              <a:picLocks noChangeAspect="1"/>
+            </p:cNvPicPr>
+            <p:nvPr/>
+          </p:nvPicPr>
+          <p:blipFill>
+            <a:blip r:embed="rId3"/>
+            <a:stretch>
+              <a:fillRect/>
+            </a:stretch>
+          </p:blipFill>
+          <p:spPr>
+            <a:xfrm>
+              <a:off x="5173309" y="1521142"/>
+              <a:ext cx="6493128" cy="3815715"/>
+            </a:xfrm>
+            <a:prstGeom prst="rect">
+              <a:avLst/>
+            </a:prstGeom>
+          </p:spPr>
+        </p:pic>
+        <p:sp>
+          <p:nvSpPr>
+            <p:cNvPr id="4" name="Rectangle 3">
+              <a:extLst>
+                <a:ext uri="{FF2B5EF4-FFF2-40B4-BE49-F238E27FC236}">
+                  <a16:creationId xmlns:a16="http://schemas.microsoft.com/office/drawing/2014/main" id="{39AA1FF7-5866-43BB-AEFC-38E2A381858B}"/>
+                </a:ext>
+              </a:extLst>
+            </p:cNvPr>
+            <p:cNvSpPr/>
+            <p:nvPr/>
+          </p:nvSpPr>
+          <p:spPr>
+            <a:xfrm>
+              <a:off x="7414260" y="2522220"/>
+              <a:ext cx="2164080" cy="838200"/>
+            </a:xfrm>
+            <a:prstGeom prst="rect">
+              <a:avLst/>
+            </a:prstGeom>
+            <a:solidFill>
+              <a:schemeClr val="bg1"/>
+            </a:solidFill>
+            <a:ln>
+              <a:solidFill>
+                <a:schemeClr val="bg1"/>
+              </a:solidFill>
+            </a:ln>
+          </p:spPr>
+          <p:style>
+            <a:lnRef idx="2">
+              <a:schemeClr val="accent1">
+                <a:shade val="50000"/>
+              </a:schemeClr>
+            </a:lnRef>
+            <a:fillRef idx="1">
+              <a:schemeClr val="accent1"/>
+            </a:fillRef>
+            <a:effectRef idx="0">
+              <a:schemeClr val="accent1"/>
+            </a:effectRef>
+            <a:fontRef idx="minor">
+              <a:schemeClr val="lt1"/>
+            </a:fontRef>
+          </p:style>
+          <p:txBody>
+            <a:bodyPr rtlCol="0" anchor="ctr"/>
+            <a:lstStyle/>
+            <a:p>
+              <a:pPr algn="ctr"/>
+              <a:endParaRPr lang="hu-HU"/>
+            </a:p>
+          </p:txBody>
+        </p:sp>
+      </p:grpSp>
+      <p:sp>
+        <p:nvSpPr>
+          <p:cNvPr id="15" name="TextBox 14">
+            <a:extLst>
+              <a:ext uri="{FF2B5EF4-FFF2-40B4-BE49-F238E27FC236}">
+                <a16:creationId xmlns:a16="http://schemas.microsoft.com/office/drawing/2014/main" id="{D97B938C-8C08-44CB-BC22-181CD44E8126}"/>
+              </a:ext>
+            </a:extLst>
+          </p:cNvPr>
+          <p:cNvSpPr txBox="1"/>
+          <p:nvPr/>
+        </p:nvSpPr>
+        <p:spPr>
+          <a:xfrm>
+            <a:off x="1782745" y="3982767"/>
+            <a:ext cx="2484455" cy="646331"/>
+          </a:xfrm>
+          <a:prstGeom prst="rect">
+            <a:avLst/>
+          </a:prstGeom>
+          <a:noFill/>
+        </p:spPr>
+        <p:txBody>
+          <a:bodyPr wrap="square" rtlCol="0">
+            <a:spAutoFit/>
+          </a:bodyPr>
+          <a:lstStyle/>
+          <a:p>
+            <a:r>
+              <a:rPr lang="hu-HU" dirty="0"/>
+              <a:t>Output: superposition of multiphoton states</a:t>
+            </a:r>
+          </a:p>
+        </p:txBody>
+      </p:sp>
+      <p:cxnSp>
+        <p:nvCxnSpPr>
+          <p:cNvPr id="17" name="Straight Arrow Connector 16">
+            <a:extLst>
+              <a:ext uri="{FF2B5EF4-FFF2-40B4-BE49-F238E27FC236}">
+                <a16:creationId xmlns:a16="http://schemas.microsoft.com/office/drawing/2014/main" id="{914A111C-BE6B-4ABF-BF93-317128CA6334}"/>
+              </a:ext>
+            </a:extLst>
+          </p:cNvPr>
+          <p:cNvCxnSpPr>
+            <a:cxnSpLocks/>
+            <a:stCxn id="15" idx="3"/>
+          </p:cNvCxnSpPr>
+          <p:nvPr/>
+        </p:nvCxnSpPr>
+        <p:spPr>
+          <a:xfrm>
+            <a:off x="4267200" y="4305933"/>
+            <a:ext cx="2819400" cy="197487"/>
+          </a:xfrm>
+          <a:prstGeom prst="straightConnector1">
+            <a:avLst/>
+          </a:prstGeom>
+          <a:ln>
+            <a:tailEnd type="triangle"/>
+          </a:ln>
+        </p:spPr>
+        <p:style>
+          <a:lnRef idx="1">
+            <a:schemeClr val="dk1"/>
+          </a:lnRef>
+          <a:fillRef idx="0">
+            <a:schemeClr val="dk1"/>
+          </a:fillRef>
+          <a:effectRef idx="0">
+            <a:schemeClr val="dk1"/>
+          </a:effectRef>
+          <a:fontRef idx="minor">
+            <a:schemeClr val="tx1"/>
+          </a:fontRef>
+        </p:style>
+      </p:cxnSp>
+      <p:pic>
+        <p:nvPicPr>
+          <p:cNvPr id="19" name="Picture 18">
+            <a:extLst>
+              <a:ext uri="{FF2B5EF4-FFF2-40B4-BE49-F238E27FC236}">
+                <a16:creationId xmlns:a16="http://schemas.microsoft.com/office/drawing/2014/main" id="{606AD940-7993-498D-86D8-B0E62BC717C2}"/>
+              </a:ext>
+            </a:extLst>
+          </p:cNvPr>
+          <p:cNvPicPr>
+            <a:picLocks noChangeAspect="1"/>
+          </p:cNvPicPr>
+          <p:nvPr/>
+        </p:nvPicPr>
+        <p:blipFill>
+          <a:blip r:embed="rId4"/>
+          <a:stretch>
+            <a:fillRect/>
+          </a:stretch>
+        </p:blipFill>
+        <p:spPr>
+          <a:xfrm>
+            <a:off x="1782745" y="1890781"/>
+            <a:ext cx="2638425" cy="533400"/>
+          </a:xfrm>
+          <a:prstGeom prst="rect">
+            <a:avLst/>
+          </a:prstGeom>
+        </p:spPr>
+      </p:pic>
+      <p:sp>
+        <p:nvSpPr>
+          <p:cNvPr id="22" name="TextBox 21">
+            <a:extLst>
+              <a:ext uri="{FF2B5EF4-FFF2-40B4-BE49-F238E27FC236}">
+                <a16:creationId xmlns:a16="http://schemas.microsoft.com/office/drawing/2014/main" id="{9BBBD1A7-5DEA-41B4-84AA-EE25E9E638A7}"/>
+              </a:ext>
+            </a:extLst>
+          </p:cNvPr>
+          <p:cNvSpPr txBox="1"/>
+          <p:nvPr/>
+        </p:nvSpPr>
+        <p:spPr>
+          <a:xfrm>
+            <a:off x="7414260" y="2736502"/>
+            <a:ext cx="2249805" cy="461665"/>
+          </a:xfrm>
+          <a:prstGeom prst="rect">
+            <a:avLst/>
+          </a:prstGeom>
+          <a:noFill/>
+        </p:spPr>
+        <p:txBody>
+          <a:bodyPr wrap="square" rtlCol="0">
+            <a:spAutoFit/>
+          </a:bodyPr>
+          <a:lstStyle/>
+          <a:p>
+            <a:r>
+              <a:rPr lang="hu-HU" sz="2400" cap="small" dirty="0"/>
+              <a:t>Interferometer</a:t>
+            </a:r>
+          </a:p>
+        </p:txBody>
+      </p:sp>
     </p:spTree>
     <p:extLst>
       <p:ext uri="{BB962C8B-B14F-4D97-AF65-F5344CB8AC3E}">
@@ -5403,8 +5813,8 @@
 </p:sld>
 </file>
 
-<file path=ppt/slides/slide5.xml><?xml version="1.0" encoding="utf-8"?>
-<p:sld xmlns:a="http://schemas.openxmlformats.org/drawingml/2006/main" xmlns:r="http://schemas.openxmlformats.org/officeDocument/2006/relationships" xmlns:p="http://schemas.openxmlformats.org/presentationml/2006/main">
+<file path=ppt/slides/slide11.xml><?xml version="1.0" encoding="utf-8"?>
+<p:sld xmlns:a="http://schemas.openxmlformats.org/drawingml/2006/main" xmlns:r="http://schemas.openxmlformats.org/officeDocument/2006/relationships" xmlns:p="http://schemas.openxmlformats.org/presentationml/2006/main" show="0">
   <p:cSld>
     <p:spTree>
       <p:nvGrpSpPr>
@@ -5724,6 +6134,3569 @@
 </p:sld>
 </file>
 
+<file path=ppt/slides/slide12.xml><?xml version="1.0" encoding="utf-8"?>
+<p:sld xmlns:a="http://schemas.openxmlformats.org/drawingml/2006/main" xmlns:r="http://schemas.openxmlformats.org/officeDocument/2006/relationships" xmlns:p="http://schemas.openxmlformats.org/presentationml/2006/main">
+  <p:cSld>
+    <p:spTree>
+      <p:nvGrpSpPr>
+        <p:cNvPr id="1" name=""/>
+        <p:cNvGrpSpPr/>
+        <p:nvPr/>
+      </p:nvGrpSpPr>
+      <p:grpSpPr>
+        <a:xfrm>
+          <a:off x="0" y="0"/>
+          <a:ext cx="0" cy="0"/>
+          <a:chOff x="0" y="0"/>
+          <a:chExt cx="0" cy="0"/>
+        </a:xfrm>
+      </p:grpSpPr>
+      <p:sp>
+        <p:nvSpPr>
+          <p:cNvPr id="2" name="Title 1">
+            <a:extLst>
+              <a:ext uri="{FF2B5EF4-FFF2-40B4-BE49-F238E27FC236}">
+                <a16:creationId xmlns:a16="http://schemas.microsoft.com/office/drawing/2014/main" id="{AE641B46-CD40-42BC-8F17-4AF0C79DE6A5}"/>
+              </a:ext>
+            </a:extLst>
+          </p:cNvPr>
+          <p:cNvSpPr>
+            <a:spLocks noGrp="1"/>
+          </p:cNvSpPr>
+          <p:nvPr>
+            <p:ph type="title"/>
+          </p:nvPr>
+        </p:nvSpPr>
+        <p:spPr/>
+        <p:txBody>
+          <a:bodyPr/>
+          <a:lstStyle/>
+          <a:p>
+            <a:r>
+              <a:rPr lang="hu-HU" dirty="0"/>
+              <a:t>Application: break minimization</a:t>
+            </a:r>
+          </a:p>
+        </p:txBody>
+      </p:sp>
+      <p:sp>
+        <p:nvSpPr>
+          <p:cNvPr id="6" name="Content Placeholder 5">
+            <a:extLst>
+              <a:ext uri="{FF2B5EF4-FFF2-40B4-BE49-F238E27FC236}">
+                <a16:creationId xmlns:a16="http://schemas.microsoft.com/office/drawing/2014/main" id="{CF43E3F7-310C-4896-8125-5AEE4013D3D3}"/>
+              </a:ext>
+            </a:extLst>
+          </p:cNvPr>
+          <p:cNvSpPr>
+            <a:spLocks noGrp="1"/>
+          </p:cNvSpPr>
+          <p:nvPr>
+            <p:ph idx="1"/>
+          </p:nvPr>
+        </p:nvSpPr>
+        <p:spPr/>
+        <p:txBody>
+          <a:bodyPr>
+            <a:normAutofit/>
+          </a:bodyPr>
+          <a:lstStyle/>
+          <a:p>
+            <a:r>
+              <a:rPr lang="hu-HU" sz="2000" i="1"/>
+              <a:t>Break: </a:t>
+            </a:r>
+            <a:r>
+              <a:rPr lang="hu-HU" sz="2000"/>
+              <a:t>when a team plays two consecutive games at home or away</a:t>
+            </a:r>
+          </a:p>
+          <a:p>
+            <a:endParaRPr lang="hu-HU" sz="2000"/>
+          </a:p>
+          <a:p>
+            <a:r>
+              <a:rPr lang="hu-HU" sz="2000" i="1"/>
+              <a:t>Timetable</a:t>
+            </a:r>
+            <a:r>
+              <a:rPr lang="hu-HU" sz="2000"/>
+              <a:t> shows </a:t>
+            </a:r>
+            <a:r>
+              <a:rPr lang="hu-HU" sz="2000" b="1"/>
+              <a:t>which team</a:t>
+            </a:r>
+            <a:r>
+              <a:rPr lang="hu-HU" sz="2000"/>
+              <a:t>s play </a:t>
+            </a:r>
+            <a:r>
+              <a:rPr lang="hu-HU" sz="2000" b="1"/>
+              <a:t>when</a:t>
+            </a:r>
+          </a:p>
+          <a:p>
+            <a:r>
+              <a:rPr lang="hu-HU" sz="2000" i="1"/>
+              <a:t>Home-away assignment </a:t>
+            </a:r>
+            <a:r>
+              <a:rPr lang="hu-HU" sz="2000"/>
+              <a:t>table shows </a:t>
+            </a:r>
+            <a:r>
+              <a:rPr lang="hu-HU" sz="2000" b="1"/>
+              <a:t>where</a:t>
+            </a:r>
+            <a:r>
+              <a:rPr lang="hu-HU" sz="2000"/>
+              <a:t> the game is played</a:t>
+            </a:r>
+          </a:p>
+          <a:p>
+            <a:endParaRPr lang="hu-HU" sz="2000" dirty="0"/>
+          </a:p>
+        </p:txBody>
+      </p:sp>
+      <p:grpSp>
+        <p:nvGrpSpPr>
+          <p:cNvPr id="10" name="Group 9">
+            <a:extLst>
+              <a:ext uri="{FF2B5EF4-FFF2-40B4-BE49-F238E27FC236}">
+                <a16:creationId xmlns:a16="http://schemas.microsoft.com/office/drawing/2014/main" id="{86D1AB86-EED7-4785-939F-ACD7697B7742}"/>
+              </a:ext>
+            </a:extLst>
+          </p:cNvPr>
+          <p:cNvGrpSpPr/>
+          <p:nvPr/>
+        </p:nvGrpSpPr>
+        <p:grpSpPr>
+          <a:xfrm>
+            <a:off x="2932747" y="3777615"/>
+            <a:ext cx="5915025" cy="1771650"/>
+            <a:chOff x="5858827" y="4001294"/>
+            <a:chExt cx="5915025" cy="1771650"/>
+          </a:xfrm>
+        </p:grpSpPr>
+        <p:pic>
+          <p:nvPicPr>
+            <p:cNvPr id="8" name="Picture 7">
+              <a:extLst>
+                <a:ext uri="{FF2B5EF4-FFF2-40B4-BE49-F238E27FC236}">
+                  <a16:creationId xmlns:a16="http://schemas.microsoft.com/office/drawing/2014/main" id="{BAD266E9-FBD2-4EF5-8F4D-21BA290A042A}"/>
+                </a:ext>
+              </a:extLst>
+            </p:cNvPr>
+            <p:cNvPicPr>
+              <a:picLocks noChangeAspect="1"/>
+            </p:cNvPicPr>
+            <p:nvPr/>
+          </p:nvPicPr>
+          <p:blipFill>
+            <a:blip r:embed="rId2"/>
+            <a:stretch>
+              <a:fillRect/>
+            </a:stretch>
+          </p:blipFill>
+          <p:spPr>
+            <a:xfrm>
+              <a:off x="5858827" y="4001294"/>
+              <a:ext cx="5915025" cy="1771650"/>
+            </a:xfrm>
+            <a:prstGeom prst="rect">
+              <a:avLst/>
+            </a:prstGeom>
+          </p:spPr>
+        </p:pic>
+        <p:sp>
+          <p:nvSpPr>
+            <p:cNvPr id="9" name="Rectangle 8">
+              <a:extLst>
+                <a:ext uri="{FF2B5EF4-FFF2-40B4-BE49-F238E27FC236}">
+                  <a16:creationId xmlns:a16="http://schemas.microsoft.com/office/drawing/2014/main" id="{8CAA5403-8DF5-43A6-9827-B5AE32BD3D6C}"/>
+                </a:ext>
+              </a:extLst>
+            </p:cNvPr>
+            <p:cNvSpPr/>
+            <p:nvPr/>
+          </p:nvSpPr>
+          <p:spPr>
+            <a:xfrm>
+              <a:off x="6537960" y="4001294"/>
+              <a:ext cx="807720" cy="342106"/>
+            </a:xfrm>
+            <a:prstGeom prst="rect">
+              <a:avLst/>
+            </a:prstGeom>
+            <a:solidFill>
+              <a:schemeClr val="bg1"/>
+            </a:solidFill>
+            <a:ln>
+              <a:solidFill>
+                <a:schemeClr val="bg1"/>
+              </a:solidFill>
+            </a:ln>
+          </p:spPr>
+          <p:style>
+            <a:lnRef idx="2">
+              <a:schemeClr val="accent1">
+                <a:shade val="50000"/>
+              </a:schemeClr>
+            </a:lnRef>
+            <a:fillRef idx="1">
+              <a:schemeClr val="accent1"/>
+            </a:fillRef>
+            <a:effectRef idx="0">
+              <a:schemeClr val="accent1"/>
+            </a:effectRef>
+            <a:fontRef idx="minor">
+              <a:schemeClr val="lt1"/>
+            </a:fontRef>
+          </p:style>
+          <p:txBody>
+            <a:bodyPr rtlCol="0" anchor="ctr"/>
+            <a:lstStyle/>
+            <a:p>
+              <a:pPr algn="ctr"/>
+              <a:endParaRPr lang="hu-HU"/>
+            </a:p>
+          </p:txBody>
+        </p:sp>
+      </p:grpSp>
+      <p:sp>
+        <p:nvSpPr>
+          <p:cNvPr id="14" name="TextBox 13">
+            <a:extLst>
+              <a:ext uri="{FF2B5EF4-FFF2-40B4-BE49-F238E27FC236}">
+                <a16:creationId xmlns:a16="http://schemas.microsoft.com/office/drawing/2014/main" id="{2C9E0A08-FA17-42F0-8307-F636B7A3D9FF}"/>
+              </a:ext>
+            </a:extLst>
+          </p:cNvPr>
+          <p:cNvSpPr txBox="1"/>
+          <p:nvPr/>
+        </p:nvSpPr>
+        <p:spPr>
+          <a:xfrm>
+            <a:off x="4815840" y="6367701"/>
+            <a:ext cx="8991600" cy="246221"/>
+          </a:xfrm>
+          <a:prstGeom prst="rect">
+            <a:avLst/>
+          </a:prstGeom>
+          <a:noFill/>
+        </p:spPr>
+        <p:txBody>
+          <a:bodyPr wrap="square">
+            <a:spAutoFit/>
+          </a:bodyPr>
+          <a:lstStyle/>
+          <a:p>
+            <a:r>
+              <a:rPr lang="en-US" sz="1000" dirty="0" err="1">
+                <a:solidFill>
+                  <a:schemeClr val="tx1">
+                    <a:lumMod val="65000"/>
+                    <a:lumOff val="35000"/>
+                  </a:schemeClr>
+                </a:solidFill>
+              </a:rPr>
+              <a:t>Kuramat</a:t>
+            </a:r>
+            <a:r>
+              <a:rPr lang="hu-HU" sz="1000" dirty="0">
+                <a:solidFill>
+                  <a:schemeClr val="tx1">
+                    <a:lumMod val="65000"/>
+                    <a:lumOff val="35000"/>
+                  </a:schemeClr>
+                </a:solidFill>
+              </a:rPr>
+              <a:t>a et al. </a:t>
+            </a:r>
+            <a:r>
+              <a:rPr lang="en-US" sz="1000" dirty="0">
+                <a:solidFill>
+                  <a:schemeClr val="tx1">
+                    <a:lumMod val="65000"/>
+                    <a:lumOff val="35000"/>
+                  </a:schemeClr>
+                </a:solidFill>
+              </a:rPr>
+              <a:t>"Solving Large Break Minimization Problems in a Mirrored Double Round-robin Tournament Using Quantum Annealing."</a:t>
+            </a:r>
+            <a:endParaRPr lang="hu-HU" sz="1000" dirty="0">
+              <a:solidFill>
+                <a:schemeClr val="tx1">
+                  <a:lumMod val="65000"/>
+                  <a:lumOff val="35000"/>
+                </a:schemeClr>
+              </a:solidFill>
+              <a:latin typeface="+mj-lt"/>
+            </a:endParaRPr>
+          </a:p>
+        </p:txBody>
+      </p:sp>
+    </p:spTree>
+    <p:extLst>
+      <p:ext uri="{BB962C8B-B14F-4D97-AF65-F5344CB8AC3E}">
+        <p14:creationId xmlns:p14="http://schemas.microsoft.com/office/powerpoint/2010/main" val="3652510507"/>
+      </p:ext>
+    </p:extLst>
+  </p:cSld>
+  <p:clrMapOvr>
+    <a:masterClrMapping/>
+  </p:clrMapOvr>
+</p:sld>
+</file>
+
+<file path=ppt/slides/slide13.xml><?xml version="1.0" encoding="utf-8"?>
+<p:sld xmlns:a="http://schemas.openxmlformats.org/drawingml/2006/main" xmlns:r="http://schemas.openxmlformats.org/officeDocument/2006/relationships" xmlns:p="http://schemas.openxmlformats.org/presentationml/2006/main">
+  <p:cSld>
+    <p:spTree>
+      <p:nvGrpSpPr>
+        <p:cNvPr id="1" name=""/>
+        <p:cNvGrpSpPr/>
+        <p:nvPr/>
+      </p:nvGrpSpPr>
+      <p:grpSpPr>
+        <a:xfrm>
+          <a:off x="0" y="0"/>
+          <a:ext cx="0" cy="0"/>
+          <a:chOff x="0" y="0"/>
+          <a:chExt cx="0" cy="0"/>
+        </a:xfrm>
+      </p:grpSpPr>
+      <p:sp>
+        <p:nvSpPr>
+          <p:cNvPr id="2" name="Title 1">
+            <a:extLst>
+              <a:ext uri="{FF2B5EF4-FFF2-40B4-BE49-F238E27FC236}">
+                <a16:creationId xmlns:a16="http://schemas.microsoft.com/office/drawing/2014/main" id="{AE641B46-CD40-42BC-8F17-4AF0C79DE6A5}"/>
+              </a:ext>
+            </a:extLst>
+          </p:cNvPr>
+          <p:cNvSpPr>
+            <a:spLocks noGrp="1"/>
+          </p:cNvSpPr>
+          <p:nvPr>
+            <p:ph type="title"/>
+          </p:nvPr>
+        </p:nvSpPr>
+        <p:spPr/>
+        <p:txBody>
+          <a:bodyPr/>
+          <a:lstStyle/>
+          <a:p>
+            <a:r>
+              <a:rPr lang="hu-HU" dirty="0"/>
+              <a:t>Application: break minimization</a:t>
+            </a:r>
+          </a:p>
+        </p:txBody>
+      </p:sp>
+      <p:sp>
+        <p:nvSpPr>
+          <p:cNvPr id="6" name="Content Placeholder 5">
+            <a:extLst>
+              <a:ext uri="{FF2B5EF4-FFF2-40B4-BE49-F238E27FC236}">
+                <a16:creationId xmlns:a16="http://schemas.microsoft.com/office/drawing/2014/main" id="{CF43E3F7-310C-4896-8125-5AEE4013D3D3}"/>
+              </a:ext>
+            </a:extLst>
+          </p:cNvPr>
+          <p:cNvSpPr>
+            <a:spLocks noGrp="1"/>
+          </p:cNvSpPr>
+          <p:nvPr>
+            <p:ph idx="1"/>
+          </p:nvPr>
+        </p:nvSpPr>
+        <p:spPr/>
+        <p:txBody>
+          <a:bodyPr>
+            <a:normAutofit/>
+          </a:bodyPr>
+          <a:lstStyle/>
+          <a:p>
+            <a:r>
+              <a:rPr lang="hu-HU" sz="2000" i="1"/>
+              <a:t>Break: </a:t>
+            </a:r>
+            <a:r>
+              <a:rPr lang="hu-HU" sz="2000"/>
+              <a:t>when a team plays two consecutive games at home or away</a:t>
+            </a:r>
+          </a:p>
+          <a:p>
+            <a:endParaRPr lang="hu-HU" sz="2000"/>
+          </a:p>
+          <a:p>
+            <a:r>
+              <a:rPr lang="hu-HU" sz="2000" i="1"/>
+              <a:t>Timetable</a:t>
+            </a:r>
+            <a:r>
+              <a:rPr lang="hu-HU" sz="2000"/>
+              <a:t> shows </a:t>
+            </a:r>
+            <a:r>
+              <a:rPr lang="hu-HU" sz="2000" b="1"/>
+              <a:t>which team</a:t>
+            </a:r>
+            <a:r>
+              <a:rPr lang="hu-HU" sz="2000"/>
+              <a:t>s play </a:t>
+            </a:r>
+            <a:r>
+              <a:rPr lang="hu-HU" sz="2000" b="1"/>
+              <a:t>when</a:t>
+            </a:r>
+          </a:p>
+          <a:p>
+            <a:r>
+              <a:rPr lang="hu-HU" sz="2000" i="1"/>
+              <a:t>Home-away assignment </a:t>
+            </a:r>
+            <a:r>
+              <a:rPr lang="hu-HU" sz="2000"/>
+              <a:t>table shows </a:t>
+            </a:r>
+            <a:r>
+              <a:rPr lang="hu-HU" sz="2000" b="1"/>
+              <a:t>where</a:t>
+            </a:r>
+            <a:r>
+              <a:rPr lang="hu-HU" sz="2000"/>
+              <a:t> the game is played</a:t>
+            </a:r>
+          </a:p>
+          <a:p>
+            <a:endParaRPr lang="hu-HU" sz="2000" dirty="0"/>
+          </a:p>
+        </p:txBody>
+      </p:sp>
+      <p:grpSp>
+        <p:nvGrpSpPr>
+          <p:cNvPr id="10" name="Group 9">
+            <a:extLst>
+              <a:ext uri="{FF2B5EF4-FFF2-40B4-BE49-F238E27FC236}">
+                <a16:creationId xmlns:a16="http://schemas.microsoft.com/office/drawing/2014/main" id="{86D1AB86-EED7-4785-939F-ACD7697B7742}"/>
+              </a:ext>
+            </a:extLst>
+          </p:cNvPr>
+          <p:cNvGrpSpPr/>
+          <p:nvPr/>
+        </p:nvGrpSpPr>
+        <p:grpSpPr>
+          <a:xfrm>
+            <a:off x="2909887" y="3777615"/>
+            <a:ext cx="5915025" cy="1771650"/>
+            <a:chOff x="5835967" y="4001294"/>
+            <a:chExt cx="5915025" cy="1771650"/>
+          </a:xfrm>
+        </p:grpSpPr>
+        <p:pic>
+          <p:nvPicPr>
+            <p:cNvPr id="8" name="Picture 7">
+              <a:extLst>
+                <a:ext uri="{FF2B5EF4-FFF2-40B4-BE49-F238E27FC236}">
+                  <a16:creationId xmlns:a16="http://schemas.microsoft.com/office/drawing/2014/main" id="{BAD266E9-FBD2-4EF5-8F4D-21BA290A042A}"/>
+                </a:ext>
+              </a:extLst>
+            </p:cNvPr>
+            <p:cNvPicPr>
+              <a:picLocks noChangeAspect="1"/>
+            </p:cNvPicPr>
+            <p:nvPr/>
+          </p:nvPicPr>
+          <p:blipFill>
+            <a:blip r:embed="rId2"/>
+            <a:stretch>
+              <a:fillRect/>
+            </a:stretch>
+          </p:blipFill>
+          <p:spPr>
+            <a:xfrm>
+              <a:off x="5835967" y="4001294"/>
+              <a:ext cx="5915025" cy="1771650"/>
+            </a:xfrm>
+            <a:prstGeom prst="rect">
+              <a:avLst/>
+            </a:prstGeom>
+          </p:spPr>
+        </p:pic>
+        <p:sp>
+          <p:nvSpPr>
+            <p:cNvPr id="9" name="Rectangle 8">
+              <a:extLst>
+                <a:ext uri="{FF2B5EF4-FFF2-40B4-BE49-F238E27FC236}">
+                  <a16:creationId xmlns:a16="http://schemas.microsoft.com/office/drawing/2014/main" id="{8CAA5403-8DF5-43A6-9827-B5AE32BD3D6C}"/>
+                </a:ext>
+              </a:extLst>
+            </p:cNvPr>
+            <p:cNvSpPr/>
+            <p:nvPr/>
+          </p:nvSpPr>
+          <p:spPr>
+            <a:xfrm>
+              <a:off x="6537960" y="4001294"/>
+              <a:ext cx="807720" cy="342106"/>
+            </a:xfrm>
+            <a:prstGeom prst="rect">
+              <a:avLst/>
+            </a:prstGeom>
+            <a:solidFill>
+              <a:schemeClr val="bg1"/>
+            </a:solidFill>
+            <a:ln>
+              <a:solidFill>
+                <a:schemeClr val="bg1"/>
+              </a:solidFill>
+            </a:ln>
+          </p:spPr>
+          <p:style>
+            <a:lnRef idx="2">
+              <a:schemeClr val="accent1">
+                <a:shade val="50000"/>
+              </a:schemeClr>
+            </a:lnRef>
+            <a:fillRef idx="1">
+              <a:schemeClr val="accent1"/>
+            </a:fillRef>
+            <a:effectRef idx="0">
+              <a:schemeClr val="accent1"/>
+            </a:effectRef>
+            <a:fontRef idx="minor">
+              <a:schemeClr val="lt1"/>
+            </a:fontRef>
+          </p:style>
+          <p:txBody>
+            <a:bodyPr rtlCol="0" anchor="ctr"/>
+            <a:lstStyle/>
+            <a:p>
+              <a:pPr algn="ctr"/>
+              <a:endParaRPr lang="hu-HU"/>
+            </a:p>
+          </p:txBody>
+        </p:sp>
+      </p:grpSp>
+      <p:sp>
+        <p:nvSpPr>
+          <p:cNvPr id="12" name="TextBox 11">
+            <a:extLst>
+              <a:ext uri="{FF2B5EF4-FFF2-40B4-BE49-F238E27FC236}">
+                <a16:creationId xmlns:a16="http://schemas.microsoft.com/office/drawing/2014/main" id="{F511765E-CFF7-438C-8A44-B0959AE25BD4}"/>
+              </a:ext>
+            </a:extLst>
+          </p:cNvPr>
+          <p:cNvSpPr txBox="1"/>
+          <p:nvPr/>
+        </p:nvSpPr>
+        <p:spPr>
+          <a:xfrm>
+            <a:off x="4815840" y="6367701"/>
+            <a:ext cx="8991600" cy="246221"/>
+          </a:xfrm>
+          <a:prstGeom prst="rect">
+            <a:avLst/>
+          </a:prstGeom>
+          <a:noFill/>
+        </p:spPr>
+        <p:txBody>
+          <a:bodyPr wrap="square">
+            <a:spAutoFit/>
+          </a:bodyPr>
+          <a:lstStyle/>
+          <a:p>
+            <a:r>
+              <a:rPr lang="en-US" sz="1000" dirty="0" err="1">
+                <a:solidFill>
+                  <a:schemeClr val="tx1">
+                    <a:lumMod val="65000"/>
+                    <a:lumOff val="35000"/>
+                  </a:schemeClr>
+                </a:solidFill>
+              </a:rPr>
+              <a:t>Kuramat</a:t>
+            </a:r>
+            <a:r>
+              <a:rPr lang="hu-HU" sz="1000" dirty="0">
+                <a:solidFill>
+                  <a:schemeClr val="tx1">
+                    <a:lumMod val="65000"/>
+                    <a:lumOff val="35000"/>
+                  </a:schemeClr>
+                </a:solidFill>
+              </a:rPr>
+              <a:t>a et al. </a:t>
+            </a:r>
+            <a:r>
+              <a:rPr lang="en-US" sz="1000" dirty="0">
+                <a:solidFill>
+                  <a:schemeClr val="tx1">
+                    <a:lumMod val="65000"/>
+                    <a:lumOff val="35000"/>
+                  </a:schemeClr>
+                </a:solidFill>
+              </a:rPr>
+              <a:t>"Solving Large Break Minimization Problems in a Mirrored Double Round-robin Tournament Using Quantum Annealing."</a:t>
+            </a:r>
+            <a:endParaRPr lang="hu-HU" sz="1000" dirty="0">
+              <a:solidFill>
+                <a:schemeClr val="tx1">
+                  <a:lumMod val="65000"/>
+                  <a:lumOff val="35000"/>
+                </a:schemeClr>
+              </a:solidFill>
+              <a:latin typeface="+mj-lt"/>
+            </a:endParaRPr>
+          </a:p>
+        </p:txBody>
+      </p:sp>
+      <p:sp>
+        <p:nvSpPr>
+          <p:cNvPr id="3" name="Rectangle 2">
+            <a:extLst>
+              <a:ext uri="{FF2B5EF4-FFF2-40B4-BE49-F238E27FC236}">
+                <a16:creationId xmlns:a16="http://schemas.microsoft.com/office/drawing/2014/main" id="{D5FEA912-56B6-4646-821E-9AB8EAFCBCFD}"/>
+              </a:ext>
+            </a:extLst>
+          </p:cNvPr>
+          <p:cNvSpPr/>
+          <p:nvPr/>
+        </p:nvSpPr>
+        <p:spPr>
+          <a:xfrm>
+            <a:off x="6819900" y="4701540"/>
+            <a:ext cx="571500" cy="190500"/>
+          </a:xfrm>
+          <a:prstGeom prst="rect">
+            <a:avLst/>
+          </a:prstGeom>
+          <a:noFill/>
+          <a:ln w="19050">
+            <a:solidFill>
+              <a:srgbClr val="FF0000"/>
+            </a:solidFill>
+          </a:ln>
+        </p:spPr>
+        <p:style>
+          <a:lnRef idx="2">
+            <a:schemeClr val="accent1">
+              <a:shade val="50000"/>
+            </a:schemeClr>
+          </a:lnRef>
+          <a:fillRef idx="1">
+            <a:schemeClr val="accent1"/>
+          </a:fillRef>
+          <a:effectRef idx="0">
+            <a:schemeClr val="accent1"/>
+          </a:effectRef>
+          <a:fontRef idx="minor">
+            <a:schemeClr val="lt1"/>
+          </a:fontRef>
+        </p:style>
+        <p:txBody>
+          <a:bodyPr rtlCol="0" anchor="ctr"/>
+          <a:lstStyle/>
+          <a:p>
+            <a:pPr algn="ctr"/>
+            <a:endParaRPr lang="hu-HU"/>
+          </a:p>
+        </p:txBody>
+      </p:sp>
+      <p:sp>
+        <p:nvSpPr>
+          <p:cNvPr id="11" name="Rectangle 10">
+            <a:extLst>
+              <a:ext uri="{FF2B5EF4-FFF2-40B4-BE49-F238E27FC236}">
+                <a16:creationId xmlns:a16="http://schemas.microsoft.com/office/drawing/2014/main" id="{DF0E92B8-477C-43BE-A928-E86566DA9114}"/>
+              </a:ext>
+            </a:extLst>
+          </p:cNvPr>
+          <p:cNvSpPr/>
+          <p:nvPr/>
+        </p:nvSpPr>
+        <p:spPr>
+          <a:xfrm>
+            <a:off x="7475220" y="4701540"/>
+            <a:ext cx="571500" cy="190500"/>
+          </a:xfrm>
+          <a:prstGeom prst="rect">
+            <a:avLst/>
+          </a:prstGeom>
+          <a:noFill/>
+          <a:ln w="28575">
+            <a:solidFill>
+              <a:srgbClr val="FFC000"/>
+            </a:solidFill>
+          </a:ln>
+        </p:spPr>
+        <p:style>
+          <a:lnRef idx="2">
+            <a:schemeClr val="accent1">
+              <a:shade val="50000"/>
+            </a:schemeClr>
+          </a:lnRef>
+          <a:fillRef idx="1">
+            <a:schemeClr val="accent1"/>
+          </a:fillRef>
+          <a:effectRef idx="0">
+            <a:schemeClr val="accent1"/>
+          </a:effectRef>
+          <a:fontRef idx="minor">
+            <a:schemeClr val="lt1"/>
+          </a:fontRef>
+        </p:style>
+        <p:txBody>
+          <a:bodyPr rtlCol="0" anchor="ctr"/>
+          <a:lstStyle/>
+          <a:p>
+            <a:pPr algn="ctr"/>
+            <a:endParaRPr lang="hu-HU" dirty="0"/>
+          </a:p>
+        </p:txBody>
+      </p:sp>
+      <p:sp>
+        <p:nvSpPr>
+          <p:cNvPr id="13" name="Rectangle 12">
+            <a:extLst>
+              <a:ext uri="{FF2B5EF4-FFF2-40B4-BE49-F238E27FC236}">
+                <a16:creationId xmlns:a16="http://schemas.microsoft.com/office/drawing/2014/main" id="{D9F2F19D-4489-4A1B-A508-DEC2115A9A7C}"/>
+              </a:ext>
+            </a:extLst>
+          </p:cNvPr>
+          <p:cNvSpPr/>
+          <p:nvPr/>
+        </p:nvSpPr>
+        <p:spPr>
+          <a:xfrm>
+            <a:off x="7760970" y="4617720"/>
+            <a:ext cx="571500" cy="358140"/>
+          </a:xfrm>
+          <a:prstGeom prst="rect">
+            <a:avLst/>
+          </a:prstGeom>
+          <a:noFill/>
+          <a:ln w="19050">
+            <a:solidFill>
+              <a:srgbClr val="7030A0"/>
+            </a:solidFill>
+          </a:ln>
+        </p:spPr>
+        <p:style>
+          <a:lnRef idx="2">
+            <a:schemeClr val="accent1">
+              <a:shade val="50000"/>
+            </a:schemeClr>
+          </a:lnRef>
+          <a:fillRef idx="1">
+            <a:schemeClr val="accent1"/>
+          </a:fillRef>
+          <a:effectRef idx="0">
+            <a:schemeClr val="accent1"/>
+          </a:effectRef>
+          <a:fontRef idx="minor">
+            <a:schemeClr val="lt1"/>
+          </a:fontRef>
+        </p:style>
+        <p:txBody>
+          <a:bodyPr rtlCol="0" anchor="ctr"/>
+          <a:lstStyle/>
+          <a:p>
+            <a:pPr algn="ctr"/>
+            <a:endParaRPr lang="hu-HU"/>
+          </a:p>
+        </p:txBody>
+      </p:sp>
+    </p:spTree>
+    <p:extLst>
+      <p:ext uri="{BB962C8B-B14F-4D97-AF65-F5344CB8AC3E}">
+        <p14:creationId xmlns:p14="http://schemas.microsoft.com/office/powerpoint/2010/main" val="975918923"/>
+      </p:ext>
+    </p:extLst>
+  </p:cSld>
+  <p:clrMapOvr>
+    <a:masterClrMapping/>
+  </p:clrMapOvr>
+</p:sld>
+</file>
+
+<file path=ppt/slides/slide14.xml><?xml version="1.0" encoding="utf-8"?>
+<p:sld xmlns:a="http://schemas.openxmlformats.org/drawingml/2006/main" xmlns:r="http://schemas.openxmlformats.org/officeDocument/2006/relationships" xmlns:p="http://schemas.openxmlformats.org/presentationml/2006/main">
+  <p:cSld>
+    <p:spTree>
+      <p:nvGrpSpPr>
+        <p:cNvPr id="1" name=""/>
+        <p:cNvGrpSpPr/>
+        <p:nvPr/>
+      </p:nvGrpSpPr>
+      <p:grpSpPr>
+        <a:xfrm>
+          <a:off x="0" y="0"/>
+          <a:ext cx="0" cy="0"/>
+          <a:chOff x="0" y="0"/>
+          <a:chExt cx="0" cy="0"/>
+        </a:xfrm>
+      </p:grpSpPr>
+      <p:sp>
+        <p:nvSpPr>
+          <p:cNvPr id="2" name="Title 1">
+            <a:extLst>
+              <a:ext uri="{FF2B5EF4-FFF2-40B4-BE49-F238E27FC236}">
+                <a16:creationId xmlns:a16="http://schemas.microsoft.com/office/drawing/2014/main" id="{7AF1D104-569E-4327-8E1E-4FB138559724}"/>
+              </a:ext>
+            </a:extLst>
+          </p:cNvPr>
+          <p:cNvSpPr>
+            <a:spLocks noGrp="1"/>
+          </p:cNvSpPr>
+          <p:nvPr>
+            <p:ph type="title"/>
+          </p:nvPr>
+        </p:nvSpPr>
+        <p:spPr/>
+        <p:txBody>
+          <a:bodyPr/>
+          <a:lstStyle/>
+          <a:p>
+            <a:r>
+              <a:rPr lang="hu-HU" dirty="0"/>
+              <a:t>Break minimization: formulation</a:t>
+            </a:r>
+          </a:p>
+        </p:txBody>
+      </p:sp>
+      <p:pic>
+        <p:nvPicPr>
+          <p:cNvPr id="7" name="Content Placeholder 6">
+            <a:extLst>
+              <a:ext uri="{FF2B5EF4-FFF2-40B4-BE49-F238E27FC236}">
+                <a16:creationId xmlns:a16="http://schemas.microsoft.com/office/drawing/2014/main" id="{E9E48AE1-5FAC-467B-BEDB-EB18F2330986}"/>
+              </a:ext>
+            </a:extLst>
+          </p:cNvPr>
+          <p:cNvPicPr>
+            <a:picLocks noGrp="1" noChangeAspect="1"/>
+          </p:cNvPicPr>
+          <p:nvPr>
+            <p:ph idx="1"/>
+          </p:nvPr>
+        </p:nvPicPr>
+        <p:blipFill>
+          <a:blip r:embed="rId2"/>
+          <a:stretch>
+            <a:fillRect/>
+          </a:stretch>
+        </p:blipFill>
+        <p:spPr>
+          <a:xfrm>
+            <a:off x="8435340" y="1690688"/>
+            <a:ext cx="3124200" cy="1952625"/>
+          </a:xfrm>
+        </p:spPr>
+      </p:pic>
+      <p:pic>
+        <p:nvPicPr>
+          <p:cNvPr id="5" name="Picture 4">
+            <a:extLst>
+              <a:ext uri="{FF2B5EF4-FFF2-40B4-BE49-F238E27FC236}">
+                <a16:creationId xmlns:a16="http://schemas.microsoft.com/office/drawing/2014/main" id="{60C02190-146B-42F1-9095-4EF8127EE88A}"/>
+              </a:ext>
+            </a:extLst>
+          </p:cNvPr>
+          <p:cNvPicPr>
+            <a:picLocks noChangeAspect="1"/>
+          </p:cNvPicPr>
+          <p:nvPr/>
+        </p:nvPicPr>
+        <p:blipFill>
+          <a:blip r:embed="rId3"/>
+          <a:stretch>
+            <a:fillRect/>
+          </a:stretch>
+        </p:blipFill>
+        <p:spPr>
+          <a:xfrm>
+            <a:off x="900113" y="4267994"/>
+            <a:ext cx="5591175" cy="1466850"/>
+          </a:xfrm>
+          <a:prstGeom prst="rect">
+            <a:avLst/>
+          </a:prstGeom>
+        </p:spPr>
+      </p:pic>
+      <p:cxnSp>
+        <p:nvCxnSpPr>
+          <p:cNvPr id="9" name="Connector: Curved 8">
+            <a:extLst>
+              <a:ext uri="{FF2B5EF4-FFF2-40B4-BE49-F238E27FC236}">
+                <a16:creationId xmlns:a16="http://schemas.microsoft.com/office/drawing/2014/main" id="{2A0829FA-015E-43E7-87AB-EEC8B45B72B7}"/>
+              </a:ext>
+            </a:extLst>
+          </p:cNvPr>
+          <p:cNvCxnSpPr>
+            <a:cxnSpLocks/>
+            <a:stCxn id="5" idx="3"/>
+            <a:endCxn id="7" idx="1"/>
+          </p:cNvCxnSpPr>
+          <p:nvPr/>
+        </p:nvCxnSpPr>
+        <p:spPr>
+          <a:xfrm flipV="1">
+            <a:off x="6491288" y="2667001"/>
+            <a:ext cx="1944052" cy="2334418"/>
+          </a:xfrm>
+          <a:prstGeom prst="curvedConnector3">
+            <a:avLst>
+              <a:gd name="adj1" fmla="val 50000"/>
+            </a:avLst>
+          </a:prstGeom>
+          <a:ln w="12700">
+            <a:solidFill>
+              <a:srgbClr val="FF0000"/>
+            </a:solidFill>
+            <a:tailEnd type="triangle"/>
+          </a:ln>
+        </p:spPr>
+        <p:style>
+          <a:lnRef idx="1">
+            <a:schemeClr val="accent1"/>
+          </a:lnRef>
+          <a:fillRef idx="0">
+            <a:schemeClr val="accent1"/>
+          </a:fillRef>
+          <a:effectRef idx="0">
+            <a:schemeClr val="accent1"/>
+          </a:effectRef>
+          <a:fontRef idx="minor">
+            <a:schemeClr val="tx1"/>
+          </a:fontRef>
+        </p:style>
+      </p:cxnSp>
+      <p:sp>
+        <p:nvSpPr>
+          <p:cNvPr id="11" name="TextBox 10">
+            <a:extLst>
+              <a:ext uri="{FF2B5EF4-FFF2-40B4-BE49-F238E27FC236}">
+                <a16:creationId xmlns:a16="http://schemas.microsoft.com/office/drawing/2014/main" id="{C28FC82D-E8E5-426C-9D1C-7C59E3DFFAF8}"/>
+              </a:ext>
+            </a:extLst>
+          </p:cNvPr>
+          <p:cNvSpPr txBox="1"/>
+          <p:nvPr/>
+        </p:nvSpPr>
+        <p:spPr>
+          <a:xfrm>
+            <a:off x="1101091" y="3655546"/>
+            <a:ext cx="2811780" cy="646331"/>
+          </a:xfrm>
+          <a:prstGeom prst="rect">
+            <a:avLst/>
+          </a:prstGeom>
+          <a:noFill/>
+        </p:spPr>
+        <p:txBody>
+          <a:bodyPr wrap="square" rtlCol="0">
+            <a:spAutoFit/>
+          </a:bodyPr>
+          <a:lstStyle/>
+          <a:p>
+            <a:r>
+              <a:rPr lang="hu-HU" dirty="0"/>
+              <a:t>Create an assignment schema</a:t>
+            </a:r>
+          </a:p>
+        </p:txBody>
+      </p:sp>
+      <p:sp>
+        <p:nvSpPr>
+          <p:cNvPr id="14" name="TextBox 13">
+            <a:extLst>
+              <a:ext uri="{FF2B5EF4-FFF2-40B4-BE49-F238E27FC236}">
+                <a16:creationId xmlns:a16="http://schemas.microsoft.com/office/drawing/2014/main" id="{225AAC47-DD8B-42A8-A2DF-959E6E6CB0C7}"/>
+              </a:ext>
+            </a:extLst>
+          </p:cNvPr>
+          <p:cNvSpPr txBox="1"/>
+          <p:nvPr/>
+        </p:nvSpPr>
+        <p:spPr>
+          <a:xfrm>
+            <a:off x="1013460" y="1690688"/>
+            <a:ext cx="3482340" cy="369332"/>
+          </a:xfrm>
+          <a:prstGeom prst="rect">
+            <a:avLst/>
+          </a:prstGeom>
+          <a:noFill/>
+        </p:spPr>
+        <p:txBody>
+          <a:bodyPr wrap="square" rtlCol="0">
+            <a:spAutoFit/>
+          </a:bodyPr>
+          <a:lstStyle/>
+          <a:p>
+            <a:r>
+              <a:rPr lang="hu-HU" dirty="0"/>
+              <a:t>Take a timetable</a:t>
+            </a:r>
+          </a:p>
+        </p:txBody>
+      </p:sp>
+      <p:pic>
+        <p:nvPicPr>
+          <p:cNvPr id="16" name="Picture 15">
+            <a:extLst>
+              <a:ext uri="{FF2B5EF4-FFF2-40B4-BE49-F238E27FC236}">
+                <a16:creationId xmlns:a16="http://schemas.microsoft.com/office/drawing/2014/main" id="{FC1A5086-28F8-466A-BFA7-980C3E6D9515}"/>
+              </a:ext>
+            </a:extLst>
+          </p:cNvPr>
+          <p:cNvPicPr>
+            <a:picLocks noChangeAspect="1"/>
+          </p:cNvPicPr>
+          <p:nvPr/>
+        </p:nvPicPr>
+        <p:blipFill>
+          <a:blip r:embed="rId4"/>
+          <a:stretch>
+            <a:fillRect/>
+          </a:stretch>
+        </p:blipFill>
+        <p:spPr>
+          <a:xfrm>
+            <a:off x="2696676" y="1551434"/>
+            <a:ext cx="3695700" cy="2000250"/>
+          </a:xfrm>
+          <a:prstGeom prst="rect">
+            <a:avLst/>
+          </a:prstGeom>
+        </p:spPr>
+      </p:pic>
+      <p:cxnSp>
+        <p:nvCxnSpPr>
+          <p:cNvPr id="18" name="Connector: Curved 17">
+            <a:extLst>
+              <a:ext uri="{FF2B5EF4-FFF2-40B4-BE49-F238E27FC236}">
+                <a16:creationId xmlns:a16="http://schemas.microsoft.com/office/drawing/2014/main" id="{90D12585-BC99-4A87-AD7A-3111DC79AB06}"/>
+              </a:ext>
+            </a:extLst>
+          </p:cNvPr>
+          <p:cNvCxnSpPr>
+            <a:stCxn id="16" idx="2"/>
+            <a:endCxn id="5" idx="0"/>
+          </p:cNvCxnSpPr>
+          <p:nvPr/>
+        </p:nvCxnSpPr>
+        <p:spPr>
+          <a:xfrm rot="5400000">
+            <a:off x="3761959" y="3485427"/>
+            <a:ext cx="716310" cy="848825"/>
+          </a:xfrm>
+          <a:prstGeom prst="curvedConnector3">
+            <a:avLst/>
+          </a:prstGeom>
+          <a:ln w="12700">
+            <a:solidFill>
+              <a:srgbClr val="FF0000"/>
+            </a:solidFill>
+            <a:tailEnd type="triangle"/>
+          </a:ln>
+        </p:spPr>
+        <p:style>
+          <a:lnRef idx="1">
+            <a:schemeClr val="accent1"/>
+          </a:lnRef>
+          <a:fillRef idx="0">
+            <a:schemeClr val="accent1"/>
+          </a:fillRef>
+          <a:effectRef idx="0">
+            <a:schemeClr val="accent1"/>
+          </a:effectRef>
+          <a:fontRef idx="minor">
+            <a:schemeClr val="tx1"/>
+          </a:fontRef>
+        </p:style>
+      </p:cxnSp>
+      <p:sp>
+        <p:nvSpPr>
+          <p:cNvPr id="19" name="TextBox 18">
+            <a:extLst>
+              <a:ext uri="{FF2B5EF4-FFF2-40B4-BE49-F238E27FC236}">
+                <a16:creationId xmlns:a16="http://schemas.microsoft.com/office/drawing/2014/main" id="{FAF338B1-5A8B-4C55-8937-74E5FE719266}"/>
+              </a:ext>
+            </a:extLst>
+          </p:cNvPr>
+          <p:cNvSpPr txBox="1"/>
+          <p:nvPr/>
+        </p:nvSpPr>
+        <p:spPr>
+          <a:xfrm>
+            <a:off x="6491288" y="2095082"/>
+            <a:ext cx="2522220" cy="369332"/>
+          </a:xfrm>
+          <a:prstGeom prst="rect">
+            <a:avLst/>
+          </a:prstGeom>
+          <a:noFill/>
+        </p:spPr>
+        <p:txBody>
+          <a:bodyPr wrap="square" rtlCol="0">
+            <a:spAutoFit/>
+          </a:bodyPr>
+          <a:lstStyle/>
+          <a:p>
+            <a:r>
+              <a:rPr lang="hu-HU" dirty="0"/>
+              <a:t>Group the coefficients</a:t>
+            </a:r>
+          </a:p>
+        </p:txBody>
+      </p:sp>
+      <mc:AlternateContent xmlns:mc="http://schemas.openxmlformats.org/markup-compatibility/2006" xmlns:a14="http://schemas.microsoft.com/office/drawing/2010/main">
+        <mc:Choice Requires="a14">
+          <p:sp>
+            <p:nvSpPr>
+              <p:cNvPr id="20" name="TextBox 19">
+                <a:extLst>
+                  <a:ext uri="{FF2B5EF4-FFF2-40B4-BE49-F238E27FC236}">
+                    <a16:creationId xmlns:a16="http://schemas.microsoft.com/office/drawing/2014/main" id="{11BF2800-2702-4D02-9ACF-4FBAA27AE216}"/>
+                  </a:ext>
+                </a:extLst>
+              </p:cNvPr>
+              <p:cNvSpPr txBox="1"/>
+              <p:nvPr/>
+            </p:nvSpPr>
+            <p:spPr>
+              <a:xfrm>
+                <a:off x="3912871" y="3684771"/>
+                <a:ext cx="1696939" cy="553998"/>
+              </a:xfrm>
+              <a:prstGeom prst="rect">
+                <a:avLst/>
+              </a:prstGeom>
+              <a:noFill/>
+            </p:spPr>
+            <p:txBody>
+              <a:bodyPr wrap="none" lIns="0" tIns="0" rIns="0" bIns="0" rtlCol="0">
+                <a:spAutoFit/>
+              </a:bodyPr>
+              <a:lstStyle/>
+              <a:p>
+                <a:pPr algn="r"/>
+                <a14:m>
+                  <m:oMath xmlns:m="http://schemas.openxmlformats.org/officeDocument/2006/math">
+                    <m:r>
+                      <a:rPr lang="hu-HU" b="0" i="1" smtClean="0">
+                        <a:latin typeface="Cambria Math" panose="02040503050406030204" pitchFamily="18" charset="0"/>
+                      </a:rPr>
+                      <m:t>𝑓</m:t>
+                    </m:r>
+                    <m:d>
+                      <m:dPr>
+                        <m:ctrlPr>
+                          <a:rPr lang="hu-HU" b="0" i="1" smtClean="0">
+                            <a:latin typeface="Cambria Math" panose="02040503050406030204" pitchFamily="18" charset="0"/>
+                          </a:rPr>
+                        </m:ctrlPr>
+                      </m:dPr>
+                      <m:e>
+                        <m:r>
+                          <a:rPr lang="hu-HU" b="1" i="1" smtClean="0">
+                            <a:latin typeface="Cambria Math" panose="02040503050406030204" pitchFamily="18" charset="0"/>
+                          </a:rPr>
+                          <m:t>𝒛</m:t>
+                        </m:r>
+                      </m:e>
+                    </m:d>
+                  </m:oMath>
+                </a14:m>
+                <a:r>
+                  <a:rPr lang="hu-HU" b="1" dirty="0"/>
+                  <a:t> </a:t>
+                </a:r>
+              </a:p>
+              <a:p>
+                <a:r>
+                  <a:rPr lang="hu-HU" dirty="0"/>
+                  <a:t>objective function</a:t>
+                </a:r>
+                <a:endParaRPr lang="hu-HU" b="1" dirty="0"/>
+              </a:p>
+            </p:txBody>
+          </p:sp>
+        </mc:Choice>
+        <mc:Fallback xmlns="">
+          <p:sp>
+            <p:nvSpPr>
+              <p:cNvPr id="20" name="TextBox 19">
+                <a:extLst>
+                  <a:ext uri="{FF2B5EF4-FFF2-40B4-BE49-F238E27FC236}">
+                    <a16:creationId xmlns:a16="http://schemas.microsoft.com/office/drawing/2014/main" id="{11BF2800-2702-4D02-9ACF-4FBAA27AE216}"/>
+                  </a:ext>
+                </a:extLst>
+              </p:cNvPr>
+              <p:cNvSpPr txBox="1">
+                <a:spLocks noRot="1" noChangeAspect="1" noMove="1" noResize="1" noEditPoints="1" noAdjustHandles="1" noChangeArrowheads="1" noChangeShapeType="1" noTextEdit="1"/>
+              </p:cNvSpPr>
+              <p:nvPr/>
+            </p:nvSpPr>
+            <p:spPr>
+              <a:xfrm>
+                <a:off x="3912871" y="3684771"/>
+                <a:ext cx="1696939" cy="553998"/>
+              </a:xfrm>
+              <a:prstGeom prst="rect">
+                <a:avLst/>
+              </a:prstGeom>
+              <a:blipFill>
+                <a:blip r:embed="rId5"/>
+                <a:stretch>
+                  <a:fillRect l="-8633" t="-1099" r="-8273" b="-25275"/>
+                </a:stretch>
+              </a:blipFill>
+            </p:spPr>
+            <p:txBody>
+              <a:bodyPr/>
+              <a:lstStyle/>
+              <a:p>
+                <a:r>
+                  <a:rPr lang="hu-HU">
+                    <a:noFill/>
+                  </a:rPr>
+                  <a:t> </a:t>
+                </a:r>
+              </a:p>
+            </p:txBody>
+          </p:sp>
+        </mc:Fallback>
+      </mc:AlternateContent>
+      <p:pic>
+        <p:nvPicPr>
+          <p:cNvPr id="25" name="Picture 24">
+            <a:extLst>
+              <a:ext uri="{FF2B5EF4-FFF2-40B4-BE49-F238E27FC236}">
+                <a16:creationId xmlns:a16="http://schemas.microsoft.com/office/drawing/2014/main" id="{DA8D29FB-9D25-4BE2-8E19-1333AB7F04B1}"/>
+              </a:ext>
+            </a:extLst>
+          </p:cNvPr>
+          <p:cNvPicPr>
+            <a:picLocks noChangeAspect="1"/>
+          </p:cNvPicPr>
+          <p:nvPr/>
+        </p:nvPicPr>
+        <p:blipFill>
+          <a:blip r:embed="rId6">
+            <a:extLst>
+              <a:ext uri="{28A0092B-C50C-407E-A947-70E740481C1C}">
+                <a14:useLocalDpi xmlns:a14="http://schemas.microsoft.com/office/drawing/2010/main" val="0"/>
+              </a:ext>
+            </a:extLst>
+          </a:blip>
+          <a:stretch>
+            <a:fillRect/>
+          </a:stretch>
+        </p:blipFill>
+        <p:spPr>
+          <a:xfrm>
+            <a:off x="10243988" y="4514850"/>
+            <a:ext cx="276225" cy="1466850"/>
+          </a:xfrm>
+          <a:prstGeom prst="rect">
+            <a:avLst/>
+          </a:prstGeom>
+        </p:spPr>
+      </p:pic>
+      <p:cxnSp>
+        <p:nvCxnSpPr>
+          <p:cNvPr id="27" name="Connector: Curved 26">
+            <a:extLst>
+              <a:ext uri="{FF2B5EF4-FFF2-40B4-BE49-F238E27FC236}">
+                <a16:creationId xmlns:a16="http://schemas.microsoft.com/office/drawing/2014/main" id="{84F3EA79-757B-4AE8-8E19-51CCABC4A549}"/>
+              </a:ext>
+            </a:extLst>
+          </p:cNvPr>
+          <p:cNvCxnSpPr>
+            <a:stCxn id="7" idx="2"/>
+            <a:endCxn id="25" idx="0"/>
+          </p:cNvCxnSpPr>
+          <p:nvPr/>
+        </p:nvCxnSpPr>
+        <p:spPr>
+          <a:xfrm rot="16200000" flipH="1">
+            <a:off x="9754002" y="3886750"/>
+            <a:ext cx="871537" cy="384661"/>
+          </a:xfrm>
+          <a:prstGeom prst="curvedConnector3">
+            <a:avLst/>
+          </a:prstGeom>
+          <a:ln w="12700">
+            <a:solidFill>
+              <a:srgbClr val="FF0000"/>
+            </a:solidFill>
+            <a:tailEnd type="triangle"/>
+          </a:ln>
+        </p:spPr>
+        <p:style>
+          <a:lnRef idx="1">
+            <a:schemeClr val="accent1"/>
+          </a:lnRef>
+          <a:fillRef idx="0">
+            <a:schemeClr val="accent1"/>
+          </a:fillRef>
+          <a:effectRef idx="0">
+            <a:schemeClr val="accent1"/>
+          </a:effectRef>
+          <a:fontRef idx="minor">
+            <a:schemeClr val="tx1"/>
+          </a:fontRef>
+        </p:style>
+      </p:cxnSp>
+      <p:sp>
+        <p:nvSpPr>
+          <p:cNvPr id="28" name="TextBox 27">
+            <a:extLst>
+              <a:ext uri="{FF2B5EF4-FFF2-40B4-BE49-F238E27FC236}">
+                <a16:creationId xmlns:a16="http://schemas.microsoft.com/office/drawing/2014/main" id="{16C31473-6D1E-48B4-8364-3D00B27BF13D}"/>
+              </a:ext>
+            </a:extLst>
+          </p:cNvPr>
+          <p:cNvSpPr txBox="1"/>
+          <p:nvPr/>
+        </p:nvSpPr>
+        <p:spPr>
+          <a:xfrm>
+            <a:off x="8550443" y="4047707"/>
+            <a:ext cx="1693545" cy="646331"/>
+          </a:xfrm>
+          <a:prstGeom prst="rect">
+            <a:avLst/>
+          </a:prstGeom>
+          <a:noFill/>
+        </p:spPr>
+        <p:txBody>
+          <a:bodyPr wrap="square" rtlCol="0">
+            <a:spAutoFit/>
+          </a:bodyPr>
+          <a:lstStyle/>
+          <a:p>
+            <a:r>
+              <a:rPr lang="hu-HU" dirty="0"/>
+              <a:t>Find </a:t>
+            </a:r>
+            <a:r>
+              <a:rPr lang="hu-HU" b="1" dirty="0"/>
+              <a:t>z</a:t>
+            </a:r>
+            <a:r>
+              <a:rPr lang="hu-HU" dirty="0"/>
+              <a:t> vector(s)</a:t>
+            </a:r>
+          </a:p>
+          <a:p>
+            <a:r>
+              <a:rPr lang="hu-HU" dirty="0"/>
+              <a:t>/w minimal &lt;</a:t>
+            </a:r>
+            <a:r>
+              <a:rPr lang="hu-HU" b="1" dirty="0"/>
+              <a:t>Q</a:t>
+            </a:r>
+            <a:r>
+              <a:rPr lang="hu-HU" dirty="0"/>
+              <a:t>&gt;</a:t>
+            </a:r>
+          </a:p>
+        </p:txBody>
+      </p:sp>
+    </p:spTree>
+    <p:extLst>
+      <p:ext uri="{BB962C8B-B14F-4D97-AF65-F5344CB8AC3E}">
+        <p14:creationId xmlns:p14="http://schemas.microsoft.com/office/powerpoint/2010/main" val="269776823"/>
+      </p:ext>
+    </p:extLst>
+  </p:cSld>
+  <p:clrMapOvr>
+    <a:masterClrMapping/>
+  </p:clrMapOvr>
+</p:sld>
+</file>
+
+<file path=ppt/slides/slide15.xml><?xml version="1.0" encoding="utf-8"?>
+<p:sld xmlns:a="http://schemas.openxmlformats.org/drawingml/2006/main" xmlns:r="http://schemas.openxmlformats.org/officeDocument/2006/relationships" xmlns:p="http://schemas.openxmlformats.org/presentationml/2006/main">
+  <p:cSld>
+    <p:spTree>
+      <p:nvGrpSpPr>
+        <p:cNvPr id="1" name=""/>
+        <p:cNvGrpSpPr/>
+        <p:nvPr/>
+      </p:nvGrpSpPr>
+      <p:grpSpPr>
+        <a:xfrm>
+          <a:off x="0" y="0"/>
+          <a:ext cx="0" cy="0"/>
+          <a:chOff x="0" y="0"/>
+          <a:chExt cx="0" cy="0"/>
+        </a:xfrm>
+      </p:grpSpPr>
+      <p:sp>
+        <p:nvSpPr>
+          <p:cNvPr id="2" name="Title 1">
+            <a:extLst>
+              <a:ext uri="{FF2B5EF4-FFF2-40B4-BE49-F238E27FC236}">
+                <a16:creationId xmlns:a16="http://schemas.microsoft.com/office/drawing/2014/main" id="{3DC0A7AF-4038-4E92-86E2-EE6BDB27866C}"/>
+              </a:ext>
+            </a:extLst>
+          </p:cNvPr>
+          <p:cNvSpPr>
+            <a:spLocks noGrp="1"/>
+          </p:cNvSpPr>
+          <p:nvPr>
+            <p:ph type="title"/>
+          </p:nvPr>
+        </p:nvSpPr>
+        <p:spPr/>
+        <p:txBody>
+          <a:bodyPr/>
+          <a:lstStyle/>
+          <a:p>
+            <a:r>
+              <a:rPr lang="hu-HU" dirty="0"/>
+              <a:t>QUBO and number of breaks</a:t>
+            </a:r>
+          </a:p>
+        </p:txBody>
+      </p:sp>
+      <p:pic>
+        <p:nvPicPr>
+          <p:cNvPr id="5" name="Content Placeholder 4" descr="Chart, scatter chart&#10;&#10;Description automatically generated">
+            <a:extLst>
+              <a:ext uri="{FF2B5EF4-FFF2-40B4-BE49-F238E27FC236}">
+                <a16:creationId xmlns:a16="http://schemas.microsoft.com/office/drawing/2014/main" id="{B48A7B4B-4241-463C-8D97-4935CCB8AAE9}"/>
+              </a:ext>
+            </a:extLst>
+          </p:cNvPr>
+          <p:cNvPicPr>
+            <a:picLocks noGrp="1" noChangeAspect="1"/>
+          </p:cNvPicPr>
+          <p:nvPr>
+            <p:ph idx="1"/>
+          </p:nvPr>
+        </p:nvPicPr>
+        <p:blipFill>
+          <a:blip r:embed="rId3">
+            <a:extLst>
+              <a:ext uri="{28A0092B-C50C-407E-A947-70E740481C1C}">
+                <a14:useLocalDpi xmlns:a14="http://schemas.microsoft.com/office/drawing/2010/main" val="0"/>
+              </a:ext>
+            </a:extLst>
+          </a:blip>
+          <a:stretch>
+            <a:fillRect/>
+          </a:stretch>
+        </p:blipFill>
+        <p:spPr>
+          <a:xfrm>
+            <a:off x="5877348" y="1690688"/>
+            <a:ext cx="5801784" cy="4351338"/>
+          </a:xfrm>
+        </p:spPr>
+      </p:pic>
+      <p:sp>
+        <p:nvSpPr>
+          <p:cNvPr id="3" name="TextBox 2">
+            <a:extLst>
+              <a:ext uri="{FF2B5EF4-FFF2-40B4-BE49-F238E27FC236}">
+                <a16:creationId xmlns:a16="http://schemas.microsoft.com/office/drawing/2014/main" id="{025C052C-59CF-432D-B7DB-CE19B7A920E6}"/>
+              </a:ext>
+            </a:extLst>
+          </p:cNvPr>
+          <p:cNvSpPr txBox="1"/>
+          <p:nvPr/>
+        </p:nvSpPr>
+        <p:spPr>
+          <a:xfrm>
+            <a:off x="937260" y="1690688"/>
+            <a:ext cx="4940088" cy="2862322"/>
+          </a:xfrm>
+          <a:prstGeom prst="rect">
+            <a:avLst/>
+          </a:prstGeom>
+          <a:noFill/>
+        </p:spPr>
+        <p:txBody>
+          <a:bodyPr wrap="square" rtlCol="0">
+            <a:spAutoFit/>
+          </a:bodyPr>
+          <a:lstStyle/>
+          <a:p>
+            <a:pPr marL="285750" indent="-285750">
+              <a:buFont typeface="Arial" panose="020B0604020202020204" pitchFamily="34" charset="0"/>
+              <a:buChar char="•"/>
+            </a:pPr>
+            <a:r>
+              <a:rPr lang="hu-HU" dirty="0"/>
+              <a:t>Calculated the &lt;</a:t>
+            </a:r>
+            <a:r>
+              <a:rPr lang="hu-HU" b="1" dirty="0"/>
+              <a:t>z</a:t>
+            </a:r>
+            <a:r>
+              <a:rPr lang="hu-HU" dirty="0"/>
+              <a:t>|</a:t>
+            </a:r>
+            <a:r>
+              <a:rPr lang="hu-HU" b="1" dirty="0"/>
+              <a:t>Q</a:t>
+            </a:r>
+            <a:r>
+              <a:rPr lang="hu-HU" dirty="0"/>
+              <a:t>|</a:t>
+            </a:r>
+            <a:r>
+              <a:rPr lang="hu-HU" b="1" dirty="0"/>
+              <a:t>z</a:t>
+            </a:r>
+            <a:r>
+              <a:rPr lang="hu-HU" dirty="0"/>
+              <a:t>&gt; for all </a:t>
+            </a:r>
+            <a:r>
+              <a:rPr lang="hu-HU" b="1" dirty="0"/>
+              <a:t>z</a:t>
+            </a:r>
+            <a:r>
+              <a:rPr lang="hu-HU" dirty="0"/>
+              <a:t> in a tournament</a:t>
+            </a:r>
+            <a:endParaRPr lang="hu-HU" b="1" dirty="0"/>
+          </a:p>
+          <a:p>
+            <a:endParaRPr lang="hu-HU" dirty="0"/>
+          </a:p>
+          <a:p>
+            <a:pPr marL="285750" indent="-285750">
+              <a:buFont typeface="Arial" panose="020B0604020202020204" pitchFamily="34" charset="0"/>
+              <a:buChar char="•"/>
+            </a:pPr>
+            <a:r>
+              <a:rPr lang="hu-HU" dirty="0"/>
+              <a:t>Implemented a break counting algorithm, </a:t>
+            </a:r>
+            <a:br>
+              <a:rPr lang="hu-HU" dirty="0"/>
+            </a:br>
+            <a:r>
+              <a:rPr lang="hu-HU" dirty="0"/>
+              <a:t>given a timetable and a </a:t>
+            </a:r>
+            <a:r>
+              <a:rPr lang="hu-HU" b="1" dirty="0"/>
+              <a:t>z </a:t>
+            </a:r>
+            <a:r>
+              <a:rPr lang="hu-HU" dirty="0"/>
+              <a:t>vector</a:t>
+            </a:r>
+          </a:p>
+          <a:p>
+            <a:pPr marL="285750" indent="-285750">
+              <a:buFont typeface="Arial" panose="020B0604020202020204" pitchFamily="34" charset="0"/>
+              <a:buChar char="•"/>
+            </a:pPr>
+            <a:endParaRPr lang="hu-HU" dirty="0"/>
+          </a:p>
+          <a:p>
+            <a:pPr marL="285750" indent="-285750">
+              <a:buFont typeface="Arial" panose="020B0604020202020204" pitchFamily="34" charset="0"/>
+              <a:buChar char="•"/>
+            </a:pPr>
+            <a:r>
+              <a:rPr lang="hu-HU" dirty="0"/>
+              <a:t>Compared energy and number of breaks</a:t>
+            </a:r>
+          </a:p>
+          <a:p>
+            <a:endParaRPr lang="hu-HU" dirty="0"/>
+          </a:p>
+          <a:p>
+            <a:pPr marL="285750" indent="-285750">
+              <a:buFont typeface="Arial" panose="020B0604020202020204" pitchFamily="34" charset="0"/>
+              <a:buChar char="•"/>
+            </a:pPr>
+            <a:r>
+              <a:rPr lang="hu-HU" dirty="0"/>
+              <a:t>Expected a linear connection between breaks and energy (&lt;</a:t>
+            </a:r>
+            <a:r>
+              <a:rPr lang="hu-HU" b="1" dirty="0"/>
+              <a:t>Q</a:t>
+            </a:r>
+            <a:r>
+              <a:rPr lang="hu-HU" dirty="0"/>
+              <a:t>&gt; = &lt;</a:t>
+            </a:r>
+            <a:r>
+              <a:rPr lang="hu-HU" b="1" dirty="0"/>
+              <a:t>E</a:t>
+            </a:r>
+            <a:r>
+              <a:rPr lang="hu-HU" dirty="0"/>
+              <a:t>&gt;) </a:t>
+            </a:r>
+          </a:p>
+          <a:p>
+            <a:pPr marL="285750" indent="-285750">
+              <a:buFont typeface="Arial" panose="020B0604020202020204" pitchFamily="34" charset="0"/>
+              <a:buChar char="•"/>
+            </a:pPr>
+            <a:endParaRPr lang="hu-HU" dirty="0"/>
+          </a:p>
+        </p:txBody>
+      </p:sp>
+      <p:cxnSp>
+        <p:nvCxnSpPr>
+          <p:cNvPr id="10" name="Straight Arrow Connector 9">
+            <a:extLst>
+              <a:ext uri="{FF2B5EF4-FFF2-40B4-BE49-F238E27FC236}">
+                <a16:creationId xmlns:a16="http://schemas.microsoft.com/office/drawing/2014/main" id="{BD32573D-FA42-4F23-AFC1-7ACD43681F03}"/>
+              </a:ext>
+            </a:extLst>
+          </p:cNvPr>
+          <p:cNvCxnSpPr/>
+          <p:nvPr/>
+        </p:nvCxnSpPr>
+        <p:spPr>
+          <a:xfrm>
+            <a:off x="5257800" y="3284220"/>
+            <a:ext cx="1043940" cy="0"/>
+          </a:xfrm>
+          <a:prstGeom prst="straightConnector1">
+            <a:avLst/>
+          </a:prstGeom>
+          <a:ln w="28575">
+            <a:solidFill>
+              <a:schemeClr val="tx1"/>
+            </a:solidFill>
+            <a:headEnd type="none" w="med" len="med"/>
+            <a:tailEnd type="triangle" w="med" len="med"/>
+          </a:ln>
+        </p:spPr>
+        <p:style>
+          <a:lnRef idx="1">
+            <a:schemeClr val="dk1"/>
+          </a:lnRef>
+          <a:fillRef idx="0">
+            <a:schemeClr val="dk1"/>
+          </a:fillRef>
+          <a:effectRef idx="0">
+            <a:schemeClr val="dk1"/>
+          </a:effectRef>
+          <a:fontRef idx="minor">
+            <a:schemeClr val="tx1"/>
+          </a:fontRef>
+        </p:style>
+      </p:cxnSp>
+    </p:spTree>
+    <p:extLst>
+      <p:ext uri="{BB962C8B-B14F-4D97-AF65-F5344CB8AC3E}">
+        <p14:creationId xmlns:p14="http://schemas.microsoft.com/office/powerpoint/2010/main" val="992544614"/>
+      </p:ext>
+    </p:extLst>
+  </p:cSld>
+  <p:clrMapOvr>
+    <a:masterClrMapping/>
+  </p:clrMapOvr>
+</p:sld>
+</file>
+
+<file path=ppt/slides/slide16.xml><?xml version="1.0" encoding="utf-8"?>
+<p:sld xmlns:a="http://schemas.openxmlformats.org/drawingml/2006/main" xmlns:r="http://schemas.openxmlformats.org/officeDocument/2006/relationships" xmlns:p="http://schemas.openxmlformats.org/presentationml/2006/main">
+  <p:cSld>
+    <p:spTree>
+      <p:nvGrpSpPr>
+        <p:cNvPr id="1" name=""/>
+        <p:cNvGrpSpPr/>
+        <p:nvPr/>
+      </p:nvGrpSpPr>
+      <p:grpSpPr>
+        <a:xfrm>
+          <a:off x="0" y="0"/>
+          <a:ext cx="0" cy="0"/>
+          <a:chOff x="0" y="0"/>
+          <a:chExt cx="0" cy="0"/>
+        </a:xfrm>
+      </p:grpSpPr>
+      <p:sp>
+        <p:nvSpPr>
+          <p:cNvPr id="2" name="Title 1">
+            <a:extLst>
+              <a:ext uri="{FF2B5EF4-FFF2-40B4-BE49-F238E27FC236}">
+                <a16:creationId xmlns:a16="http://schemas.microsoft.com/office/drawing/2014/main" id="{3DC0A7AF-4038-4E92-86E2-EE6BDB27866C}"/>
+              </a:ext>
+            </a:extLst>
+          </p:cNvPr>
+          <p:cNvSpPr>
+            <a:spLocks noGrp="1"/>
+          </p:cNvSpPr>
+          <p:nvPr>
+            <p:ph type="title"/>
+          </p:nvPr>
+        </p:nvSpPr>
+        <p:spPr/>
+        <p:txBody>
+          <a:bodyPr/>
+          <a:lstStyle/>
+          <a:p>
+            <a:r>
+              <a:rPr lang="hu-HU" dirty="0"/>
+              <a:t>QUBO and number of breaks</a:t>
+            </a:r>
+          </a:p>
+        </p:txBody>
+      </p:sp>
+      <p:pic>
+        <p:nvPicPr>
+          <p:cNvPr id="5" name="Content Placeholder 4" descr="Chart, scatter chart&#10;&#10;Description automatically generated">
+            <a:extLst>
+              <a:ext uri="{FF2B5EF4-FFF2-40B4-BE49-F238E27FC236}">
+                <a16:creationId xmlns:a16="http://schemas.microsoft.com/office/drawing/2014/main" id="{B48A7B4B-4241-463C-8D97-4935CCB8AAE9}"/>
+              </a:ext>
+            </a:extLst>
+          </p:cNvPr>
+          <p:cNvPicPr>
+            <a:picLocks noGrp="1" noChangeAspect="1"/>
+          </p:cNvPicPr>
+          <p:nvPr>
+            <p:ph idx="1"/>
+          </p:nvPr>
+        </p:nvPicPr>
+        <p:blipFill>
+          <a:blip r:embed="rId3">
+            <a:extLst>
+              <a:ext uri="{28A0092B-C50C-407E-A947-70E740481C1C}">
+                <a14:useLocalDpi xmlns:a14="http://schemas.microsoft.com/office/drawing/2010/main" val="0"/>
+              </a:ext>
+            </a:extLst>
+          </a:blip>
+          <a:stretch>
+            <a:fillRect/>
+          </a:stretch>
+        </p:blipFill>
+        <p:spPr>
+          <a:xfrm>
+            <a:off x="5877348" y="1690688"/>
+            <a:ext cx="5801784" cy="4351338"/>
+          </a:xfrm>
+        </p:spPr>
+      </p:pic>
+      <p:sp>
+        <p:nvSpPr>
+          <p:cNvPr id="3" name="TextBox 2">
+            <a:extLst>
+              <a:ext uri="{FF2B5EF4-FFF2-40B4-BE49-F238E27FC236}">
+                <a16:creationId xmlns:a16="http://schemas.microsoft.com/office/drawing/2014/main" id="{025C052C-59CF-432D-B7DB-CE19B7A920E6}"/>
+              </a:ext>
+            </a:extLst>
+          </p:cNvPr>
+          <p:cNvSpPr txBox="1"/>
+          <p:nvPr/>
+        </p:nvSpPr>
+        <p:spPr>
+          <a:xfrm>
+            <a:off x="937260" y="1690688"/>
+            <a:ext cx="4940088" cy="4247317"/>
+          </a:xfrm>
+          <a:prstGeom prst="rect">
+            <a:avLst/>
+          </a:prstGeom>
+          <a:noFill/>
+        </p:spPr>
+        <p:txBody>
+          <a:bodyPr wrap="square" rtlCol="0">
+            <a:spAutoFit/>
+          </a:bodyPr>
+          <a:lstStyle/>
+          <a:p>
+            <a:pPr marL="285750" indent="-285750">
+              <a:buFont typeface="Arial" panose="020B0604020202020204" pitchFamily="34" charset="0"/>
+              <a:buChar char="•"/>
+            </a:pPr>
+            <a:r>
+              <a:rPr lang="hu-HU" dirty="0"/>
+              <a:t>Calculated the &lt;</a:t>
+            </a:r>
+            <a:r>
+              <a:rPr lang="hu-HU" b="1" dirty="0"/>
+              <a:t>z</a:t>
+            </a:r>
+            <a:r>
+              <a:rPr lang="hu-HU" dirty="0"/>
+              <a:t>|</a:t>
+            </a:r>
+            <a:r>
+              <a:rPr lang="hu-HU" b="1" dirty="0"/>
+              <a:t>Q</a:t>
+            </a:r>
+            <a:r>
+              <a:rPr lang="hu-HU" dirty="0"/>
+              <a:t>|</a:t>
+            </a:r>
+            <a:r>
+              <a:rPr lang="hu-HU" b="1" dirty="0"/>
+              <a:t>z</a:t>
+            </a:r>
+            <a:r>
+              <a:rPr lang="hu-HU" dirty="0"/>
+              <a:t>&gt; for all </a:t>
+            </a:r>
+            <a:r>
+              <a:rPr lang="hu-HU" b="1" dirty="0"/>
+              <a:t>z</a:t>
+            </a:r>
+            <a:r>
+              <a:rPr lang="hu-HU" dirty="0"/>
+              <a:t> in a tournament</a:t>
+            </a:r>
+            <a:br>
+              <a:rPr lang="hu-HU" dirty="0"/>
+            </a:br>
+            <a:r>
+              <a:rPr lang="hu-HU" dirty="0"/>
+              <a:t>(all possible home-away assignment table)</a:t>
+            </a:r>
+            <a:endParaRPr lang="hu-HU" b="1" dirty="0"/>
+          </a:p>
+          <a:p>
+            <a:endParaRPr lang="hu-HU" dirty="0"/>
+          </a:p>
+          <a:p>
+            <a:pPr marL="285750" indent="-285750">
+              <a:buFont typeface="Arial" panose="020B0604020202020204" pitchFamily="34" charset="0"/>
+              <a:buChar char="•"/>
+            </a:pPr>
+            <a:r>
+              <a:rPr lang="hu-HU" dirty="0"/>
+              <a:t>Implemented a </a:t>
+            </a:r>
+            <a:r>
+              <a:rPr lang="hu-HU" b="1" dirty="0"/>
+              <a:t>break counting algorithm</a:t>
+            </a:r>
+            <a:r>
+              <a:rPr lang="hu-HU" dirty="0"/>
+              <a:t>, </a:t>
+            </a:r>
+            <a:br>
+              <a:rPr lang="hu-HU" dirty="0"/>
+            </a:br>
+            <a:r>
+              <a:rPr lang="hu-HU" dirty="0"/>
+              <a:t>given a timetable and a </a:t>
+            </a:r>
+            <a:r>
+              <a:rPr lang="hu-HU" b="1" dirty="0"/>
+              <a:t>z </a:t>
+            </a:r>
+            <a:r>
+              <a:rPr lang="hu-HU" dirty="0"/>
+              <a:t>vector</a:t>
+            </a:r>
+          </a:p>
+          <a:p>
+            <a:pPr marL="285750" indent="-285750">
+              <a:buFont typeface="Arial" panose="020B0604020202020204" pitchFamily="34" charset="0"/>
+              <a:buChar char="•"/>
+            </a:pPr>
+            <a:endParaRPr lang="hu-HU" dirty="0"/>
+          </a:p>
+          <a:p>
+            <a:pPr marL="285750" indent="-285750">
+              <a:buFont typeface="Arial" panose="020B0604020202020204" pitchFamily="34" charset="0"/>
+              <a:buChar char="•"/>
+            </a:pPr>
+            <a:r>
+              <a:rPr lang="hu-HU" dirty="0"/>
+              <a:t>Compared </a:t>
+            </a:r>
+            <a:r>
+              <a:rPr lang="hu-HU" b="1" dirty="0"/>
+              <a:t>energy</a:t>
+            </a:r>
+            <a:r>
+              <a:rPr lang="hu-HU" dirty="0"/>
+              <a:t> and </a:t>
+            </a:r>
+            <a:r>
+              <a:rPr lang="hu-HU" b="1" dirty="0"/>
+              <a:t>number of breaks</a:t>
+            </a:r>
+          </a:p>
+          <a:p>
+            <a:endParaRPr lang="hu-HU" dirty="0"/>
+          </a:p>
+          <a:p>
+            <a:pPr marL="285750" indent="-285750">
+              <a:buFont typeface="Arial" panose="020B0604020202020204" pitchFamily="34" charset="0"/>
+              <a:buChar char="•"/>
+            </a:pPr>
+            <a:r>
+              <a:rPr lang="hu-HU" dirty="0"/>
+              <a:t>Expected a linear connection between breaks and energy (&lt;</a:t>
+            </a:r>
+            <a:r>
+              <a:rPr lang="hu-HU" b="1" dirty="0"/>
+              <a:t>Q</a:t>
+            </a:r>
+            <a:r>
+              <a:rPr lang="hu-HU" dirty="0"/>
+              <a:t>&gt; = &lt;</a:t>
+            </a:r>
+            <a:r>
+              <a:rPr lang="hu-HU" b="1" dirty="0"/>
+              <a:t>E</a:t>
+            </a:r>
+            <a:r>
+              <a:rPr lang="hu-HU" dirty="0"/>
+              <a:t>&gt;) </a:t>
+            </a:r>
+          </a:p>
+          <a:p>
+            <a:pPr marL="285750" indent="-285750">
+              <a:buFont typeface="Arial" panose="020B0604020202020204" pitchFamily="34" charset="0"/>
+              <a:buChar char="•"/>
+            </a:pPr>
+            <a:endParaRPr lang="hu-HU" dirty="0"/>
+          </a:p>
+          <a:p>
+            <a:pPr marL="285750" indent="-285750">
+              <a:buFont typeface="Arial" panose="020B0604020202020204" pitchFamily="34" charset="0"/>
+              <a:buChar char="•"/>
+            </a:pPr>
+            <a:r>
+              <a:rPr lang="hu-HU" dirty="0"/>
+              <a:t>Found no clear correspondence bw breaks and expected value</a:t>
+            </a:r>
+          </a:p>
+          <a:p>
+            <a:pPr marL="285750" indent="-285750">
+              <a:buFont typeface="Arial" panose="020B0604020202020204" pitchFamily="34" charset="0"/>
+              <a:buChar char="•"/>
+            </a:pPr>
+            <a:endParaRPr lang="hu-HU" dirty="0"/>
+          </a:p>
+          <a:p>
+            <a:pPr marL="285750" indent="-285750">
+              <a:buFont typeface="Arial" panose="020B0604020202020204" pitchFamily="34" charset="0"/>
+              <a:buChar char="•"/>
+            </a:pPr>
+            <a:r>
+              <a:rPr lang="hu-HU" dirty="0"/>
+              <a:t>Perhaps </a:t>
+            </a:r>
+            <a:r>
+              <a:rPr lang="hu-HU" b="1" dirty="0"/>
+              <a:t>Q </a:t>
+            </a:r>
+            <a:r>
+              <a:rPr lang="hu-HU" dirty="0"/>
+              <a:t>calculated wrongly</a:t>
+            </a:r>
+          </a:p>
+        </p:txBody>
+      </p:sp>
+      <p:cxnSp>
+        <p:nvCxnSpPr>
+          <p:cNvPr id="10" name="Straight Arrow Connector 9">
+            <a:extLst>
+              <a:ext uri="{FF2B5EF4-FFF2-40B4-BE49-F238E27FC236}">
+                <a16:creationId xmlns:a16="http://schemas.microsoft.com/office/drawing/2014/main" id="{BD32573D-FA42-4F23-AFC1-7ACD43681F03}"/>
+              </a:ext>
+            </a:extLst>
+          </p:cNvPr>
+          <p:cNvCxnSpPr/>
+          <p:nvPr/>
+        </p:nvCxnSpPr>
+        <p:spPr>
+          <a:xfrm>
+            <a:off x="5257800" y="3284220"/>
+            <a:ext cx="1043940" cy="0"/>
+          </a:xfrm>
+          <a:prstGeom prst="straightConnector1">
+            <a:avLst/>
+          </a:prstGeom>
+          <a:ln w="28575">
+            <a:solidFill>
+              <a:schemeClr val="tx1"/>
+            </a:solidFill>
+            <a:headEnd type="none" w="med" len="med"/>
+            <a:tailEnd type="triangle" w="med" len="med"/>
+          </a:ln>
+        </p:spPr>
+        <p:style>
+          <a:lnRef idx="1">
+            <a:schemeClr val="dk1"/>
+          </a:lnRef>
+          <a:fillRef idx="0">
+            <a:schemeClr val="dk1"/>
+          </a:fillRef>
+          <a:effectRef idx="0">
+            <a:schemeClr val="dk1"/>
+          </a:effectRef>
+          <a:fontRef idx="minor">
+            <a:schemeClr val="tx1"/>
+          </a:fontRef>
+        </p:style>
+      </p:cxnSp>
+      <p:cxnSp>
+        <p:nvCxnSpPr>
+          <p:cNvPr id="6" name="Straight Connector 5">
+            <a:extLst>
+              <a:ext uri="{FF2B5EF4-FFF2-40B4-BE49-F238E27FC236}">
+                <a16:creationId xmlns:a16="http://schemas.microsoft.com/office/drawing/2014/main" id="{7134CAC3-387C-4783-9214-CA37C887B65B}"/>
+              </a:ext>
+            </a:extLst>
+          </p:cNvPr>
+          <p:cNvCxnSpPr/>
+          <p:nvPr/>
+        </p:nvCxnSpPr>
+        <p:spPr>
+          <a:xfrm flipV="1">
+            <a:off x="6751320" y="2834640"/>
+            <a:ext cx="4145280" cy="2598420"/>
+          </a:xfrm>
+          <a:prstGeom prst="line">
+            <a:avLst/>
+          </a:prstGeom>
+          <a:ln w="9525"/>
+        </p:spPr>
+        <p:style>
+          <a:lnRef idx="1">
+            <a:schemeClr val="accent1"/>
+          </a:lnRef>
+          <a:fillRef idx="0">
+            <a:schemeClr val="accent1"/>
+          </a:fillRef>
+          <a:effectRef idx="0">
+            <a:schemeClr val="accent1"/>
+          </a:effectRef>
+          <a:fontRef idx="minor">
+            <a:schemeClr val="tx1"/>
+          </a:fontRef>
+        </p:style>
+      </p:cxnSp>
+      <p:sp>
+        <p:nvSpPr>
+          <p:cNvPr id="7" name="Multiplication Sign 6">
+            <a:extLst>
+              <a:ext uri="{FF2B5EF4-FFF2-40B4-BE49-F238E27FC236}">
+                <a16:creationId xmlns:a16="http://schemas.microsoft.com/office/drawing/2014/main" id="{ADCC2EDF-CB42-4D3E-BF80-D6D0F4FC7ADD}"/>
+              </a:ext>
+            </a:extLst>
+          </p:cNvPr>
+          <p:cNvSpPr/>
+          <p:nvPr/>
+        </p:nvSpPr>
+        <p:spPr>
+          <a:xfrm>
+            <a:off x="8915400" y="3649980"/>
+            <a:ext cx="601980" cy="457200"/>
+          </a:xfrm>
+          <a:prstGeom prst="mathMultiply">
+            <a:avLst/>
+          </a:prstGeom>
+          <a:solidFill>
+            <a:srgbClr val="FF0000"/>
+          </a:solidFill>
+          <a:ln>
+            <a:solidFill>
+              <a:srgbClr val="FF0000"/>
+            </a:solidFill>
+          </a:ln>
+        </p:spPr>
+        <p:style>
+          <a:lnRef idx="2">
+            <a:schemeClr val="accent1">
+              <a:shade val="50000"/>
+            </a:schemeClr>
+          </a:lnRef>
+          <a:fillRef idx="1">
+            <a:schemeClr val="accent1"/>
+          </a:fillRef>
+          <a:effectRef idx="0">
+            <a:schemeClr val="accent1"/>
+          </a:effectRef>
+          <a:fontRef idx="minor">
+            <a:schemeClr val="lt1"/>
+          </a:fontRef>
+        </p:style>
+        <p:txBody>
+          <a:bodyPr rtlCol="0" anchor="ctr"/>
+          <a:lstStyle/>
+          <a:p>
+            <a:pPr algn="ctr"/>
+            <a:endParaRPr lang="hu-HU"/>
+          </a:p>
+        </p:txBody>
+      </p:sp>
+    </p:spTree>
+    <p:extLst>
+      <p:ext uri="{BB962C8B-B14F-4D97-AF65-F5344CB8AC3E}">
+        <p14:creationId xmlns:p14="http://schemas.microsoft.com/office/powerpoint/2010/main" val="2138334598"/>
+      </p:ext>
+    </p:extLst>
+  </p:cSld>
+  <p:clrMapOvr>
+    <a:masterClrMapping/>
+  </p:clrMapOvr>
+</p:sld>
+</file>
+
+<file path=ppt/slides/slide17.xml><?xml version="1.0" encoding="utf-8"?>
+<p:sld xmlns:a="http://schemas.openxmlformats.org/drawingml/2006/main" xmlns:r="http://schemas.openxmlformats.org/officeDocument/2006/relationships" xmlns:p="http://schemas.openxmlformats.org/presentationml/2006/main">
+  <p:cSld>
+    <p:spTree>
+      <p:nvGrpSpPr>
+        <p:cNvPr id="1" name=""/>
+        <p:cNvGrpSpPr/>
+        <p:nvPr/>
+      </p:nvGrpSpPr>
+      <p:grpSpPr>
+        <a:xfrm>
+          <a:off x="0" y="0"/>
+          <a:ext cx="0" cy="0"/>
+          <a:chOff x="0" y="0"/>
+          <a:chExt cx="0" cy="0"/>
+        </a:xfrm>
+      </p:grpSpPr>
+      <p:sp>
+        <p:nvSpPr>
+          <p:cNvPr id="2" name="Title 1">
+            <a:extLst>
+              <a:ext uri="{FF2B5EF4-FFF2-40B4-BE49-F238E27FC236}">
+                <a16:creationId xmlns:a16="http://schemas.microsoft.com/office/drawing/2014/main" id="{C67D33FB-A7CE-486A-AB56-F63B365C8184}"/>
+              </a:ext>
+            </a:extLst>
+          </p:cNvPr>
+          <p:cNvSpPr>
+            <a:spLocks noGrp="1"/>
+          </p:cNvSpPr>
+          <p:nvPr>
+            <p:ph type="title"/>
+          </p:nvPr>
+        </p:nvSpPr>
+        <p:spPr/>
+        <p:txBody>
+          <a:bodyPr/>
+          <a:lstStyle/>
+          <a:p>
+            <a:r>
+              <a:rPr lang="hu-HU" dirty="0"/>
+              <a:t>Conclusion</a:t>
+            </a:r>
+          </a:p>
+        </p:txBody>
+      </p:sp>
+      <p:sp>
+        <p:nvSpPr>
+          <p:cNvPr id="3" name="Content Placeholder 2">
+            <a:extLst>
+              <a:ext uri="{FF2B5EF4-FFF2-40B4-BE49-F238E27FC236}">
+                <a16:creationId xmlns:a16="http://schemas.microsoft.com/office/drawing/2014/main" id="{FC36828A-95BB-48A1-9FC2-F6F662A420D3}"/>
+              </a:ext>
+            </a:extLst>
+          </p:cNvPr>
+          <p:cNvSpPr>
+            <a:spLocks noGrp="1"/>
+          </p:cNvSpPr>
+          <p:nvPr>
+            <p:ph idx="1"/>
+          </p:nvPr>
+        </p:nvSpPr>
+        <p:spPr/>
+        <p:txBody>
+          <a:bodyPr>
+            <a:normAutofit/>
+          </a:bodyPr>
+          <a:lstStyle/>
+          <a:p>
+            <a:r>
+              <a:rPr lang="hu-HU" sz="2000" dirty="0"/>
+              <a:t>Break minimization: less of two home/away games in a row</a:t>
+            </a:r>
+          </a:p>
+          <a:p>
+            <a:endParaRPr lang="hu-HU" sz="2000" b="1" dirty="0"/>
+          </a:p>
+          <a:p>
+            <a:r>
+              <a:rPr lang="hu-HU" sz="2000" b="1" dirty="0"/>
+              <a:t>Goal</a:t>
+            </a:r>
+            <a:r>
+              <a:rPr lang="hu-HU" sz="2000" dirty="0"/>
+              <a:t>: generate home-away assigment tables (</a:t>
+            </a:r>
+            <a:r>
+              <a:rPr lang="hu-HU" sz="2000" b="1" dirty="0"/>
+              <a:t>where </a:t>
+            </a:r>
+            <a:r>
+              <a:rPr lang="hu-HU" sz="2000" dirty="0"/>
+              <a:t>teams play)</a:t>
+            </a:r>
+          </a:p>
+          <a:p>
+            <a:endParaRPr lang="hu-HU" sz="2000" dirty="0"/>
+          </a:p>
+          <a:p>
+            <a:r>
+              <a:rPr lang="hu-HU" sz="2000" dirty="0"/>
+              <a:t>Formulating a QUBO problem based on break minimization</a:t>
+            </a:r>
+          </a:p>
+          <a:p>
+            <a:endParaRPr lang="hu-HU" sz="2000" dirty="0"/>
+          </a:p>
+        </p:txBody>
+      </p:sp>
+      <p:pic>
+        <p:nvPicPr>
+          <p:cNvPr id="4" name="Content Placeholder 4" descr="Chart, scatter chart&#10;&#10;Description automatically generated">
+            <a:extLst>
+              <a:ext uri="{FF2B5EF4-FFF2-40B4-BE49-F238E27FC236}">
+                <a16:creationId xmlns:a16="http://schemas.microsoft.com/office/drawing/2014/main" id="{3F5BBA38-026E-409E-9F28-4911048915DD}"/>
+              </a:ext>
+            </a:extLst>
+          </p:cNvPr>
+          <p:cNvPicPr>
+            <a:picLocks noChangeAspect="1"/>
+          </p:cNvPicPr>
+          <p:nvPr/>
+        </p:nvPicPr>
+        <p:blipFill>
+          <a:blip r:embed="rId2">
+            <a:extLst>
+              <a:ext uri="{28A0092B-C50C-407E-A947-70E740481C1C}">
+                <a14:useLocalDpi xmlns:a14="http://schemas.microsoft.com/office/drawing/2010/main" val="0"/>
+              </a:ext>
+            </a:extLst>
+          </a:blip>
+          <a:stretch>
+            <a:fillRect/>
+          </a:stretch>
+        </p:blipFill>
+        <p:spPr>
+          <a:xfrm>
+            <a:off x="7513320" y="2917666"/>
+            <a:ext cx="4165812" cy="3124359"/>
+          </a:xfrm>
+          <a:prstGeom prst="rect">
+            <a:avLst/>
+          </a:prstGeom>
+        </p:spPr>
+      </p:pic>
+      <p:grpSp>
+        <p:nvGrpSpPr>
+          <p:cNvPr id="5" name="Group 4">
+            <a:extLst>
+              <a:ext uri="{FF2B5EF4-FFF2-40B4-BE49-F238E27FC236}">
+                <a16:creationId xmlns:a16="http://schemas.microsoft.com/office/drawing/2014/main" id="{5C76DA84-AE5C-4AFA-97C6-1A8BC1034F7B}"/>
+              </a:ext>
+            </a:extLst>
+          </p:cNvPr>
+          <p:cNvGrpSpPr/>
+          <p:nvPr/>
+        </p:nvGrpSpPr>
+        <p:grpSpPr>
+          <a:xfrm>
+            <a:off x="1272963" y="4126865"/>
+            <a:ext cx="5915025" cy="1771650"/>
+            <a:chOff x="5835967" y="4001294"/>
+            <a:chExt cx="5915025" cy="1771650"/>
+          </a:xfrm>
+        </p:grpSpPr>
+        <p:pic>
+          <p:nvPicPr>
+            <p:cNvPr id="6" name="Picture 5">
+              <a:extLst>
+                <a:ext uri="{FF2B5EF4-FFF2-40B4-BE49-F238E27FC236}">
+                  <a16:creationId xmlns:a16="http://schemas.microsoft.com/office/drawing/2014/main" id="{772268D6-1BEC-4B01-89CF-3ADFA59611B0}"/>
+                </a:ext>
+              </a:extLst>
+            </p:cNvPr>
+            <p:cNvPicPr>
+              <a:picLocks noChangeAspect="1"/>
+            </p:cNvPicPr>
+            <p:nvPr/>
+          </p:nvPicPr>
+          <p:blipFill>
+            <a:blip r:embed="rId3"/>
+            <a:stretch>
+              <a:fillRect/>
+            </a:stretch>
+          </p:blipFill>
+          <p:spPr>
+            <a:xfrm>
+              <a:off x="5835967" y="4001294"/>
+              <a:ext cx="5915025" cy="1771650"/>
+            </a:xfrm>
+            <a:prstGeom prst="rect">
+              <a:avLst/>
+            </a:prstGeom>
+          </p:spPr>
+        </p:pic>
+        <p:sp>
+          <p:nvSpPr>
+            <p:cNvPr id="7" name="Rectangle 6">
+              <a:extLst>
+                <a:ext uri="{FF2B5EF4-FFF2-40B4-BE49-F238E27FC236}">
+                  <a16:creationId xmlns:a16="http://schemas.microsoft.com/office/drawing/2014/main" id="{F08FBCF1-7EF9-4F0A-9A1C-436E50AF8574}"/>
+                </a:ext>
+              </a:extLst>
+            </p:cNvPr>
+            <p:cNvSpPr/>
+            <p:nvPr/>
+          </p:nvSpPr>
+          <p:spPr>
+            <a:xfrm>
+              <a:off x="6537960" y="4001294"/>
+              <a:ext cx="807720" cy="342106"/>
+            </a:xfrm>
+            <a:prstGeom prst="rect">
+              <a:avLst/>
+            </a:prstGeom>
+            <a:solidFill>
+              <a:schemeClr val="bg1"/>
+            </a:solidFill>
+            <a:ln>
+              <a:solidFill>
+                <a:schemeClr val="bg1"/>
+              </a:solidFill>
+            </a:ln>
+          </p:spPr>
+          <p:style>
+            <a:lnRef idx="2">
+              <a:schemeClr val="accent1">
+                <a:shade val="50000"/>
+              </a:schemeClr>
+            </a:lnRef>
+            <a:fillRef idx="1">
+              <a:schemeClr val="accent1"/>
+            </a:fillRef>
+            <a:effectRef idx="0">
+              <a:schemeClr val="accent1"/>
+            </a:effectRef>
+            <a:fontRef idx="minor">
+              <a:schemeClr val="lt1"/>
+            </a:fontRef>
+          </p:style>
+          <p:txBody>
+            <a:bodyPr rtlCol="0" anchor="ctr"/>
+            <a:lstStyle/>
+            <a:p>
+              <a:pPr algn="ctr"/>
+              <a:endParaRPr lang="hu-HU"/>
+            </a:p>
+          </p:txBody>
+        </p:sp>
+      </p:grpSp>
+      <p:sp>
+        <p:nvSpPr>
+          <p:cNvPr id="8" name="Rectangle 7">
+            <a:extLst>
+              <a:ext uri="{FF2B5EF4-FFF2-40B4-BE49-F238E27FC236}">
+                <a16:creationId xmlns:a16="http://schemas.microsoft.com/office/drawing/2014/main" id="{23BD2BDB-1E58-41FD-878B-3BC7506C8A24}"/>
+              </a:ext>
+            </a:extLst>
+          </p:cNvPr>
+          <p:cNvSpPr/>
+          <p:nvPr/>
+        </p:nvSpPr>
+        <p:spPr>
+          <a:xfrm>
+            <a:off x="5182976" y="5050790"/>
+            <a:ext cx="571500" cy="190500"/>
+          </a:xfrm>
+          <a:prstGeom prst="rect">
+            <a:avLst/>
+          </a:prstGeom>
+          <a:noFill/>
+          <a:ln w="19050">
+            <a:solidFill>
+              <a:srgbClr val="FF0000"/>
+            </a:solidFill>
+          </a:ln>
+        </p:spPr>
+        <p:style>
+          <a:lnRef idx="2">
+            <a:schemeClr val="accent1">
+              <a:shade val="50000"/>
+            </a:schemeClr>
+          </a:lnRef>
+          <a:fillRef idx="1">
+            <a:schemeClr val="accent1"/>
+          </a:fillRef>
+          <a:effectRef idx="0">
+            <a:schemeClr val="accent1"/>
+          </a:effectRef>
+          <a:fontRef idx="minor">
+            <a:schemeClr val="lt1"/>
+          </a:fontRef>
+        </p:style>
+        <p:txBody>
+          <a:bodyPr rtlCol="0" anchor="ctr"/>
+          <a:lstStyle/>
+          <a:p>
+            <a:pPr algn="ctr"/>
+            <a:endParaRPr lang="hu-HU"/>
+          </a:p>
+        </p:txBody>
+      </p:sp>
+      <p:sp>
+        <p:nvSpPr>
+          <p:cNvPr id="9" name="Rectangle 8">
+            <a:extLst>
+              <a:ext uri="{FF2B5EF4-FFF2-40B4-BE49-F238E27FC236}">
+                <a16:creationId xmlns:a16="http://schemas.microsoft.com/office/drawing/2014/main" id="{5FE48F7C-420B-408C-9CD2-59BC2E720EC8}"/>
+              </a:ext>
+            </a:extLst>
+          </p:cNvPr>
+          <p:cNvSpPr/>
+          <p:nvPr/>
+        </p:nvSpPr>
+        <p:spPr>
+          <a:xfrm>
+            <a:off x="5838296" y="5050790"/>
+            <a:ext cx="571500" cy="190500"/>
+          </a:xfrm>
+          <a:prstGeom prst="rect">
+            <a:avLst/>
+          </a:prstGeom>
+          <a:noFill/>
+          <a:ln w="28575">
+            <a:solidFill>
+              <a:srgbClr val="FFC000"/>
+            </a:solidFill>
+          </a:ln>
+        </p:spPr>
+        <p:style>
+          <a:lnRef idx="2">
+            <a:schemeClr val="accent1">
+              <a:shade val="50000"/>
+            </a:schemeClr>
+          </a:lnRef>
+          <a:fillRef idx="1">
+            <a:schemeClr val="accent1"/>
+          </a:fillRef>
+          <a:effectRef idx="0">
+            <a:schemeClr val="accent1"/>
+          </a:effectRef>
+          <a:fontRef idx="minor">
+            <a:schemeClr val="lt1"/>
+          </a:fontRef>
+        </p:style>
+        <p:txBody>
+          <a:bodyPr rtlCol="0" anchor="ctr"/>
+          <a:lstStyle/>
+          <a:p>
+            <a:pPr algn="ctr"/>
+            <a:endParaRPr lang="hu-HU" dirty="0"/>
+          </a:p>
+        </p:txBody>
+      </p:sp>
+      <p:sp>
+        <p:nvSpPr>
+          <p:cNvPr id="10" name="Rectangle 9">
+            <a:extLst>
+              <a:ext uri="{FF2B5EF4-FFF2-40B4-BE49-F238E27FC236}">
+                <a16:creationId xmlns:a16="http://schemas.microsoft.com/office/drawing/2014/main" id="{EF0CA670-2192-4CDF-8E54-0DEB4E73C888}"/>
+              </a:ext>
+            </a:extLst>
+          </p:cNvPr>
+          <p:cNvSpPr/>
+          <p:nvPr/>
+        </p:nvSpPr>
+        <p:spPr>
+          <a:xfrm>
+            <a:off x="6124046" y="4966970"/>
+            <a:ext cx="571500" cy="358140"/>
+          </a:xfrm>
+          <a:prstGeom prst="rect">
+            <a:avLst/>
+          </a:prstGeom>
+          <a:noFill/>
+          <a:ln w="19050">
+            <a:solidFill>
+              <a:srgbClr val="7030A0"/>
+            </a:solidFill>
+          </a:ln>
+        </p:spPr>
+        <p:style>
+          <a:lnRef idx="2">
+            <a:schemeClr val="accent1">
+              <a:shade val="50000"/>
+            </a:schemeClr>
+          </a:lnRef>
+          <a:fillRef idx="1">
+            <a:schemeClr val="accent1"/>
+          </a:fillRef>
+          <a:effectRef idx="0">
+            <a:schemeClr val="accent1"/>
+          </a:effectRef>
+          <a:fontRef idx="minor">
+            <a:schemeClr val="lt1"/>
+          </a:fontRef>
+        </p:style>
+        <p:txBody>
+          <a:bodyPr rtlCol="0" anchor="ctr"/>
+          <a:lstStyle/>
+          <a:p>
+            <a:pPr algn="ctr"/>
+            <a:endParaRPr lang="hu-HU"/>
+          </a:p>
+        </p:txBody>
+      </p:sp>
+      <p:pic>
+        <p:nvPicPr>
+          <p:cNvPr id="11" name="Picture 2" descr="Post-game handshake ban idiotic - National Alliance for Youth Sports">
+            <a:extLst>
+              <a:ext uri="{FF2B5EF4-FFF2-40B4-BE49-F238E27FC236}">
+                <a16:creationId xmlns:a16="http://schemas.microsoft.com/office/drawing/2014/main" id="{8A695A50-8DF5-4F79-94B6-FEBF60AD0F65}"/>
+              </a:ext>
+            </a:extLst>
+          </p:cNvPr>
+          <p:cNvPicPr>
+            <a:picLocks noChangeAspect="1" noChangeArrowheads="1"/>
+          </p:cNvPicPr>
+          <p:nvPr/>
+        </p:nvPicPr>
+        <p:blipFill>
+          <a:blip r:embed="rId4">
+            <a:extLst>
+              <a:ext uri="{28A0092B-C50C-407E-A947-70E740481C1C}">
+                <a14:useLocalDpi xmlns:a14="http://schemas.microsoft.com/office/drawing/2010/main" val="0"/>
+              </a:ext>
+            </a:extLst>
+          </a:blip>
+          <a:srcRect/>
+          <a:stretch>
+            <a:fillRect/>
+          </a:stretch>
+        </p:blipFill>
+        <p:spPr bwMode="auto">
+          <a:xfrm>
+            <a:off x="8224322" y="740252"/>
+            <a:ext cx="2963395" cy="1965960"/>
+          </a:xfrm>
+          <a:prstGeom prst="rect">
+            <a:avLst/>
+          </a:prstGeom>
+          <a:noFill/>
+          <a:extLst>
+            <a:ext uri="{909E8E84-426E-40DD-AFC4-6F175D3DCCD1}">
+              <a14:hiddenFill xmlns:a14="http://schemas.microsoft.com/office/drawing/2010/main">
+                <a:solidFill>
+                  <a:srgbClr val="FFFFFF"/>
+                </a:solidFill>
+              </a14:hiddenFill>
+            </a:ext>
+          </a:extLst>
+        </p:spPr>
+      </p:pic>
+    </p:spTree>
+    <p:extLst>
+      <p:ext uri="{BB962C8B-B14F-4D97-AF65-F5344CB8AC3E}">
+        <p14:creationId xmlns:p14="http://schemas.microsoft.com/office/powerpoint/2010/main" val="1925472824"/>
+      </p:ext>
+    </p:extLst>
+  </p:cSld>
+  <p:clrMapOvr>
+    <a:masterClrMapping/>
+  </p:clrMapOvr>
+</p:sld>
+</file>
+
+<file path=ppt/slides/slide2.xml><?xml version="1.0" encoding="utf-8"?>
+<p:sld xmlns:a="http://schemas.openxmlformats.org/drawingml/2006/main" xmlns:r="http://schemas.openxmlformats.org/officeDocument/2006/relationships" xmlns:p="http://schemas.openxmlformats.org/presentationml/2006/main">
+  <p:cSld>
+    <p:bg>
+      <p:bgPr>
+        <a:solidFill>
+          <a:schemeClr val="bg1"/>
+        </a:solidFill>
+        <a:effectLst/>
+      </p:bgPr>
+    </p:bg>
+    <p:spTree>
+      <p:nvGrpSpPr>
+        <p:cNvPr id="1" name=""/>
+        <p:cNvGrpSpPr/>
+        <p:nvPr/>
+      </p:nvGrpSpPr>
+      <p:grpSpPr>
+        <a:xfrm>
+          <a:off x="0" y="0"/>
+          <a:ext cx="0" cy="0"/>
+          <a:chOff x="0" y="0"/>
+          <a:chExt cx="0" cy="0"/>
+        </a:xfrm>
+      </p:grpSpPr>
+      <p:sp>
+        <p:nvSpPr>
+          <p:cNvPr id="2" name="Title 1">
+            <a:extLst>
+              <a:ext uri="{FF2B5EF4-FFF2-40B4-BE49-F238E27FC236}">
+                <a16:creationId xmlns:a16="http://schemas.microsoft.com/office/drawing/2014/main" id="{AE641B46-CD40-42BC-8F17-4AF0C79DE6A5}"/>
+              </a:ext>
+            </a:extLst>
+          </p:cNvPr>
+          <p:cNvSpPr>
+            <a:spLocks noGrp="1"/>
+          </p:cNvSpPr>
+          <p:nvPr>
+            <p:ph type="title"/>
+          </p:nvPr>
+        </p:nvSpPr>
+        <p:spPr>
+          <a:xfrm>
+            <a:off x="655320" y="365125"/>
+            <a:ext cx="5120114" cy="1692794"/>
+          </a:xfrm>
+        </p:spPr>
+        <p:txBody>
+          <a:bodyPr>
+            <a:normAutofit/>
+          </a:bodyPr>
+          <a:lstStyle/>
+          <a:p>
+            <a:r>
+              <a:rPr lang="hu-HU"/>
+              <a:t>Application: break minimization</a:t>
+            </a:r>
+            <a:endParaRPr lang="hu-HU" dirty="0"/>
+          </a:p>
+        </p:txBody>
+      </p:sp>
+      <p:cxnSp>
+        <p:nvCxnSpPr>
+          <p:cNvPr id="12" name="Straight Arrow Connector 11">
+            <a:extLst>
+              <a:ext uri="{FF2B5EF4-FFF2-40B4-BE49-F238E27FC236}">
+                <a16:creationId xmlns:a16="http://schemas.microsoft.com/office/drawing/2014/main" id="{E4A809D5-3600-46D4-A466-67F2349A54FB}"/>
+              </a:ext>
+              <a:ext uri="{C183D7F6-B498-43B3-948B-1728B52AA6E4}">
+                <adec:decorative xmlns:adec="http://schemas.microsoft.com/office/drawing/2017/decorative" val="1"/>
+              </a:ext>
+            </a:extLst>
+          </p:cNvPr>
+          <p:cNvCxnSpPr>
+            <a:cxnSpLocks noGrp="1" noRot="1" noChangeAspect="1" noMove="1" noResize="1" noEditPoints="1" noAdjustHandles="1" noChangeArrowheads="1" noChangeShapeType="1"/>
+          </p:cNvCxnSpPr>
+          <p:nvPr>
+            <p:extLst>
+              <p:ext uri="{386F3935-93C4-4BCD-93E2-E3B085C9AB24}">
+                <p16:designElem xmlns:p16="http://schemas.microsoft.com/office/powerpoint/2015/main" val="1"/>
+              </p:ext>
+            </p:extLst>
+          </p:nvPr>
+        </p:nvCxnSpPr>
+        <p:spPr>
+          <a:xfrm>
+            <a:off x="655320" y="2316480"/>
+            <a:ext cx="4572000" cy="0"/>
+          </a:xfrm>
+          <a:prstGeom prst="straightConnector1">
+            <a:avLst/>
+          </a:prstGeom>
+          <a:ln w="19050" cap="sq">
+            <a:solidFill>
+              <a:schemeClr val="tx1"/>
+            </a:solidFill>
+            <a:tailEnd type="none"/>
+          </a:ln>
+        </p:spPr>
+        <p:style>
+          <a:lnRef idx="1">
+            <a:schemeClr val="accent1"/>
+          </a:lnRef>
+          <a:fillRef idx="0">
+            <a:schemeClr val="accent1"/>
+          </a:fillRef>
+          <a:effectRef idx="0">
+            <a:schemeClr val="accent1"/>
+          </a:effectRef>
+          <a:fontRef idx="minor">
+            <a:schemeClr val="tx1"/>
+          </a:fontRef>
+        </p:style>
+      </p:cxnSp>
+      <p:sp>
+        <p:nvSpPr>
+          <p:cNvPr id="3" name="Content Placeholder 2">
+            <a:extLst>
+              <a:ext uri="{FF2B5EF4-FFF2-40B4-BE49-F238E27FC236}">
+                <a16:creationId xmlns:a16="http://schemas.microsoft.com/office/drawing/2014/main" id="{8D73AAF9-2F7B-4D53-821D-95BFE2A28201}"/>
+              </a:ext>
+            </a:extLst>
+          </p:cNvPr>
+          <p:cNvSpPr>
+            <a:spLocks noGrp="1"/>
+          </p:cNvSpPr>
+          <p:nvPr>
+            <p:ph idx="1"/>
+          </p:nvPr>
+        </p:nvSpPr>
+        <p:spPr>
+          <a:xfrm>
+            <a:off x="655321" y="2575034"/>
+            <a:ext cx="5120113" cy="3462228"/>
+          </a:xfrm>
+        </p:spPr>
+        <p:txBody>
+          <a:bodyPr>
+            <a:normAutofit/>
+          </a:bodyPr>
+          <a:lstStyle/>
+          <a:p>
+            <a:r>
+              <a:rPr lang="hu-HU" sz="1400" b="1" u="sng" dirty="0"/>
+              <a:t>Motivation</a:t>
+            </a:r>
+            <a:r>
+              <a:rPr lang="hu-HU" sz="1400" dirty="0"/>
+              <a:t>: Ensure fairness in team sports</a:t>
+            </a:r>
+          </a:p>
+          <a:p>
+            <a:endParaRPr lang="hu-HU" sz="1400" dirty="0"/>
+          </a:p>
+          <a:p>
+            <a:r>
+              <a:rPr lang="hu-HU" sz="1400" dirty="0"/>
+              <a:t>It is more favorable to play on </a:t>
+            </a:r>
+            <a:r>
+              <a:rPr lang="hu-HU" sz="1400" b="1" dirty="0"/>
+              <a:t>home</a:t>
+            </a:r>
+            <a:r>
+              <a:rPr lang="hu-HU" sz="1400" dirty="0"/>
+              <a:t> ground</a:t>
+            </a:r>
+          </a:p>
+          <a:p>
+            <a:pPr lvl="2"/>
+            <a:r>
+              <a:rPr lang="hu-HU" sz="1400" dirty="0"/>
+              <a:t>Less travel</a:t>
+            </a:r>
+          </a:p>
+          <a:p>
+            <a:pPr lvl="2"/>
+            <a:r>
+              <a:rPr lang="hu-HU" sz="1400" dirty="0"/>
+              <a:t>Psychological advantages</a:t>
+            </a:r>
+          </a:p>
+          <a:p>
+            <a:pPr lvl="2"/>
+            <a:r>
+              <a:rPr lang="hu-HU" sz="1400" dirty="0"/>
+              <a:t>More comfortable climate</a:t>
+            </a:r>
+          </a:p>
+          <a:p>
+            <a:pPr lvl="2"/>
+            <a:endParaRPr lang="hu-HU" sz="1400" dirty="0"/>
+          </a:p>
+          <a:p>
+            <a:r>
+              <a:rPr lang="hu-HU" sz="1400" dirty="0"/>
+              <a:t>Measures for fairness:</a:t>
+            </a:r>
+          </a:p>
+          <a:p>
+            <a:pPr lvl="2"/>
+            <a:r>
+              <a:rPr lang="hu-HU" sz="1400" dirty="0"/>
+              <a:t>Playing a in a neutral venue (no team plays at home)</a:t>
+            </a:r>
+          </a:p>
+          <a:p>
+            <a:pPr lvl="2"/>
+            <a:r>
+              <a:rPr lang="hu-HU" sz="1400" dirty="0"/>
+              <a:t>Football: the away team’s score gets doubled</a:t>
+            </a:r>
+          </a:p>
+          <a:p>
+            <a:pPr lvl="2"/>
+            <a:r>
+              <a:rPr lang="hu-HU" sz="1400" b="1" dirty="0"/>
+              <a:t>Balance the tournament</a:t>
+            </a:r>
+            <a:r>
+              <a:rPr lang="hu-HU" sz="1400" dirty="0"/>
+              <a:t>: limit home/away games in a row</a:t>
+            </a:r>
+            <a:endParaRPr lang="hu-HU" sz="1400" b="1" dirty="0"/>
+          </a:p>
+        </p:txBody>
+      </p:sp>
+      <p:pic>
+        <p:nvPicPr>
+          <p:cNvPr id="7" name="Picture 2" descr="Post-game handshake ban idiotic - National Alliance for Youth Sports">
+            <a:extLst>
+              <a:ext uri="{FF2B5EF4-FFF2-40B4-BE49-F238E27FC236}">
+                <a16:creationId xmlns:a16="http://schemas.microsoft.com/office/drawing/2014/main" id="{7915306B-A5C4-40AB-8BBA-CD33E761417D}"/>
+              </a:ext>
+            </a:extLst>
+          </p:cNvPr>
+          <p:cNvPicPr>
+            <a:picLocks noChangeAspect="1" noChangeArrowheads="1"/>
+          </p:cNvPicPr>
+          <p:nvPr/>
+        </p:nvPicPr>
+        <p:blipFill rotWithShape="1">
+          <a:blip r:embed="rId2">
+            <a:extLst>
+              <a:ext uri="{28A0092B-C50C-407E-A947-70E740481C1C}">
+                <a14:useLocalDpi xmlns:a14="http://schemas.microsoft.com/office/drawing/2010/main" val="0"/>
+              </a:ext>
+            </a:extLst>
+          </a:blip>
+          <a:srcRect l="18954" r="20059" b="-1"/>
+          <a:stretch/>
+        </p:blipFill>
+        <p:spPr bwMode="auto">
+          <a:xfrm>
+            <a:off x="5878849" y="10"/>
+            <a:ext cx="6313150" cy="6857987"/>
+          </a:xfrm>
+          <a:custGeom>
+            <a:avLst/>
+            <a:gdLst/>
+            <a:ahLst/>
+            <a:cxnLst/>
+            <a:rect l="l" t="t" r="r" b="b"/>
+            <a:pathLst>
+              <a:path w="6313150" h="6857997">
+                <a:moveTo>
+                  <a:pt x="65565" y="0"/>
+                </a:moveTo>
+                <a:lnTo>
+                  <a:pt x="6313150" y="0"/>
+                </a:lnTo>
+                <a:lnTo>
+                  <a:pt x="6313150" y="6857997"/>
+                </a:lnTo>
+                <a:lnTo>
+                  <a:pt x="3293946" y="6857997"/>
+                </a:lnTo>
+                <a:lnTo>
+                  <a:pt x="3235857" y="6823061"/>
+                </a:lnTo>
+                <a:cubicBezTo>
+                  <a:pt x="1291240" y="5592803"/>
+                  <a:pt x="0" y="3423096"/>
+                  <a:pt x="0" y="951803"/>
+                </a:cubicBezTo>
+                <a:cubicBezTo>
+                  <a:pt x="0" y="727140"/>
+                  <a:pt x="10673" y="504970"/>
+                  <a:pt x="31536" y="285771"/>
+                </a:cubicBezTo>
+                <a:close/>
+              </a:path>
+            </a:pathLst>
+          </a:custGeom>
+          <a:noFill/>
+          <a:extLst>
+            <a:ext uri="{909E8E84-426E-40DD-AFC4-6F175D3DCCD1}">
+              <a14:hiddenFill xmlns:a14="http://schemas.microsoft.com/office/drawing/2010/main">
+                <a:solidFill>
+                  <a:srgbClr val="FFFFFF"/>
+                </a:solidFill>
+              </a14:hiddenFill>
+            </a:ext>
+          </a:extLst>
+        </p:spPr>
+      </p:pic>
+    </p:spTree>
+    <p:extLst>
+      <p:ext uri="{BB962C8B-B14F-4D97-AF65-F5344CB8AC3E}">
+        <p14:creationId xmlns:p14="http://schemas.microsoft.com/office/powerpoint/2010/main" val="412061999"/>
+      </p:ext>
+    </p:extLst>
+  </p:cSld>
+  <p:clrMapOvr>
+    <a:masterClrMapping/>
+  </p:clrMapOvr>
+</p:sld>
+</file>
+
+<file path=ppt/slides/slide3.xml><?xml version="1.0" encoding="utf-8"?>
+<p:sld xmlns:a="http://schemas.openxmlformats.org/drawingml/2006/main" xmlns:r="http://schemas.openxmlformats.org/officeDocument/2006/relationships" xmlns:p="http://schemas.openxmlformats.org/presentationml/2006/main">
+  <p:cSld>
+    <p:bg>
+      <p:bgPr>
+        <a:solidFill>
+          <a:schemeClr val="bg1"/>
+        </a:solidFill>
+        <a:effectLst/>
+      </p:bgPr>
+    </p:bg>
+    <p:spTree>
+      <p:nvGrpSpPr>
+        <p:cNvPr id="1" name=""/>
+        <p:cNvGrpSpPr/>
+        <p:nvPr/>
+      </p:nvGrpSpPr>
+      <p:grpSpPr>
+        <a:xfrm>
+          <a:off x="0" y="0"/>
+          <a:ext cx="0" cy="0"/>
+          <a:chOff x="0" y="0"/>
+          <a:chExt cx="0" cy="0"/>
+        </a:xfrm>
+      </p:grpSpPr>
+      <p:sp>
+        <p:nvSpPr>
+          <p:cNvPr id="2" name="Title 1">
+            <a:extLst>
+              <a:ext uri="{FF2B5EF4-FFF2-40B4-BE49-F238E27FC236}">
+                <a16:creationId xmlns:a16="http://schemas.microsoft.com/office/drawing/2014/main" id="{AE641B46-CD40-42BC-8F17-4AF0C79DE6A5}"/>
+              </a:ext>
+            </a:extLst>
+          </p:cNvPr>
+          <p:cNvSpPr>
+            <a:spLocks noGrp="1"/>
+          </p:cNvSpPr>
+          <p:nvPr>
+            <p:ph type="title"/>
+          </p:nvPr>
+        </p:nvSpPr>
+        <p:spPr>
+          <a:xfrm>
+            <a:off x="655320" y="365125"/>
+            <a:ext cx="5120114" cy="1692794"/>
+          </a:xfrm>
+        </p:spPr>
+        <p:txBody>
+          <a:bodyPr>
+            <a:normAutofit/>
+          </a:bodyPr>
+          <a:lstStyle/>
+          <a:p>
+            <a:r>
+              <a:rPr lang="hu-HU"/>
+              <a:t>Application: break minimization</a:t>
+            </a:r>
+            <a:endParaRPr lang="hu-HU" dirty="0"/>
+          </a:p>
+        </p:txBody>
+      </p:sp>
+      <p:cxnSp>
+        <p:nvCxnSpPr>
+          <p:cNvPr id="12" name="Straight Arrow Connector 11">
+            <a:extLst>
+              <a:ext uri="{FF2B5EF4-FFF2-40B4-BE49-F238E27FC236}">
+                <a16:creationId xmlns:a16="http://schemas.microsoft.com/office/drawing/2014/main" id="{E4A809D5-3600-46D4-A466-67F2349A54FB}"/>
+              </a:ext>
+              <a:ext uri="{C183D7F6-B498-43B3-948B-1728B52AA6E4}">
+                <adec:decorative xmlns:adec="http://schemas.microsoft.com/office/drawing/2017/decorative" val="1"/>
+              </a:ext>
+            </a:extLst>
+          </p:cNvPr>
+          <p:cNvCxnSpPr>
+            <a:cxnSpLocks noGrp="1" noRot="1" noChangeAspect="1" noMove="1" noResize="1" noEditPoints="1" noAdjustHandles="1" noChangeArrowheads="1" noChangeShapeType="1"/>
+          </p:cNvCxnSpPr>
+          <p:nvPr>
+            <p:extLst>
+              <p:ext uri="{386F3935-93C4-4BCD-93E2-E3B085C9AB24}">
+                <p16:designElem xmlns:p16="http://schemas.microsoft.com/office/powerpoint/2015/main" val="1"/>
+              </p:ext>
+            </p:extLst>
+          </p:nvPr>
+        </p:nvCxnSpPr>
+        <p:spPr>
+          <a:xfrm>
+            <a:off x="655320" y="2316480"/>
+            <a:ext cx="4572000" cy="0"/>
+          </a:xfrm>
+          <a:prstGeom prst="straightConnector1">
+            <a:avLst/>
+          </a:prstGeom>
+          <a:ln w="19050" cap="sq">
+            <a:solidFill>
+              <a:schemeClr val="tx1"/>
+            </a:solidFill>
+            <a:tailEnd type="none"/>
+          </a:ln>
+        </p:spPr>
+        <p:style>
+          <a:lnRef idx="1">
+            <a:schemeClr val="accent1"/>
+          </a:lnRef>
+          <a:fillRef idx="0">
+            <a:schemeClr val="accent1"/>
+          </a:fillRef>
+          <a:effectRef idx="0">
+            <a:schemeClr val="accent1"/>
+          </a:effectRef>
+          <a:fontRef idx="minor">
+            <a:schemeClr val="tx1"/>
+          </a:fontRef>
+        </p:style>
+      </p:cxnSp>
+      <p:sp>
+        <p:nvSpPr>
+          <p:cNvPr id="3" name="Content Placeholder 2">
+            <a:extLst>
+              <a:ext uri="{FF2B5EF4-FFF2-40B4-BE49-F238E27FC236}">
+                <a16:creationId xmlns:a16="http://schemas.microsoft.com/office/drawing/2014/main" id="{8D73AAF9-2F7B-4D53-821D-95BFE2A28201}"/>
+              </a:ext>
+            </a:extLst>
+          </p:cNvPr>
+          <p:cNvSpPr>
+            <a:spLocks noGrp="1"/>
+          </p:cNvSpPr>
+          <p:nvPr>
+            <p:ph idx="1"/>
+          </p:nvPr>
+        </p:nvSpPr>
+        <p:spPr>
+          <a:xfrm>
+            <a:off x="655321" y="2575034"/>
+            <a:ext cx="7825739" cy="3462228"/>
+          </a:xfrm>
+        </p:spPr>
+        <p:txBody>
+          <a:bodyPr>
+            <a:normAutofit/>
+          </a:bodyPr>
+          <a:lstStyle/>
+          <a:p>
+            <a:r>
+              <a:rPr lang="hu-HU" sz="1400" b="1" dirty="0"/>
+              <a:t>Balance the tournament</a:t>
+            </a:r>
+            <a:r>
+              <a:rPr lang="hu-HU" sz="1400" dirty="0"/>
+              <a:t>: limit home/away games in a row</a:t>
+            </a:r>
+          </a:p>
+          <a:p>
+            <a:r>
+              <a:rPr lang="hu-HU" sz="1400" i="1" dirty="0"/>
+              <a:t>Break: </a:t>
+            </a:r>
+            <a:r>
+              <a:rPr lang="hu-HU" sz="1400" dirty="0"/>
+              <a:t>when a team plays two consecutive games at home or away</a:t>
+            </a:r>
+          </a:p>
+          <a:p>
+            <a:endParaRPr lang="hu-HU" sz="1400" dirty="0"/>
+          </a:p>
+          <a:p>
+            <a:r>
+              <a:rPr lang="hu-HU" sz="1400" dirty="0"/>
+              <a:t>Minimizing breaks ensures fairness</a:t>
+            </a:r>
+          </a:p>
+          <a:p>
+            <a:pPr marL="0" indent="0">
+              <a:buNone/>
+            </a:pPr>
+            <a:r>
+              <a:rPr lang="hu-HU" sz="2800" b="1" dirty="0"/>
+              <a:t>					How?</a:t>
+            </a:r>
+          </a:p>
+        </p:txBody>
+      </p:sp>
+      <p:pic>
+        <p:nvPicPr>
+          <p:cNvPr id="8" name="Picture 7" descr="A group of men playing football&#10;&#10;Description automatically generated with medium confidence">
+            <a:extLst>
+              <a:ext uri="{FF2B5EF4-FFF2-40B4-BE49-F238E27FC236}">
+                <a16:creationId xmlns:a16="http://schemas.microsoft.com/office/drawing/2014/main" id="{912FEB49-E94C-40D3-82B5-7C4F58121D2B}"/>
+              </a:ext>
+            </a:extLst>
+          </p:cNvPr>
+          <p:cNvPicPr>
+            <a:picLocks noChangeAspect="1"/>
+          </p:cNvPicPr>
+          <p:nvPr/>
+        </p:nvPicPr>
+        <p:blipFill>
+          <a:blip r:embed="rId2">
+            <a:extLst>
+              <a:ext uri="{28A0092B-C50C-407E-A947-70E740481C1C}">
+                <a14:useLocalDpi xmlns:a14="http://schemas.microsoft.com/office/drawing/2010/main" val="0"/>
+              </a:ext>
+            </a:extLst>
+          </a:blip>
+          <a:stretch>
+            <a:fillRect/>
+          </a:stretch>
+        </p:blipFill>
+        <p:spPr>
+          <a:xfrm>
+            <a:off x="7629727" y="0"/>
+            <a:ext cx="4562272" cy="3200400"/>
+          </a:xfrm>
+          <a:custGeom>
+            <a:avLst/>
+            <a:gdLst/>
+            <a:ahLst/>
+            <a:cxnLst/>
+            <a:rect l="l" t="t" r="r" b="b"/>
+            <a:pathLst>
+              <a:path w="6313150" h="6857997">
+                <a:moveTo>
+                  <a:pt x="65565" y="0"/>
+                </a:moveTo>
+                <a:lnTo>
+                  <a:pt x="6313150" y="0"/>
+                </a:lnTo>
+                <a:lnTo>
+                  <a:pt x="6313150" y="6857997"/>
+                </a:lnTo>
+                <a:lnTo>
+                  <a:pt x="3293946" y="6857997"/>
+                </a:lnTo>
+                <a:lnTo>
+                  <a:pt x="3235857" y="6823061"/>
+                </a:lnTo>
+                <a:cubicBezTo>
+                  <a:pt x="1291240" y="5592803"/>
+                  <a:pt x="0" y="3423096"/>
+                  <a:pt x="0" y="951803"/>
+                </a:cubicBezTo>
+                <a:cubicBezTo>
+                  <a:pt x="0" y="727140"/>
+                  <a:pt x="10673" y="504970"/>
+                  <a:pt x="31536" y="285771"/>
+                </a:cubicBezTo>
+                <a:close/>
+              </a:path>
+            </a:pathLst>
+          </a:custGeom>
+          <a:noFill/>
+        </p:spPr>
+      </p:pic>
+    </p:spTree>
+    <p:extLst>
+      <p:ext uri="{BB962C8B-B14F-4D97-AF65-F5344CB8AC3E}">
+        <p14:creationId xmlns:p14="http://schemas.microsoft.com/office/powerpoint/2010/main" val="313772367"/>
+      </p:ext>
+    </p:extLst>
+  </p:cSld>
+  <p:clrMapOvr>
+    <a:masterClrMapping/>
+  </p:clrMapOvr>
+</p:sld>
+</file>
+
+<file path=ppt/slides/slide4.xml><?xml version="1.0" encoding="utf-8"?>
+<p:sld xmlns:a="http://schemas.openxmlformats.org/drawingml/2006/main" xmlns:r="http://schemas.openxmlformats.org/officeDocument/2006/relationships" xmlns:p="http://schemas.openxmlformats.org/presentationml/2006/main" show="0">
+  <p:cSld>
+    <p:spTree>
+      <p:nvGrpSpPr>
+        <p:cNvPr id="1" name=""/>
+        <p:cNvGrpSpPr/>
+        <p:nvPr/>
+      </p:nvGrpSpPr>
+      <p:grpSpPr>
+        <a:xfrm>
+          <a:off x="0" y="0"/>
+          <a:ext cx="0" cy="0"/>
+          <a:chOff x="0" y="0"/>
+          <a:chExt cx="0" cy="0"/>
+        </a:xfrm>
+      </p:grpSpPr>
+      <p:sp>
+        <p:nvSpPr>
+          <p:cNvPr id="2" name="Title 1">
+            <a:extLst>
+              <a:ext uri="{FF2B5EF4-FFF2-40B4-BE49-F238E27FC236}">
+                <a16:creationId xmlns:a16="http://schemas.microsoft.com/office/drawing/2014/main" id="{649032D4-326C-4797-A966-CB25DC44CF2A}"/>
+              </a:ext>
+            </a:extLst>
+          </p:cNvPr>
+          <p:cNvSpPr>
+            <a:spLocks noGrp="1"/>
+          </p:cNvSpPr>
+          <p:nvPr>
+            <p:ph type="title"/>
+          </p:nvPr>
+        </p:nvSpPr>
+        <p:spPr>
+          <a:xfrm>
+            <a:off x="838200" y="1355725"/>
+            <a:ext cx="10515600" cy="1325563"/>
+          </a:xfrm>
+        </p:spPr>
+        <p:txBody>
+          <a:bodyPr/>
+          <a:lstStyle/>
+          <a:p>
+            <a:r>
+              <a:rPr lang="hu-HU" dirty="0">
+                <a:latin typeface="+mn-lt"/>
+              </a:rPr>
+              <a:t>Open questions</a:t>
+            </a:r>
+          </a:p>
+        </p:txBody>
+      </p:sp>
+      <p:sp>
+        <p:nvSpPr>
+          <p:cNvPr id="3" name="Content Placeholder 2">
+            <a:extLst>
+              <a:ext uri="{FF2B5EF4-FFF2-40B4-BE49-F238E27FC236}">
+                <a16:creationId xmlns:a16="http://schemas.microsoft.com/office/drawing/2014/main" id="{E4C4CCF5-9AC4-4EEE-9510-C9EDD83417A9}"/>
+              </a:ext>
+            </a:extLst>
+          </p:cNvPr>
+          <p:cNvSpPr>
+            <a:spLocks noGrp="1"/>
+          </p:cNvSpPr>
+          <p:nvPr>
+            <p:ph idx="1"/>
+          </p:nvPr>
+        </p:nvSpPr>
+        <p:spPr>
+          <a:xfrm>
+            <a:off x="5494020" y="1825625"/>
+            <a:ext cx="5859780" cy="4351338"/>
+          </a:xfrm>
+        </p:spPr>
+        <p:txBody>
+          <a:bodyPr/>
+          <a:lstStyle/>
+          <a:p>
+            <a:pPr algn="just">
+              <a:spcBef>
+                <a:spcPts val="600"/>
+              </a:spcBef>
+              <a:spcAft>
+                <a:spcPts val="1800"/>
+              </a:spcAft>
+              <a:tabLst>
+                <a:tab pos="5943600" algn="r"/>
+              </a:tabLst>
+            </a:pPr>
+            <a:r>
+              <a:rPr lang="en-US" sz="2400" dirty="0">
+                <a:effectLst/>
+                <a:ea typeface="LM Roman 10" panose="00000500000000000000" pitchFamily="50" charset="-18"/>
+                <a:cs typeface="Times New Roman" panose="02020603050405020304" pitchFamily="18" charset="0"/>
+              </a:rPr>
+              <a:t>When will we be able to build a</a:t>
+            </a:r>
+            <a:r>
+              <a:rPr lang="hu-HU" sz="2400" dirty="0">
+                <a:effectLst/>
+                <a:ea typeface="LM Roman 10" panose="00000500000000000000" pitchFamily="50" charset="-18"/>
+                <a:cs typeface="Times New Roman" panose="02020603050405020304" pitchFamily="18" charset="0"/>
+              </a:rPr>
+              <a:t> powerful</a:t>
+            </a:r>
+            <a:r>
+              <a:rPr lang="en-US" sz="2400" dirty="0">
+                <a:effectLst/>
+                <a:ea typeface="LM Roman 10" panose="00000500000000000000" pitchFamily="50" charset="-18"/>
+                <a:cs typeface="Times New Roman" panose="02020603050405020304" pitchFamily="18" charset="0"/>
+              </a:rPr>
+              <a:t> optical quantum computer?</a:t>
+            </a:r>
+            <a:endParaRPr lang="hu-HU" sz="2400" dirty="0">
+              <a:effectLst/>
+              <a:ea typeface="LM Roman 10" panose="00000500000000000000" pitchFamily="50" charset="-18"/>
+              <a:cs typeface="Times New Roman" panose="02020603050405020304" pitchFamily="18" charset="0"/>
+            </a:endParaRPr>
+          </a:p>
+          <a:p>
+            <a:pPr algn="just">
+              <a:spcBef>
+                <a:spcPts val="600"/>
+              </a:spcBef>
+              <a:spcAft>
+                <a:spcPts val="1800"/>
+              </a:spcAft>
+              <a:tabLst>
+                <a:tab pos="5943600" algn="r"/>
+              </a:tabLst>
+            </a:pPr>
+            <a:r>
+              <a:rPr lang="en-US" sz="2400" dirty="0">
+                <a:effectLst/>
+                <a:ea typeface="LM Roman 10" panose="00000500000000000000" pitchFamily="50" charset="-18"/>
+                <a:cs typeface="Times New Roman" panose="02020603050405020304" pitchFamily="18" charset="0"/>
+              </a:rPr>
+              <a:t>What physical resources and equipment will this device need?</a:t>
+            </a:r>
+            <a:endParaRPr lang="hu-HU" sz="2400" dirty="0">
+              <a:effectLst/>
+              <a:ea typeface="LM Roman 10" panose="00000500000000000000" pitchFamily="50" charset="-18"/>
+              <a:cs typeface="Times New Roman" panose="02020603050405020304" pitchFamily="18" charset="0"/>
+            </a:endParaRPr>
+          </a:p>
+          <a:p>
+            <a:pPr algn="just">
+              <a:spcBef>
+                <a:spcPts val="600"/>
+              </a:spcBef>
+              <a:spcAft>
+                <a:spcPts val="1800"/>
+              </a:spcAft>
+              <a:tabLst>
+                <a:tab pos="5943600" algn="r"/>
+              </a:tabLst>
+            </a:pPr>
+            <a:r>
+              <a:rPr lang="en-US" sz="2400" dirty="0">
+                <a:effectLst/>
+                <a:ea typeface="LM Roman 10" panose="00000500000000000000" pitchFamily="50" charset="-18"/>
+                <a:cs typeface="Times New Roman" panose="02020603050405020304" pitchFamily="18" charset="0"/>
+              </a:rPr>
+              <a:t>How much do we have to improve technology to reach this?</a:t>
+            </a:r>
+            <a:endParaRPr lang="hu-HU" sz="2400" dirty="0">
+              <a:effectLst/>
+              <a:ea typeface="LM Roman 10" panose="00000500000000000000" pitchFamily="50" charset="-18"/>
+              <a:cs typeface="Times New Roman" panose="02020603050405020304" pitchFamily="18" charset="0"/>
+            </a:endParaRPr>
+          </a:p>
+          <a:p>
+            <a:endParaRPr lang="hu-HU" dirty="0"/>
+          </a:p>
+        </p:txBody>
+      </p:sp>
+    </p:spTree>
+    <p:extLst>
+      <p:ext uri="{BB962C8B-B14F-4D97-AF65-F5344CB8AC3E}">
+        <p14:creationId xmlns:p14="http://schemas.microsoft.com/office/powerpoint/2010/main" val="523655769"/>
+      </p:ext>
+    </p:extLst>
+  </p:cSld>
+  <p:clrMapOvr>
+    <a:masterClrMapping/>
+  </p:clrMapOvr>
+</p:sld>
+</file>
+
+<file path=ppt/slides/slide5.xml><?xml version="1.0" encoding="utf-8"?>
+<p:sld xmlns:a="http://schemas.openxmlformats.org/drawingml/2006/main" xmlns:r="http://schemas.openxmlformats.org/officeDocument/2006/relationships" xmlns:p="http://schemas.openxmlformats.org/presentationml/2006/main">
+  <p:cSld>
+    <p:spTree>
+      <p:nvGrpSpPr>
+        <p:cNvPr id="1" name=""/>
+        <p:cNvGrpSpPr/>
+        <p:nvPr/>
+      </p:nvGrpSpPr>
+      <p:grpSpPr>
+        <a:xfrm>
+          <a:off x="0" y="0"/>
+          <a:ext cx="0" cy="0"/>
+          <a:chOff x="0" y="0"/>
+          <a:chExt cx="0" cy="0"/>
+        </a:xfrm>
+      </p:grpSpPr>
+      <p:sp>
+        <p:nvSpPr>
+          <p:cNvPr id="2" name="Title 1">
+            <a:extLst>
+              <a:ext uri="{FF2B5EF4-FFF2-40B4-BE49-F238E27FC236}">
+                <a16:creationId xmlns:a16="http://schemas.microsoft.com/office/drawing/2014/main" id="{3D8AA9ED-9E05-4DD5-973C-9186ECFEA423}"/>
+              </a:ext>
+            </a:extLst>
+          </p:cNvPr>
+          <p:cNvSpPr>
+            <a:spLocks noGrp="1"/>
+          </p:cNvSpPr>
+          <p:nvPr>
+            <p:ph type="title"/>
+          </p:nvPr>
+        </p:nvSpPr>
+        <p:spPr/>
+        <p:txBody>
+          <a:bodyPr/>
+          <a:lstStyle/>
+          <a:p>
+            <a:r>
+              <a:rPr lang="hu-HU" dirty="0"/>
+              <a:t>Combinatorial optimization</a:t>
+            </a:r>
+          </a:p>
+        </p:txBody>
+      </p:sp>
+      <p:sp>
+        <p:nvSpPr>
+          <p:cNvPr id="3" name="Content Placeholder 2">
+            <a:extLst>
+              <a:ext uri="{FF2B5EF4-FFF2-40B4-BE49-F238E27FC236}">
+                <a16:creationId xmlns:a16="http://schemas.microsoft.com/office/drawing/2014/main" id="{8CA84DA0-F2C3-420F-BFF6-AE6C98E4237A}"/>
+              </a:ext>
+            </a:extLst>
+          </p:cNvPr>
+          <p:cNvSpPr>
+            <a:spLocks noGrp="1"/>
+          </p:cNvSpPr>
+          <p:nvPr>
+            <p:ph idx="1"/>
+          </p:nvPr>
+        </p:nvSpPr>
+        <p:spPr/>
+        <p:txBody>
+          <a:bodyPr/>
+          <a:lstStyle/>
+          <a:p>
+            <a:r>
+              <a:rPr lang="hu-HU" dirty="0"/>
+              <a:t>Combinatorial optimisation problems:</a:t>
+            </a:r>
+          </a:p>
+          <a:p>
+            <a:pPr lvl="1"/>
+            <a:r>
+              <a:rPr lang="hu-HU" dirty="0"/>
+              <a:t>Discrete variables (instead of continous)</a:t>
+            </a:r>
+          </a:p>
+          <a:p>
+            <a:pPr lvl="1"/>
+            <a:endParaRPr lang="hu-HU" dirty="0"/>
+          </a:p>
+          <a:p>
+            <a:pPr lvl="1"/>
+            <a:r>
+              <a:rPr lang="hu-HU" dirty="0"/>
+              <a:t>Optimizing over </a:t>
+            </a:r>
+            <a:r>
+              <a:rPr lang="hu-HU" b="1" dirty="0"/>
+              <a:t>discrete</a:t>
+            </a:r>
+            <a:r>
+              <a:rPr lang="hu-HU" dirty="0"/>
+              <a:t> &gt;&gt; </a:t>
+            </a:r>
+            <a:r>
+              <a:rPr lang="hu-HU" b="1" dirty="0"/>
+              <a:t>continous </a:t>
+            </a:r>
+            <a:r>
+              <a:rPr lang="hu-HU" dirty="0"/>
+              <a:t>variables</a:t>
+            </a:r>
+          </a:p>
+          <a:p>
+            <a:pPr lvl="1"/>
+            <a:endParaRPr lang="hu-HU" dirty="0"/>
+          </a:p>
+          <a:p>
+            <a:pPr lvl="1"/>
+            <a:r>
+              <a:rPr lang="hu-HU" dirty="0">
+                <a:solidFill>
+                  <a:schemeClr val="tx1"/>
+                </a:solidFill>
+              </a:rPr>
+              <a:t>Constraints?</a:t>
+            </a:r>
+          </a:p>
+          <a:p>
+            <a:pPr lvl="2"/>
+            <a:r>
+              <a:rPr lang="hu-HU" dirty="0"/>
+              <a:t>Continous: add to the objective function! (eg. Lagrangian multiplier)</a:t>
+            </a:r>
+            <a:endParaRPr lang="hu-HU" dirty="0">
+              <a:solidFill>
+                <a:schemeClr val="tx1"/>
+              </a:solidFill>
+            </a:endParaRPr>
+          </a:p>
+          <a:p>
+            <a:pPr lvl="2"/>
+            <a:r>
+              <a:rPr lang="hu-HU" dirty="0"/>
+              <a:t>Discrete is h</a:t>
+            </a:r>
+            <a:r>
+              <a:rPr lang="hu-HU" dirty="0">
+                <a:solidFill>
+                  <a:schemeClr val="tx1"/>
+                </a:solidFill>
+              </a:rPr>
+              <a:t>ard, if there are constraints (check every case)</a:t>
+            </a:r>
+            <a:endParaRPr lang="hu-HU" dirty="0"/>
+          </a:p>
+          <a:p>
+            <a:pPr marL="457200" lvl="1" indent="0">
+              <a:buNone/>
+            </a:pPr>
+            <a:endParaRPr lang="hu-HU" dirty="0"/>
+          </a:p>
+        </p:txBody>
+      </p:sp>
+      <p:pic>
+        <p:nvPicPr>
+          <p:cNvPr id="5" name="Picture 4">
+            <a:extLst>
+              <a:ext uri="{FF2B5EF4-FFF2-40B4-BE49-F238E27FC236}">
+                <a16:creationId xmlns:a16="http://schemas.microsoft.com/office/drawing/2014/main" id="{8FE42B79-E703-449A-9A96-E33DD12802EE}"/>
+              </a:ext>
+            </a:extLst>
+          </p:cNvPr>
+          <p:cNvPicPr>
+            <a:picLocks noChangeAspect="1"/>
+          </p:cNvPicPr>
+          <p:nvPr/>
+        </p:nvPicPr>
+        <p:blipFill>
+          <a:blip r:embed="rId2">
+            <a:extLst>
+              <a:ext uri="{28A0092B-C50C-407E-A947-70E740481C1C}">
+                <a14:useLocalDpi xmlns:a14="http://schemas.microsoft.com/office/drawing/2010/main" val="0"/>
+              </a:ext>
+            </a:extLst>
+          </a:blip>
+          <a:stretch>
+            <a:fillRect/>
+          </a:stretch>
+        </p:blipFill>
+        <p:spPr>
+          <a:xfrm>
+            <a:off x="10225087" y="1962150"/>
+            <a:ext cx="276225" cy="1466850"/>
+          </a:xfrm>
+          <a:prstGeom prst="rect">
+            <a:avLst/>
+          </a:prstGeom>
+        </p:spPr>
+      </p:pic>
+    </p:spTree>
+    <p:extLst>
+      <p:ext uri="{BB962C8B-B14F-4D97-AF65-F5344CB8AC3E}">
+        <p14:creationId xmlns:p14="http://schemas.microsoft.com/office/powerpoint/2010/main" val="1488472205"/>
+      </p:ext>
+    </p:extLst>
+  </p:cSld>
+  <p:clrMapOvr>
+    <a:masterClrMapping/>
+  </p:clrMapOvr>
+</p:sld>
+</file>
+
 <file path=ppt/slides/slide6.xml><?xml version="1.0" encoding="utf-8"?>
 <p:sld xmlns:a="http://schemas.openxmlformats.org/drawingml/2006/main" xmlns:r="http://schemas.openxmlformats.org/officeDocument/2006/relationships" xmlns:p="http://schemas.openxmlformats.org/presentationml/2006/main">
   <p:cSld>
@@ -5746,7 +9719,7 @@
           <p:cNvPr id="2" name="Title 1">
             <a:extLst>
               <a:ext uri="{FF2B5EF4-FFF2-40B4-BE49-F238E27FC236}">
-                <a16:creationId xmlns:a16="http://schemas.microsoft.com/office/drawing/2014/main" id="{3DC0A7AF-4038-4E92-86E2-EE6BDB27866C}"/>
+                <a16:creationId xmlns:a16="http://schemas.microsoft.com/office/drawing/2014/main" id="{3D8AA9ED-9E05-4DD5-973C-9186ECFEA423}"/>
               </a:ext>
             </a:extLst>
           </p:cNvPr>
@@ -5764,26 +9737,218 @@
           <a:p>
             <a:r>
               <a:rPr lang="hu-HU" dirty="0"/>
-              <a:t>Energy and number of breaks</a:t>
-            </a:r>
+              <a:t>Combinatorial optimization</a:t>
+            </a:r>
+          </a:p>
+        </p:txBody>
+      </p:sp>
+      <p:sp>
+        <p:nvSpPr>
+          <p:cNvPr id="3" name="Content Placeholder 2">
+            <a:extLst>
+              <a:ext uri="{FF2B5EF4-FFF2-40B4-BE49-F238E27FC236}">
+                <a16:creationId xmlns:a16="http://schemas.microsoft.com/office/drawing/2014/main" id="{8CA84DA0-F2C3-420F-BFF6-AE6C98E4237A}"/>
+              </a:ext>
+            </a:extLst>
+          </p:cNvPr>
+          <p:cNvSpPr>
+            <a:spLocks noGrp="1"/>
+          </p:cNvSpPr>
+          <p:nvPr>
+            <p:ph idx="1"/>
+          </p:nvPr>
+        </p:nvSpPr>
+        <p:spPr/>
+        <p:txBody>
+          <a:bodyPr/>
+          <a:lstStyle/>
+          <a:p>
+            <a:r>
+              <a:rPr lang="hu-HU" dirty="0">
+                <a:solidFill>
+                  <a:schemeClr val="tx1"/>
+                </a:solidFill>
+              </a:rPr>
+              <a:t>Combinatorial optimisation problems:</a:t>
+            </a:r>
+          </a:p>
+          <a:p>
+            <a:pPr lvl="1"/>
+            <a:r>
+              <a:rPr lang="hu-HU" dirty="0">
+                <a:solidFill>
+                  <a:schemeClr val="tx1"/>
+                </a:solidFill>
+              </a:rPr>
+              <a:t>Discrete variables (instead of continous)</a:t>
+            </a:r>
+          </a:p>
+          <a:p>
+            <a:pPr lvl="1"/>
+            <a:endParaRPr lang="hu-HU" dirty="0">
+              <a:solidFill>
+                <a:schemeClr val="tx1"/>
+              </a:solidFill>
+            </a:endParaRPr>
+          </a:p>
+          <a:p>
+            <a:pPr lvl="1"/>
+            <a:r>
+              <a:rPr lang="hu-HU" dirty="0">
+                <a:solidFill>
+                  <a:schemeClr val="tx1"/>
+                </a:solidFill>
+              </a:rPr>
+              <a:t>Optimizing over </a:t>
+            </a:r>
+            <a:r>
+              <a:rPr lang="hu-HU" b="1" dirty="0">
+                <a:solidFill>
+                  <a:schemeClr val="tx1"/>
+                </a:solidFill>
+              </a:rPr>
+              <a:t>discrete</a:t>
+            </a:r>
+            <a:r>
+              <a:rPr lang="hu-HU" dirty="0">
+                <a:solidFill>
+                  <a:schemeClr val="tx1"/>
+                </a:solidFill>
+              </a:rPr>
+              <a:t> &gt;&gt; </a:t>
+            </a:r>
+            <a:r>
+              <a:rPr lang="hu-HU" b="1" dirty="0">
+                <a:solidFill>
+                  <a:schemeClr val="tx1"/>
+                </a:solidFill>
+              </a:rPr>
+              <a:t>continous </a:t>
+            </a:r>
+            <a:r>
+              <a:rPr lang="hu-HU" dirty="0">
+                <a:solidFill>
+                  <a:schemeClr val="tx1"/>
+                </a:solidFill>
+              </a:rPr>
+              <a:t>variables</a:t>
+            </a:r>
+          </a:p>
+          <a:p>
+            <a:pPr lvl="1"/>
+            <a:endParaRPr lang="hu-HU" dirty="0">
+              <a:solidFill>
+                <a:schemeClr val="tx1"/>
+              </a:solidFill>
+            </a:endParaRPr>
+          </a:p>
+          <a:p>
+            <a:pPr lvl="1"/>
+            <a:r>
+              <a:rPr lang="hu-HU" dirty="0">
+                <a:solidFill>
+                  <a:schemeClr val="tx1"/>
+                </a:solidFill>
+              </a:rPr>
+              <a:t>Constraints?</a:t>
+            </a:r>
+          </a:p>
+          <a:p>
+            <a:pPr lvl="2"/>
+            <a:r>
+              <a:rPr lang="hu-HU" dirty="0"/>
+              <a:t>Continous: add to the objective function! (eg. Lagrangian multiplier)</a:t>
+            </a:r>
+            <a:endParaRPr lang="hu-HU" dirty="0">
+              <a:solidFill>
+                <a:schemeClr val="tx1"/>
+              </a:solidFill>
+            </a:endParaRPr>
+          </a:p>
+          <a:p>
+            <a:pPr lvl="2"/>
+            <a:r>
+              <a:rPr lang="hu-HU" dirty="0"/>
+              <a:t>Discrete is h</a:t>
+            </a:r>
+            <a:r>
+              <a:rPr lang="hu-HU" dirty="0">
+                <a:solidFill>
+                  <a:schemeClr val="tx1"/>
+                </a:solidFill>
+              </a:rPr>
+              <a:t>ard, if there are constraints (check every case)</a:t>
+            </a:r>
+          </a:p>
+          <a:p>
+            <a:pPr lvl="1"/>
+            <a:endParaRPr lang="hu-HU" dirty="0">
+              <a:solidFill>
+                <a:schemeClr val="tx1"/>
+              </a:solidFill>
+            </a:endParaRPr>
+          </a:p>
+          <a:p>
+            <a:pPr lvl="1"/>
+            <a:r>
+              <a:rPr lang="hu-HU" dirty="0">
+                <a:solidFill>
+                  <a:schemeClr val="tx1"/>
+                </a:solidFill>
+              </a:rPr>
+              <a:t>It is even harder for </a:t>
+            </a:r>
+            <a:r>
+              <a:rPr lang="hu-HU" b="1" dirty="0">
+                <a:solidFill>
+                  <a:schemeClr val="tx1"/>
+                </a:solidFill>
+              </a:rPr>
+              <a:t>binary</a:t>
+            </a:r>
+            <a:r>
+              <a:rPr lang="hu-HU" dirty="0">
+                <a:solidFill>
+                  <a:schemeClr val="tx1"/>
+                </a:solidFill>
+              </a:rPr>
+              <a:t> (0,1) variables: brute force method</a:t>
+            </a:r>
+          </a:p>
+          <a:p>
+            <a:pPr lvl="1"/>
+            <a:endParaRPr lang="hu-HU" dirty="0">
+              <a:solidFill>
+                <a:schemeClr val="tx1"/>
+              </a:solidFill>
+            </a:endParaRPr>
+          </a:p>
+          <a:p>
+            <a:pPr lvl="1"/>
+            <a:endParaRPr lang="hu-HU" dirty="0">
+              <a:solidFill>
+                <a:schemeClr val="tx1">
+                  <a:lumMod val="65000"/>
+                  <a:lumOff val="35000"/>
+                </a:schemeClr>
+              </a:solidFill>
+            </a:endParaRPr>
           </a:p>
         </p:txBody>
       </p:sp>
       <p:pic>
         <p:nvPicPr>
-          <p:cNvPr id="5" name="Content Placeholder 4" descr="Chart, scatter chart&#10;&#10;Description automatically generated">
-            <a:extLst>
-              <a:ext uri="{FF2B5EF4-FFF2-40B4-BE49-F238E27FC236}">
-                <a16:creationId xmlns:a16="http://schemas.microsoft.com/office/drawing/2014/main" id="{B48A7B4B-4241-463C-8D97-4935CCB8AAE9}"/>
+          <p:cNvPr id="5" name="Picture 4">
+            <a:extLst>
+              <a:ext uri="{FF2B5EF4-FFF2-40B4-BE49-F238E27FC236}">
+                <a16:creationId xmlns:a16="http://schemas.microsoft.com/office/drawing/2014/main" id="{8FE42B79-E703-449A-9A96-E33DD12802EE}"/>
               </a:ext>
             </a:extLst>
           </p:cNvPr>
           <p:cNvPicPr>
-            <a:picLocks noGrp="1" noChangeAspect="1"/>
+            <a:picLocks noChangeAspect="1"/>
           </p:cNvPicPr>
-          <p:nvPr>
-            <p:ph idx="1"/>
-          </p:nvPr>
+          <p:nvPr/>
         </p:nvPicPr>
         <p:blipFill>
           <a:blip r:embed="rId2">
@@ -5799,15 +9964,18 @@
         </p:blipFill>
         <p:spPr>
           <a:xfrm>
-            <a:off x="3195108" y="1825625"/>
-            <a:ext cx="5801784" cy="4351338"/>
+            <a:off x="10225087" y="1962150"/>
+            <a:ext cx="276225" cy="1466850"/>
           </a:xfrm>
+          <a:prstGeom prst="rect">
+            <a:avLst/>
+          </a:prstGeom>
         </p:spPr>
       </p:pic>
     </p:spTree>
     <p:extLst>
       <p:ext uri="{BB962C8B-B14F-4D97-AF65-F5344CB8AC3E}">
-        <p14:creationId xmlns:p14="http://schemas.microsoft.com/office/powerpoint/2010/main" val="992544614"/>
+        <p14:creationId xmlns:p14="http://schemas.microsoft.com/office/powerpoint/2010/main" val="2465086318"/>
       </p:ext>
     </p:extLst>
   </p:cSld>
@@ -5839,6 +10007,853 @@
           <p:cNvPr id="2" name="Title 1">
             <a:extLst>
               <a:ext uri="{FF2B5EF4-FFF2-40B4-BE49-F238E27FC236}">
+                <a16:creationId xmlns:a16="http://schemas.microsoft.com/office/drawing/2014/main" id="{66CEC24B-D202-49E0-9803-FF84FB4E51FD}"/>
+              </a:ext>
+            </a:extLst>
+          </p:cNvPr>
+          <p:cNvSpPr>
+            <a:spLocks noGrp="1"/>
+          </p:cNvSpPr>
+          <p:nvPr>
+            <p:ph type="title"/>
+          </p:nvPr>
+        </p:nvSpPr>
+        <p:spPr/>
+        <p:txBody>
+          <a:bodyPr/>
+          <a:lstStyle/>
+          <a:p>
+            <a:r>
+              <a:rPr lang="hu-HU" dirty="0"/>
+              <a:t>Quadratic unconstrained binary optimization - QUBO</a:t>
+            </a:r>
+          </a:p>
+        </p:txBody>
+      </p:sp>
+      <mc:AlternateContent xmlns:mc="http://schemas.openxmlformats.org/markup-compatibility/2006" xmlns:a14="http://schemas.microsoft.com/office/drawing/2010/main">
+        <mc:Choice Requires="a14">
+          <p:sp>
+            <p:nvSpPr>
+              <p:cNvPr id="5" name="TextBox 4">
+                <a:extLst>
+                  <a:ext uri="{FF2B5EF4-FFF2-40B4-BE49-F238E27FC236}">
+                    <a16:creationId xmlns:a16="http://schemas.microsoft.com/office/drawing/2014/main" id="{516F65E9-B171-4D64-B0C0-2D197471ABEE}"/>
+                  </a:ext>
+                </a:extLst>
+              </p:cNvPr>
+              <p:cNvSpPr txBox="1"/>
+              <p:nvPr/>
+            </p:nvSpPr>
+            <p:spPr>
+              <a:xfrm>
+                <a:off x="1402080" y="1973580"/>
+                <a:ext cx="2842260" cy="369332"/>
+              </a:xfrm>
+              <a:prstGeom prst="rect">
+                <a:avLst/>
+              </a:prstGeom>
+              <a:noFill/>
+            </p:spPr>
+            <p:txBody>
+              <a:bodyPr wrap="square" lIns="0" tIns="0" rIns="0" bIns="0" rtlCol="0">
+                <a:spAutoFit/>
+              </a:bodyPr>
+              <a:lstStyle/>
+              <a:p>
+                <a:pPr/>
+                <a14:m>
+                  <m:oMathPara xmlns:m="http://schemas.openxmlformats.org/officeDocument/2006/math">
+                    <m:oMathParaPr>
+                      <m:jc m:val="centerGroup"/>
+                    </m:oMathParaPr>
+                    <m:oMath xmlns:m="http://schemas.openxmlformats.org/officeDocument/2006/math">
+                      <m:r>
+                        <a:rPr lang="hu-HU" sz="2400" i="1" smtClean="0">
+                          <a:latin typeface="Cambria Math" panose="02040503050406030204" pitchFamily="18" charset="0"/>
+                        </a:rPr>
+                        <m:t>〈 </m:t>
+                      </m:r>
+                      <m:r>
+                        <a:rPr lang="hu-HU" sz="2400" b="1" i="1" smtClean="0">
+                          <a:latin typeface="Cambria Math" panose="02040503050406030204" pitchFamily="18" charset="0"/>
+                        </a:rPr>
+                        <m:t>𝒛</m:t>
+                      </m:r>
+                      <m:r>
+                        <a:rPr lang="hu-HU" sz="2400" i="1">
+                          <a:latin typeface="Cambria Math" panose="02040503050406030204" pitchFamily="18" charset="0"/>
+                        </a:rPr>
+                        <m:t> | </m:t>
+                      </m:r>
+                      <m:r>
+                        <a:rPr lang="hu-HU" sz="2400" b="1" i="1">
+                          <a:latin typeface="Cambria Math" panose="02040503050406030204" pitchFamily="18" charset="0"/>
+                        </a:rPr>
+                        <m:t>𝑸</m:t>
+                      </m:r>
+                      <m:r>
+                        <a:rPr lang="hu-HU" sz="2400" i="1">
+                          <a:latin typeface="Cambria Math" panose="02040503050406030204" pitchFamily="18" charset="0"/>
+                        </a:rPr>
+                        <m:t>| </m:t>
+                      </m:r>
+                      <m:r>
+                        <a:rPr lang="hu-HU" sz="2400" b="1" i="1" smtClean="0">
+                          <a:latin typeface="Cambria Math" panose="02040503050406030204" pitchFamily="18" charset="0"/>
+                        </a:rPr>
+                        <m:t>𝒛</m:t>
+                      </m:r>
+                      <m:r>
+                        <a:rPr lang="hu-HU" sz="2400" i="1">
+                          <a:latin typeface="Cambria Math" panose="02040503050406030204" pitchFamily="18" charset="0"/>
+                        </a:rPr>
+                        <m:t>〉</m:t>
+                      </m:r>
+                    </m:oMath>
+                  </m:oMathPara>
+                </a14:m>
+                <a:endParaRPr lang="hu-HU" sz="2400" b="0" dirty="0"/>
+              </a:p>
+            </p:txBody>
+          </p:sp>
+        </mc:Choice>
+        <mc:Fallback xmlns="">
+          <p:sp>
+            <p:nvSpPr>
+              <p:cNvPr id="5" name="TextBox 4">
+                <a:extLst>
+                  <a:ext uri="{FF2B5EF4-FFF2-40B4-BE49-F238E27FC236}">
+                    <a16:creationId xmlns:a16="http://schemas.microsoft.com/office/drawing/2014/main" id="{516F65E9-B171-4D64-B0C0-2D197471ABEE}"/>
+                  </a:ext>
+                </a:extLst>
+              </p:cNvPr>
+              <p:cNvSpPr txBox="1">
+                <a:spLocks noRot="1" noChangeAspect="1" noMove="1" noResize="1" noEditPoints="1" noAdjustHandles="1" noChangeArrowheads="1" noChangeShapeType="1" noTextEdit="1"/>
+              </p:cNvSpPr>
+              <p:nvPr/>
+            </p:nvSpPr>
+            <p:spPr>
+              <a:xfrm>
+                <a:off x="1402080" y="1973580"/>
+                <a:ext cx="2842260" cy="369332"/>
+              </a:xfrm>
+              <a:prstGeom prst="rect">
+                <a:avLst/>
+              </a:prstGeom>
+              <a:blipFill>
+                <a:blip r:embed="rId3"/>
+                <a:stretch>
+                  <a:fillRect b="-35000"/>
+                </a:stretch>
+              </a:blipFill>
+            </p:spPr>
+            <p:txBody>
+              <a:bodyPr/>
+              <a:lstStyle/>
+              <a:p>
+                <a:r>
+                  <a:rPr lang="hu-HU">
+                    <a:noFill/>
+                  </a:rPr>
+                  <a:t> </a:t>
+                </a:r>
+              </a:p>
+            </p:txBody>
+          </p:sp>
+        </mc:Fallback>
+      </mc:AlternateContent>
+      <mc:AlternateContent xmlns:mc="http://schemas.openxmlformats.org/markup-compatibility/2006" xmlns:a14="http://schemas.microsoft.com/office/drawing/2010/main">
+        <mc:Choice Requires="a14">
+          <p:sp>
+            <p:nvSpPr>
+              <p:cNvPr id="7" name="TextBox 6">
+                <a:extLst>
+                  <a:ext uri="{FF2B5EF4-FFF2-40B4-BE49-F238E27FC236}">
+                    <a16:creationId xmlns:a16="http://schemas.microsoft.com/office/drawing/2014/main" id="{204649EE-82EE-4C3E-9636-0F50B502C610}"/>
+                  </a:ext>
+                </a:extLst>
+              </p:cNvPr>
+              <p:cNvSpPr txBox="1"/>
+              <p:nvPr/>
+            </p:nvSpPr>
+            <p:spPr>
+              <a:xfrm>
+                <a:off x="5318760" y="1690688"/>
+                <a:ext cx="3802380" cy="646331"/>
+              </a:xfrm>
+              <a:prstGeom prst="rect">
+                <a:avLst/>
+              </a:prstGeom>
+              <a:noFill/>
+            </p:spPr>
+            <p:txBody>
+              <a:bodyPr wrap="square" rtlCol="0">
+                <a:spAutoFit/>
+              </a:bodyPr>
+              <a:lstStyle/>
+              <a:p>
+                <a:pPr marL="285750" indent="-285750">
+                  <a:buFont typeface="Arial" panose="020B0604020202020204" pitchFamily="34" charset="0"/>
+                  <a:buChar char="•"/>
+                </a:pPr>
+                <a14:m>
+                  <m:oMath xmlns:m="http://schemas.openxmlformats.org/officeDocument/2006/math">
+                    <m:r>
+                      <a:rPr lang="hu-HU" sz="1800" b="1" i="1" smtClean="0">
+                        <a:latin typeface="Cambria Math" panose="02040503050406030204" pitchFamily="18" charset="0"/>
+                      </a:rPr>
+                      <m:t>𝑸</m:t>
+                    </m:r>
+                  </m:oMath>
+                </a14:m>
+                <a:r>
+                  <a:rPr lang="hu-HU" dirty="0"/>
+                  <a:t> is a symmetric matrix (n x n)</a:t>
+                </a:r>
+              </a:p>
+              <a:p>
+                <a:pPr marL="285750" indent="-285750">
+                  <a:buFont typeface="Arial" panose="020B0604020202020204" pitchFamily="34" charset="0"/>
+                  <a:buChar char="•"/>
+                </a:pPr>
+                <a14:m>
+                  <m:oMath xmlns:m="http://schemas.openxmlformats.org/officeDocument/2006/math">
+                    <m:r>
+                      <a:rPr lang="hu-HU" sz="1800" b="1" i="1" smtClean="0">
+                        <a:latin typeface="Cambria Math" panose="02040503050406030204" pitchFamily="18" charset="0"/>
+                      </a:rPr>
+                      <m:t>𝒛</m:t>
+                    </m:r>
+                  </m:oMath>
+                </a14:m>
+                <a:r>
+                  <a:rPr lang="hu-HU" dirty="0"/>
+                  <a:t> is a </a:t>
+                </a:r>
+                <a:r>
+                  <a:rPr lang="hu-HU" b="1" dirty="0"/>
+                  <a:t>binary </a:t>
+                </a:r>
+                <a:r>
+                  <a:rPr lang="hu-HU" dirty="0"/>
+                  <a:t>vector (n)</a:t>
+                </a:r>
+              </a:p>
+            </p:txBody>
+          </p:sp>
+        </mc:Choice>
+        <mc:Fallback xmlns="">
+          <p:sp>
+            <p:nvSpPr>
+              <p:cNvPr id="7" name="TextBox 6">
+                <a:extLst>
+                  <a:ext uri="{FF2B5EF4-FFF2-40B4-BE49-F238E27FC236}">
+                    <a16:creationId xmlns:a16="http://schemas.microsoft.com/office/drawing/2014/main" id="{204649EE-82EE-4C3E-9636-0F50B502C610}"/>
+                  </a:ext>
+                </a:extLst>
+              </p:cNvPr>
+              <p:cNvSpPr txBox="1">
+                <a:spLocks noRot="1" noChangeAspect="1" noMove="1" noResize="1" noEditPoints="1" noAdjustHandles="1" noChangeArrowheads="1" noChangeShapeType="1" noTextEdit="1"/>
+              </p:cNvSpPr>
+              <p:nvPr/>
+            </p:nvSpPr>
+            <p:spPr>
+              <a:xfrm>
+                <a:off x="5318760" y="1690688"/>
+                <a:ext cx="3802380" cy="646331"/>
+              </a:xfrm>
+              <a:prstGeom prst="rect">
+                <a:avLst/>
+              </a:prstGeom>
+              <a:blipFill>
+                <a:blip r:embed="rId4"/>
+                <a:stretch>
+                  <a:fillRect l="-1124" t="-4717" b="-14151"/>
+                </a:stretch>
+              </a:blipFill>
+            </p:spPr>
+            <p:txBody>
+              <a:bodyPr/>
+              <a:lstStyle/>
+              <a:p>
+                <a:r>
+                  <a:rPr lang="hu-HU">
+                    <a:noFill/>
+                  </a:rPr>
+                  <a:t> </a:t>
+                </a:r>
+              </a:p>
+            </p:txBody>
+          </p:sp>
+        </mc:Fallback>
+      </mc:AlternateContent>
+      <mc:AlternateContent xmlns:mc="http://schemas.openxmlformats.org/markup-compatibility/2006" xmlns:a14="http://schemas.microsoft.com/office/drawing/2010/main">
+        <mc:Choice Requires="a14">
+          <p:sp>
+            <p:nvSpPr>
+              <p:cNvPr id="11" name="TextBox 10">
+                <a:extLst>
+                  <a:ext uri="{FF2B5EF4-FFF2-40B4-BE49-F238E27FC236}">
+                    <a16:creationId xmlns:a16="http://schemas.microsoft.com/office/drawing/2014/main" id="{9A727F9E-EB77-4F16-8C90-FC07E3CB4A3B}"/>
+                  </a:ext>
+                </a:extLst>
+              </p:cNvPr>
+              <p:cNvSpPr txBox="1"/>
+              <p:nvPr/>
+            </p:nvSpPr>
+            <p:spPr>
+              <a:xfrm>
+                <a:off x="1779270" y="2337019"/>
+                <a:ext cx="3112770" cy="369332"/>
+              </a:xfrm>
+              <a:prstGeom prst="rect">
+                <a:avLst/>
+              </a:prstGeom>
+              <a:noFill/>
+            </p:spPr>
+            <p:txBody>
+              <a:bodyPr wrap="square">
+                <a:spAutoFit/>
+              </a:bodyPr>
+              <a:lstStyle/>
+              <a:p>
+                <a14:m>
+                  <m:oMath xmlns:m="http://schemas.openxmlformats.org/officeDocument/2006/math">
+                    <m:r>
+                      <a:rPr lang="hu-HU" sz="1800" i="1" smtClean="0">
+                        <a:latin typeface="Cambria Math" panose="02040503050406030204" pitchFamily="18" charset="0"/>
+                      </a:rPr>
+                      <m:t>〈 10010 | </m:t>
+                    </m:r>
+                    <m:r>
+                      <a:rPr lang="hu-HU" sz="1800" b="1" i="1" smtClean="0">
+                        <a:latin typeface="Cambria Math" panose="02040503050406030204" pitchFamily="18" charset="0"/>
+                      </a:rPr>
+                      <m:t>𝑸</m:t>
+                    </m:r>
+                    <m:r>
+                      <a:rPr lang="hu-HU" sz="1800" i="1" smtClean="0">
+                        <a:latin typeface="Cambria Math" panose="02040503050406030204" pitchFamily="18" charset="0"/>
+                      </a:rPr>
+                      <m:t>| 10010 〉</m:t>
+                    </m:r>
+                  </m:oMath>
+                </a14:m>
+                <a:r>
+                  <a:rPr lang="hu-HU" sz="1800" dirty="0"/>
+                  <a:t> = scalar </a:t>
+                </a:r>
+              </a:p>
+            </p:txBody>
+          </p:sp>
+        </mc:Choice>
+        <mc:Fallback xmlns="">
+          <p:sp>
+            <p:nvSpPr>
+              <p:cNvPr id="11" name="TextBox 10">
+                <a:extLst>
+                  <a:ext uri="{FF2B5EF4-FFF2-40B4-BE49-F238E27FC236}">
+                    <a16:creationId xmlns:a16="http://schemas.microsoft.com/office/drawing/2014/main" id="{9A727F9E-EB77-4F16-8C90-FC07E3CB4A3B}"/>
+                  </a:ext>
+                </a:extLst>
+              </p:cNvPr>
+              <p:cNvSpPr txBox="1">
+                <a:spLocks noRot="1" noChangeAspect="1" noMove="1" noResize="1" noEditPoints="1" noAdjustHandles="1" noChangeArrowheads="1" noChangeShapeType="1" noTextEdit="1"/>
+              </p:cNvSpPr>
+              <p:nvPr/>
+            </p:nvSpPr>
+            <p:spPr>
+              <a:xfrm>
+                <a:off x="1779270" y="2337019"/>
+                <a:ext cx="3112770" cy="369332"/>
+              </a:xfrm>
+              <a:prstGeom prst="rect">
+                <a:avLst/>
+              </a:prstGeom>
+              <a:blipFill>
+                <a:blip r:embed="rId5"/>
+                <a:stretch>
+                  <a:fillRect l="-587" t="-8197" b="-24590"/>
+                </a:stretch>
+              </a:blipFill>
+            </p:spPr>
+            <p:txBody>
+              <a:bodyPr/>
+              <a:lstStyle/>
+              <a:p>
+                <a:r>
+                  <a:rPr lang="hu-HU">
+                    <a:noFill/>
+                  </a:rPr>
+                  <a:t> </a:t>
+                </a:r>
+              </a:p>
+            </p:txBody>
+          </p:sp>
+        </mc:Fallback>
+      </mc:AlternateContent>
+      <mc:AlternateContent xmlns:mc="http://schemas.openxmlformats.org/markup-compatibility/2006" xmlns:a14="http://schemas.microsoft.com/office/drawing/2010/main">
+        <mc:Choice Requires="a14">
+          <p:sp>
+            <p:nvSpPr>
+              <p:cNvPr id="13" name="TextBox 12">
+                <a:extLst>
+                  <a:ext uri="{FF2B5EF4-FFF2-40B4-BE49-F238E27FC236}">
+                    <a16:creationId xmlns:a16="http://schemas.microsoft.com/office/drawing/2014/main" id="{72D31DB7-A274-4539-810A-CEC49A1D5E38}"/>
+                  </a:ext>
+                </a:extLst>
+              </p:cNvPr>
+              <p:cNvSpPr txBox="1"/>
+              <p:nvPr/>
+            </p:nvSpPr>
+            <p:spPr>
+              <a:xfrm>
+                <a:off x="1402080" y="3450790"/>
+                <a:ext cx="2842260" cy="369332"/>
+              </a:xfrm>
+              <a:prstGeom prst="rect">
+                <a:avLst/>
+              </a:prstGeom>
+              <a:noFill/>
+            </p:spPr>
+            <p:txBody>
+              <a:bodyPr wrap="square" lIns="0" tIns="0" rIns="0" bIns="0" rtlCol="0">
+                <a:spAutoFit/>
+              </a:bodyPr>
+              <a:lstStyle/>
+              <a:p>
+                <a:pPr/>
+                <a14:m>
+                  <m:oMathPara xmlns:m="http://schemas.openxmlformats.org/officeDocument/2006/math">
+                    <m:oMathParaPr>
+                      <m:jc m:val="centerGroup"/>
+                    </m:oMathParaPr>
+                    <m:oMath xmlns:m="http://schemas.openxmlformats.org/officeDocument/2006/math">
+                      <m:r>
+                        <m:rPr>
+                          <m:sty m:val="p"/>
+                        </m:rPr>
+                        <a:rPr lang="hu-HU" sz="2400" b="0" i="0" smtClean="0">
+                          <a:latin typeface="Cambria Math" panose="02040503050406030204" pitchFamily="18" charset="0"/>
+                        </a:rPr>
+                        <m:t>min</m:t>
+                      </m:r>
+                      <m:r>
+                        <a:rPr lang="hu-HU" sz="2400" b="0" i="1" smtClean="0">
+                          <a:latin typeface="Cambria Math" panose="02040503050406030204" pitchFamily="18" charset="0"/>
+                        </a:rPr>
+                        <m:t>⁡(</m:t>
+                      </m:r>
+                      <m:r>
+                        <a:rPr lang="hu-HU" sz="2400" i="1" smtClean="0">
+                          <a:latin typeface="Cambria Math" panose="02040503050406030204" pitchFamily="18" charset="0"/>
+                        </a:rPr>
+                        <m:t>〈 </m:t>
+                      </m:r>
+                      <m:r>
+                        <a:rPr lang="hu-HU" sz="2400" b="1" i="1" smtClean="0">
+                          <a:latin typeface="Cambria Math" panose="02040503050406030204" pitchFamily="18" charset="0"/>
+                        </a:rPr>
+                        <m:t>𝒛</m:t>
+                      </m:r>
+                      <m:r>
+                        <a:rPr lang="hu-HU" sz="2400" i="1">
+                          <a:latin typeface="Cambria Math" panose="02040503050406030204" pitchFamily="18" charset="0"/>
+                        </a:rPr>
+                        <m:t> | </m:t>
+                      </m:r>
+                      <m:r>
+                        <a:rPr lang="hu-HU" sz="2400" b="1" i="1">
+                          <a:latin typeface="Cambria Math" panose="02040503050406030204" pitchFamily="18" charset="0"/>
+                        </a:rPr>
+                        <m:t>𝑸</m:t>
+                      </m:r>
+                      <m:r>
+                        <a:rPr lang="hu-HU" sz="2400" i="1">
+                          <a:latin typeface="Cambria Math" panose="02040503050406030204" pitchFamily="18" charset="0"/>
+                        </a:rPr>
+                        <m:t>| </m:t>
+                      </m:r>
+                      <m:r>
+                        <a:rPr lang="hu-HU" sz="2400" b="1" i="1" smtClean="0">
+                          <a:latin typeface="Cambria Math" panose="02040503050406030204" pitchFamily="18" charset="0"/>
+                        </a:rPr>
+                        <m:t>𝒛</m:t>
+                      </m:r>
+                      <m:r>
+                        <a:rPr lang="hu-HU" sz="2400" i="1">
+                          <a:latin typeface="Cambria Math" panose="02040503050406030204" pitchFamily="18" charset="0"/>
+                        </a:rPr>
+                        <m:t>〉</m:t>
+                      </m:r>
+                      <m:r>
+                        <a:rPr lang="hu-HU" sz="2400" b="0" i="1" smtClean="0">
+                          <a:latin typeface="Cambria Math" panose="02040503050406030204" pitchFamily="18" charset="0"/>
+                        </a:rPr>
+                        <m:t>)</m:t>
+                      </m:r>
+                    </m:oMath>
+                  </m:oMathPara>
+                </a14:m>
+                <a:endParaRPr lang="hu-HU" sz="2400" b="0" dirty="0"/>
+              </a:p>
+            </p:txBody>
+          </p:sp>
+        </mc:Choice>
+        <mc:Fallback xmlns="">
+          <p:sp>
+            <p:nvSpPr>
+              <p:cNvPr id="13" name="TextBox 12">
+                <a:extLst>
+                  <a:ext uri="{FF2B5EF4-FFF2-40B4-BE49-F238E27FC236}">
+                    <a16:creationId xmlns:a16="http://schemas.microsoft.com/office/drawing/2014/main" id="{72D31DB7-A274-4539-810A-CEC49A1D5E38}"/>
+                  </a:ext>
+                </a:extLst>
+              </p:cNvPr>
+              <p:cNvSpPr txBox="1">
+                <a:spLocks noRot="1" noChangeAspect="1" noMove="1" noResize="1" noEditPoints="1" noAdjustHandles="1" noChangeArrowheads="1" noChangeShapeType="1" noTextEdit="1"/>
+              </p:cNvSpPr>
+              <p:nvPr/>
+            </p:nvSpPr>
+            <p:spPr>
+              <a:xfrm>
+                <a:off x="1402080" y="3450790"/>
+                <a:ext cx="2842260" cy="369332"/>
+              </a:xfrm>
+              <a:prstGeom prst="rect">
+                <a:avLst/>
+              </a:prstGeom>
+              <a:blipFill>
+                <a:blip r:embed="rId6"/>
+                <a:stretch>
+                  <a:fillRect b="-34426"/>
+                </a:stretch>
+              </a:blipFill>
+            </p:spPr>
+            <p:txBody>
+              <a:bodyPr/>
+              <a:lstStyle/>
+              <a:p>
+                <a:r>
+                  <a:rPr lang="hu-HU">
+                    <a:noFill/>
+                  </a:rPr>
+                  <a:t> </a:t>
+                </a:r>
+              </a:p>
+            </p:txBody>
+          </p:sp>
+        </mc:Fallback>
+      </mc:AlternateContent>
+      <p:sp>
+        <p:nvSpPr>
+          <p:cNvPr id="15" name="TextBox 14">
+            <a:extLst>
+              <a:ext uri="{FF2B5EF4-FFF2-40B4-BE49-F238E27FC236}">
+                <a16:creationId xmlns:a16="http://schemas.microsoft.com/office/drawing/2014/main" id="{4BDCC64B-AF07-48DD-9300-C12FF5137FA6}"/>
+              </a:ext>
+            </a:extLst>
+          </p:cNvPr>
+          <p:cNvSpPr txBox="1"/>
+          <p:nvPr/>
+        </p:nvSpPr>
+        <p:spPr>
+          <a:xfrm>
+            <a:off x="5516880" y="3429000"/>
+            <a:ext cx="4168140" cy="646331"/>
+          </a:xfrm>
+          <a:prstGeom prst="rect">
+            <a:avLst/>
+          </a:prstGeom>
+          <a:noFill/>
+        </p:spPr>
+        <p:txBody>
+          <a:bodyPr wrap="square" rtlCol="0">
+            <a:spAutoFit/>
+          </a:bodyPr>
+          <a:lstStyle/>
+          <a:p>
+            <a:r>
+              <a:rPr lang="hu-HU" dirty="0"/>
+              <a:t>Optimization problem: </a:t>
+            </a:r>
+          </a:p>
+          <a:p>
+            <a:r>
+              <a:rPr lang="hu-HU" dirty="0"/>
+              <a:t>We want to find </a:t>
+            </a:r>
+            <a:r>
+              <a:rPr lang="hu-HU" b="1" dirty="0"/>
+              <a:t>z </a:t>
+            </a:r>
+            <a:r>
+              <a:rPr lang="hu-HU" dirty="0"/>
+              <a:t>such that min(&lt;</a:t>
+            </a:r>
+            <a:r>
+              <a:rPr lang="hu-HU" b="1" dirty="0"/>
+              <a:t>z</a:t>
+            </a:r>
+            <a:r>
+              <a:rPr lang="hu-HU" dirty="0"/>
+              <a:t>|</a:t>
+            </a:r>
+            <a:r>
+              <a:rPr lang="hu-HU" b="1" dirty="0"/>
+              <a:t>Q|z</a:t>
+            </a:r>
+            <a:r>
+              <a:rPr lang="hu-HU" dirty="0"/>
+              <a:t>&gt;)</a:t>
+            </a:r>
+          </a:p>
+        </p:txBody>
+      </p:sp>
+      <mc:AlternateContent xmlns:mc="http://schemas.openxmlformats.org/markup-compatibility/2006" xmlns:a14="http://schemas.microsoft.com/office/drawing/2010/main">
+        <mc:Choice Requires="a14">
+          <p:sp>
+            <p:nvSpPr>
+              <p:cNvPr id="17" name="TextBox 16">
+                <a:extLst>
+                  <a:ext uri="{FF2B5EF4-FFF2-40B4-BE49-F238E27FC236}">
+                    <a16:creationId xmlns:a16="http://schemas.microsoft.com/office/drawing/2014/main" id="{A82E6F69-7F7F-4809-B2BE-1E72BCDEDA1F}"/>
+                  </a:ext>
+                </a:extLst>
+              </p:cNvPr>
+              <p:cNvSpPr txBox="1"/>
+              <p:nvPr/>
+            </p:nvSpPr>
+            <p:spPr>
+              <a:xfrm>
+                <a:off x="2758440" y="4890313"/>
+                <a:ext cx="6096000" cy="923330"/>
+              </a:xfrm>
+              <a:prstGeom prst="rect">
+                <a:avLst/>
+              </a:prstGeom>
+              <a:noFill/>
+            </p:spPr>
+            <p:txBody>
+              <a:bodyPr wrap="square">
+                <a:spAutoFit/>
+              </a:bodyPr>
+              <a:lstStyle/>
+              <a:p>
+                <a:pPr lvl="1"/>
+                <a:r>
+                  <a:rPr lang="hu-HU" dirty="0">
+                    <a:solidFill>
+                      <a:schemeClr val="tx1"/>
+                    </a:solidFill>
+                  </a:rPr>
+                  <a:t>Size of problem </a:t>
+                </a:r>
+                <a14:m>
+                  <m:oMath xmlns:m="http://schemas.openxmlformats.org/officeDocument/2006/math">
+                    <m:r>
+                      <a:rPr lang="hu-HU" b="0" i="1" smtClean="0">
+                        <a:solidFill>
+                          <a:schemeClr val="tx1"/>
+                        </a:solidFill>
+                        <a:latin typeface="Cambria Math" panose="02040503050406030204" pitchFamily="18" charset="0"/>
+                      </a:rPr>
+                      <m:t>𝑛</m:t>
+                    </m:r>
+                    <m:r>
+                      <a:rPr lang="hu-HU" b="0" i="1" smtClean="0">
+                        <a:solidFill>
+                          <a:schemeClr val="tx1"/>
+                        </a:solidFill>
+                        <a:latin typeface="Cambria Math" panose="02040503050406030204" pitchFamily="18" charset="0"/>
+                      </a:rPr>
+                      <m:t>→</m:t>
+                    </m:r>
+                    <m:sSup>
+                      <m:sSupPr>
+                        <m:ctrlPr>
+                          <a:rPr lang="hu-HU" b="0" i="1" smtClean="0">
+                            <a:solidFill>
+                              <a:schemeClr val="tx1"/>
+                            </a:solidFill>
+                            <a:latin typeface="Cambria Math" panose="02040503050406030204" pitchFamily="18" charset="0"/>
+                          </a:rPr>
+                        </m:ctrlPr>
+                      </m:sSupPr>
+                      <m:e>
+                        <m:r>
+                          <a:rPr lang="hu-HU" b="0" i="1" smtClean="0">
+                            <a:solidFill>
+                              <a:schemeClr val="tx1"/>
+                            </a:solidFill>
+                            <a:latin typeface="Cambria Math" panose="02040503050406030204" pitchFamily="18" charset="0"/>
+                          </a:rPr>
+                          <m:t>2</m:t>
+                        </m:r>
+                      </m:e>
+                      <m:sup>
+                        <m:r>
+                          <a:rPr lang="hu-HU" b="0" i="1" smtClean="0">
+                            <a:solidFill>
+                              <a:schemeClr val="tx1"/>
+                            </a:solidFill>
+                            <a:latin typeface="Cambria Math" panose="02040503050406030204" pitchFamily="18" charset="0"/>
+                          </a:rPr>
+                          <m:t>𝑛</m:t>
+                        </m:r>
+                      </m:sup>
+                    </m:sSup>
+                  </m:oMath>
+                </a14:m>
+                <a:r>
+                  <a:rPr lang="hu-HU" b="0" dirty="0">
+                    <a:solidFill>
+                      <a:schemeClr val="tx1"/>
+                    </a:solidFill>
+                  </a:rPr>
+                  <a:t> possible solutions</a:t>
+                </a:r>
+              </a:p>
+              <a:p>
+                <a:pPr lvl="1"/>
+                <a:endParaRPr lang="hu-HU" dirty="0">
+                  <a:solidFill>
+                    <a:schemeClr val="tx1"/>
+                  </a:solidFill>
+                </a:endParaRPr>
+              </a:p>
+              <a:p>
+                <a:pPr marL="0" indent="0">
+                  <a:buNone/>
+                </a:pPr>
+                <a:r>
+                  <a:rPr lang="hu-HU" b="1" dirty="0">
+                    <a:solidFill>
+                      <a:schemeClr val="tx1"/>
+                    </a:solidFill>
+                  </a:rPr>
+                  <a:t>			Binary optimization is expensive.</a:t>
+                </a:r>
+              </a:p>
+            </p:txBody>
+          </p:sp>
+        </mc:Choice>
+        <mc:Fallback xmlns="">
+          <p:sp>
+            <p:nvSpPr>
+              <p:cNvPr id="17" name="TextBox 16">
+                <a:extLst>
+                  <a:ext uri="{FF2B5EF4-FFF2-40B4-BE49-F238E27FC236}">
+                    <a16:creationId xmlns:a16="http://schemas.microsoft.com/office/drawing/2014/main" id="{A82E6F69-7F7F-4809-B2BE-1E72BCDEDA1F}"/>
+                  </a:ext>
+                </a:extLst>
+              </p:cNvPr>
+              <p:cNvSpPr txBox="1">
+                <a:spLocks noRot="1" noChangeAspect="1" noMove="1" noResize="1" noEditPoints="1" noAdjustHandles="1" noChangeArrowheads="1" noChangeShapeType="1" noTextEdit="1"/>
+              </p:cNvSpPr>
+              <p:nvPr/>
+            </p:nvSpPr>
+            <p:spPr>
+              <a:xfrm>
+                <a:off x="2758440" y="4890313"/>
+                <a:ext cx="6096000" cy="923330"/>
+              </a:xfrm>
+              <a:prstGeom prst="rect">
+                <a:avLst/>
+              </a:prstGeom>
+              <a:blipFill>
+                <a:blip r:embed="rId7"/>
+                <a:stretch>
+                  <a:fillRect t="-3289" b="-9211"/>
+                </a:stretch>
+              </a:blipFill>
+            </p:spPr>
+            <p:txBody>
+              <a:bodyPr/>
+              <a:lstStyle/>
+              <a:p>
+                <a:r>
+                  <a:rPr lang="hu-HU">
+                    <a:noFill/>
+                  </a:rPr>
+                  <a:t> </a:t>
+                </a:r>
+              </a:p>
+            </p:txBody>
+          </p:sp>
+        </mc:Fallback>
+      </mc:AlternateContent>
+      <p:pic>
+        <p:nvPicPr>
+          <p:cNvPr id="18" name="Picture 17">
+            <a:extLst>
+              <a:ext uri="{FF2B5EF4-FFF2-40B4-BE49-F238E27FC236}">
+                <a16:creationId xmlns:a16="http://schemas.microsoft.com/office/drawing/2014/main" id="{1DF2BDA8-9247-4590-BFAB-5AC9B60658AB}"/>
+              </a:ext>
+            </a:extLst>
+          </p:cNvPr>
+          <p:cNvPicPr>
+            <a:picLocks noChangeAspect="1"/>
+          </p:cNvPicPr>
+          <p:nvPr/>
+        </p:nvPicPr>
+        <p:blipFill>
+          <a:blip r:embed="rId8">
+            <a:extLst>
+              <a:ext uri="{28A0092B-C50C-407E-A947-70E740481C1C}">
+                <a14:useLocalDpi xmlns:a14="http://schemas.microsoft.com/office/drawing/2010/main" val="0"/>
+              </a:ext>
+            </a:extLst>
+          </a:blip>
+          <a:stretch>
+            <a:fillRect/>
+          </a:stretch>
+        </p:blipFill>
+        <p:spPr>
+          <a:xfrm>
+            <a:off x="2422207" y="4461510"/>
+            <a:ext cx="276225" cy="1466850"/>
+          </a:xfrm>
+          <a:prstGeom prst="rect">
+            <a:avLst/>
+          </a:prstGeom>
+        </p:spPr>
+      </p:pic>
+    </p:spTree>
+    <p:extLst>
+      <p:ext uri="{BB962C8B-B14F-4D97-AF65-F5344CB8AC3E}">
+        <p14:creationId xmlns:p14="http://schemas.microsoft.com/office/powerpoint/2010/main" val="419033066"/>
+      </p:ext>
+    </p:extLst>
+  </p:cSld>
+  <p:clrMapOvr>
+    <a:masterClrMapping/>
+  </p:clrMapOvr>
+</p:sld>
+</file>
+
+<file path=ppt/slides/slide8.xml><?xml version="1.0" encoding="utf-8"?>
+<p:sld xmlns:a="http://schemas.openxmlformats.org/drawingml/2006/main" xmlns:r="http://schemas.openxmlformats.org/officeDocument/2006/relationships" xmlns:p="http://schemas.openxmlformats.org/presentationml/2006/main" show="0">
+  <p:cSld>
+    <p:spTree>
+      <p:nvGrpSpPr>
+        <p:cNvPr id="1" name=""/>
+        <p:cNvGrpSpPr/>
+        <p:nvPr/>
+      </p:nvGrpSpPr>
+      <p:grpSpPr>
+        <a:xfrm>
+          <a:off x="0" y="0"/>
+          <a:ext cx="0" cy="0"/>
+          <a:chOff x="0" y="0"/>
+          <a:chExt cx="0" cy="0"/>
+        </a:xfrm>
+      </p:grpSpPr>
+      <p:sp>
+        <p:nvSpPr>
+          <p:cNvPr id="2" name="Title 1">
+            <a:extLst>
+              <a:ext uri="{FF2B5EF4-FFF2-40B4-BE49-F238E27FC236}">
                 <a16:creationId xmlns:a16="http://schemas.microsoft.com/office/drawing/2014/main" id="{4EAE431C-E03F-4A39-9BF4-F1AD36235365}"/>
               </a:ext>
             </a:extLst>
@@ -5996,6 +11011,732 @@
     <p:extLst>
       <p:ext uri="{BB962C8B-B14F-4D97-AF65-F5344CB8AC3E}">
         <p14:creationId xmlns:p14="http://schemas.microsoft.com/office/powerpoint/2010/main" val="148013472"/>
+      </p:ext>
+    </p:extLst>
+  </p:cSld>
+  <p:clrMapOvr>
+    <a:masterClrMapping/>
+  </p:clrMapOvr>
+</p:sld>
+</file>
+
+<file path=ppt/slides/slide9.xml><?xml version="1.0" encoding="utf-8"?>
+<p:sld xmlns:a="http://schemas.openxmlformats.org/drawingml/2006/main" xmlns:r="http://schemas.openxmlformats.org/officeDocument/2006/relationships" xmlns:p="http://schemas.openxmlformats.org/presentationml/2006/main" show="0">
+  <p:cSld>
+    <p:spTree>
+      <p:nvGrpSpPr>
+        <p:cNvPr id="1" name=""/>
+        <p:cNvGrpSpPr/>
+        <p:nvPr/>
+      </p:nvGrpSpPr>
+      <p:grpSpPr>
+        <a:xfrm>
+          <a:off x="0" y="0"/>
+          <a:ext cx="0" cy="0"/>
+          <a:chOff x="0" y="0"/>
+          <a:chExt cx="0" cy="0"/>
+        </a:xfrm>
+      </p:grpSpPr>
+      <p:pic>
+        <p:nvPicPr>
+          <p:cNvPr id="10" name="Picture 9">
+            <a:extLst>
+              <a:ext uri="{FF2B5EF4-FFF2-40B4-BE49-F238E27FC236}">
+                <a16:creationId xmlns:a16="http://schemas.microsoft.com/office/drawing/2014/main" id="{273AF74E-A528-4E98-A8B6-4FD1EF8499FF}"/>
+              </a:ext>
+            </a:extLst>
+          </p:cNvPr>
+          <p:cNvPicPr>
+            <a:picLocks noChangeAspect="1"/>
+          </p:cNvPicPr>
+          <p:nvPr/>
+        </p:nvPicPr>
+        <p:blipFill>
+          <a:blip r:embed="rId3"/>
+          <a:stretch>
+            <a:fillRect/>
+          </a:stretch>
+        </p:blipFill>
+        <p:spPr>
+          <a:xfrm>
+            <a:off x="5173309" y="1521142"/>
+            <a:ext cx="6493128" cy="3815715"/>
+          </a:xfrm>
+          <a:prstGeom prst="rect">
+            <a:avLst/>
+          </a:prstGeom>
+        </p:spPr>
+      </p:pic>
+      <p:sp>
+        <p:nvSpPr>
+          <p:cNvPr id="5" name="TextBox 4">
+            <a:extLst>
+              <a:ext uri="{FF2B5EF4-FFF2-40B4-BE49-F238E27FC236}">
+                <a16:creationId xmlns:a16="http://schemas.microsoft.com/office/drawing/2014/main" id="{92673703-11BE-49C6-8547-1BFF32959360}"/>
+              </a:ext>
+            </a:extLst>
+          </p:cNvPr>
+          <p:cNvSpPr txBox="1"/>
+          <p:nvPr/>
+        </p:nvSpPr>
+        <p:spPr>
+          <a:xfrm>
+            <a:off x="1621155" y="4474646"/>
+            <a:ext cx="3627120" cy="369332"/>
+          </a:xfrm>
+          <a:prstGeom prst="rect">
+            <a:avLst/>
+          </a:prstGeom>
+          <a:noFill/>
+        </p:spPr>
+        <p:txBody>
+          <a:bodyPr wrap="square" rtlCol="0">
+            <a:spAutoFit/>
+          </a:bodyPr>
+          <a:lstStyle/>
+          <a:p>
+            <a:r>
+              <a:rPr lang="hu-HU" dirty="0"/>
+              <a:t>Beam splitters and phase shifters </a:t>
+            </a:r>
+          </a:p>
+        </p:txBody>
+      </p:sp>
+      <p:pic>
+        <p:nvPicPr>
+          <p:cNvPr id="3" name="Picture 2">
+            <a:extLst>
+              <a:ext uri="{FF2B5EF4-FFF2-40B4-BE49-F238E27FC236}">
+                <a16:creationId xmlns:a16="http://schemas.microsoft.com/office/drawing/2014/main" id="{35F0164B-E6CE-4D6D-B60D-7E3776E63B6B}"/>
+              </a:ext>
+            </a:extLst>
+          </p:cNvPr>
+          <p:cNvPicPr>
+            <a:picLocks noChangeAspect="1"/>
+          </p:cNvPicPr>
+          <p:nvPr/>
+        </p:nvPicPr>
+        <p:blipFill>
+          <a:blip r:embed="rId4"/>
+          <a:stretch>
+            <a:fillRect/>
+          </a:stretch>
+        </p:blipFill>
+        <p:spPr>
+          <a:xfrm>
+            <a:off x="1605915" y="2616332"/>
+            <a:ext cx="3225165" cy="993425"/>
+          </a:xfrm>
+          <a:prstGeom prst="rect">
+            <a:avLst/>
+          </a:prstGeom>
+        </p:spPr>
+      </p:pic>
+      <p:sp>
+        <p:nvSpPr>
+          <p:cNvPr id="4" name="Oval 3">
+            <a:extLst>
+              <a:ext uri="{FF2B5EF4-FFF2-40B4-BE49-F238E27FC236}">
+                <a16:creationId xmlns:a16="http://schemas.microsoft.com/office/drawing/2014/main" id="{EDE4390A-45BE-4356-83F7-7F7C05BC4441}"/>
+              </a:ext>
+            </a:extLst>
+          </p:cNvPr>
+          <p:cNvSpPr/>
+          <p:nvPr/>
+        </p:nvSpPr>
+        <p:spPr>
+          <a:xfrm>
+            <a:off x="1836420" y="1496159"/>
+            <a:ext cx="2811780" cy="2811780"/>
+          </a:xfrm>
+          <a:prstGeom prst="ellipse">
+            <a:avLst/>
+          </a:prstGeom>
+          <a:noFill/>
+          <a:ln>
+            <a:solidFill>
+              <a:schemeClr val="tx1"/>
+            </a:solidFill>
+          </a:ln>
+        </p:spPr>
+        <p:style>
+          <a:lnRef idx="2">
+            <a:schemeClr val="accent1">
+              <a:shade val="50000"/>
+            </a:schemeClr>
+          </a:lnRef>
+          <a:fillRef idx="1">
+            <a:schemeClr val="accent1"/>
+          </a:fillRef>
+          <a:effectRef idx="0">
+            <a:schemeClr val="accent1"/>
+          </a:effectRef>
+          <a:fontRef idx="minor">
+            <a:schemeClr val="lt1"/>
+          </a:fontRef>
+        </p:style>
+        <p:txBody>
+          <a:bodyPr rtlCol="0" anchor="ctr"/>
+          <a:lstStyle/>
+          <a:p>
+            <a:pPr algn="ctr"/>
+            <a:endParaRPr lang="hu-HU"/>
+          </a:p>
+        </p:txBody>
+      </p:sp>
+      <p:cxnSp>
+        <p:nvCxnSpPr>
+          <p:cNvPr id="7" name="Straight Connector 6">
+            <a:extLst>
+              <a:ext uri="{FF2B5EF4-FFF2-40B4-BE49-F238E27FC236}">
+                <a16:creationId xmlns:a16="http://schemas.microsoft.com/office/drawing/2014/main" id="{56A59DB7-23CB-48F0-BF33-C8D26051C545}"/>
+              </a:ext>
+            </a:extLst>
+          </p:cNvPr>
+          <p:cNvCxnSpPr>
+            <a:cxnSpLocks/>
+          </p:cNvCxnSpPr>
+          <p:nvPr/>
+        </p:nvCxnSpPr>
+        <p:spPr>
+          <a:xfrm>
+            <a:off x="3627120" y="1532936"/>
+            <a:ext cx="2674620" cy="916689"/>
+          </a:xfrm>
+          <a:prstGeom prst="line">
+            <a:avLst/>
+          </a:prstGeom>
+          <a:ln>
+            <a:solidFill>
+              <a:schemeClr val="tx1"/>
+            </a:solidFill>
+          </a:ln>
+        </p:spPr>
+        <p:style>
+          <a:lnRef idx="1">
+            <a:schemeClr val="accent1"/>
+          </a:lnRef>
+          <a:fillRef idx="0">
+            <a:schemeClr val="accent1"/>
+          </a:fillRef>
+          <a:effectRef idx="0">
+            <a:schemeClr val="accent1"/>
+          </a:effectRef>
+          <a:fontRef idx="minor">
+            <a:schemeClr val="tx1"/>
+          </a:fontRef>
+        </p:style>
+      </p:cxnSp>
+      <p:cxnSp>
+        <p:nvCxnSpPr>
+          <p:cNvPr id="14" name="Straight Connector 13">
+            <a:extLst>
+              <a:ext uri="{FF2B5EF4-FFF2-40B4-BE49-F238E27FC236}">
+                <a16:creationId xmlns:a16="http://schemas.microsoft.com/office/drawing/2014/main" id="{642376B0-6374-4671-8248-00D135B1764B}"/>
+              </a:ext>
+            </a:extLst>
+          </p:cNvPr>
+          <p:cNvCxnSpPr>
+            <a:cxnSpLocks/>
+          </p:cNvCxnSpPr>
+          <p:nvPr/>
+        </p:nvCxnSpPr>
+        <p:spPr>
+          <a:xfrm flipV="1">
+            <a:off x="3627120" y="3438422"/>
+            <a:ext cx="2674620" cy="815039"/>
+          </a:xfrm>
+          <a:prstGeom prst="line">
+            <a:avLst/>
+          </a:prstGeom>
+          <a:ln>
+            <a:solidFill>
+              <a:schemeClr val="tx1"/>
+            </a:solidFill>
+          </a:ln>
+        </p:spPr>
+        <p:style>
+          <a:lnRef idx="1">
+            <a:schemeClr val="accent1"/>
+          </a:lnRef>
+          <a:fillRef idx="0">
+            <a:schemeClr val="accent1"/>
+          </a:fillRef>
+          <a:effectRef idx="0">
+            <a:schemeClr val="accent1"/>
+          </a:effectRef>
+          <a:fontRef idx="minor">
+            <a:schemeClr val="tx1"/>
+          </a:fontRef>
+        </p:style>
+      </p:cxnSp>
+      <p:sp>
+        <p:nvSpPr>
+          <p:cNvPr id="19" name="TextBox 18">
+            <a:extLst>
+              <a:ext uri="{FF2B5EF4-FFF2-40B4-BE49-F238E27FC236}">
+                <a16:creationId xmlns:a16="http://schemas.microsoft.com/office/drawing/2014/main" id="{58DA119D-1F2C-43ED-A393-7A23F7C5E944}"/>
+              </a:ext>
+            </a:extLst>
+          </p:cNvPr>
+          <p:cNvSpPr txBox="1"/>
+          <p:nvPr/>
+        </p:nvSpPr>
+        <p:spPr>
+          <a:xfrm>
+            <a:off x="8419873" y="6215876"/>
+            <a:ext cx="3535624" cy="276999"/>
+          </a:xfrm>
+          <a:prstGeom prst="rect">
+            <a:avLst/>
+          </a:prstGeom>
+          <a:noFill/>
+        </p:spPr>
+        <p:txBody>
+          <a:bodyPr wrap="square" rtlCol="0">
+            <a:spAutoFit/>
+          </a:bodyPr>
+          <a:lstStyle/>
+          <a:p>
+            <a:r>
+              <a:rPr lang="en-US" sz="1200" dirty="0">
+                <a:solidFill>
+                  <a:schemeClr val="tx1">
+                    <a:lumMod val="50000"/>
+                    <a:lumOff val="50000"/>
+                  </a:schemeClr>
+                </a:solidFill>
+                <a:latin typeface="+mj-lt"/>
+              </a:rPr>
+              <a:t>Gard</a:t>
+            </a:r>
+            <a:r>
+              <a:rPr lang="hu-HU" sz="1200" dirty="0">
+                <a:solidFill>
+                  <a:schemeClr val="tx1">
+                    <a:lumMod val="50000"/>
+                    <a:lumOff val="50000"/>
+                  </a:schemeClr>
+                </a:solidFill>
+                <a:latin typeface="+mj-lt"/>
+              </a:rPr>
+              <a:t> </a:t>
+            </a:r>
+            <a:r>
+              <a:rPr lang="en-US" sz="1200" dirty="0">
+                <a:solidFill>
+                  <a:schemeClr val="tx1">
+                    <a:lumMod val="50000"/>
+                    <a:lumOff val="50000"/>
+                  </a:schemeClr>
+                </a:solidFill>
+                <a:latin typeface="+mj-lt"/>
+              </a:rPr>
+              <a:t>et al. "An introduction to boson-sampling.„</a:t>
+            </a:r>
+            <a:r>
+              <a:rPr lang="hu-HU" sz="1200" dirty="0">
+                <a:solidFill>
+                  <a:schemeClr val="tx1">
+                    <a:lumMod val="50000"/>
+                    <a:lumOff val="50000"/>
+                  </a:schemeClr>
+                </a:solidFill>
+                <a:latin typeface="+mj-lt"/>
+              </a:rPr>
+              <a:t> 2016</a:t>
+            </a:r>
+          </a:p>
+        </p:txBody>
+      </p:sp>
+      <p:sp>
+        <p:nvSpPr>
+          <p:cNvPr id="20" name="TextBox 19">
+            <a:extLst>
+              <a:ext uri="{FF2B5EF4-FFF2-40B4-BE49-F238E27FC236}">
+                <a16:creationId xmlns:a16="http://schemas.microsoft.com/office/drawing/2014/main" id="{7C54004E-1A6E-498C-AA90-4673257E249E}"/>
+              </a:ext>
+            </a:extLst>
+          </p:cNvPr>
+          <p:cNvSpPr txBox="1"/>
+          <p:nvPr/>
+        </p:nvSpPr>
+        <p:spPr>
+          <a:xfrm>
+            <a:off x="6402210" y="6492875"/>
+            <a:ext cx="5621867" cy="276999"/>
+          </a:xfrm>
+          <a:prstGeom prst="rect">
+            <a:avLst/>
+          </a:prstGeom>
+          <a:noFill/>
+        </p:spPr>
+        <p:txBody>
+          <a:bodyPr wrap="square">
+            <a:spAutoFit/>
+          </a:bodyPr>
+          <a:lstStyle/>
+          <a:p>
+            <a:r>
+              <a:rPr lang="en-US" sz="1200" dirty="0" err="1">
+                <a:solidFill>
+                  <a:schemeClr val="tx1">
+                    <a:lumMod val="50000"/>
+                    <a:lumOff val="50000"/>
+                  </a:schemeClr>
+                </a:solidFill>
+                <a:latin typeface="+mj-lt"/>
+              </a:rPr>
+              <a:t>Bradler</a:t>
+            </a:r>
+            <a:r>
+              <a:rPr lang="en-US" sz="1200" dirty="0">
+                <a:solidFill>
+                  <a:schemeClr val="tx1">
+                    <a:lumMod val="50000"/>
+                    <a:lumOff val="50000"/>
+                  </a:schemeClr>
+                </a:solidFill>
+                <a:latin typeface="+mj-lt"/>
+              </a:rPr>
+              <a:t>, </a:t>
+            </a:r>
+            <a:r>
+              <a:rPr lang="en-US" sz="1200" dirty="0" err="1">
+                <a:solidFill>
+                  <a:schemeClr val="tx1">
+                    <a:lumMod val="50000"/>
+                    <a:lumOff val="50000"/>
+                  </a:schemeClr>
+                </a:solidFill>
+                <a:latin typeface="+mj-lt"/>
+              </a:rPr>
+              <a:t>Wallner</a:t>
+            </a:r>
+            <a:r>
+              <a:rPr lang="en-US" sz="1200" dirty="0">
+                <a:solidFill>
+                  <a:schemeClr val="tx1">
+                    <a:lumMod val="50000"/>
+                    <a:lumOff val="50000"/>
+                  </a:schemeClr>
+                </a:solidFill>
+                <a:latin typeface="+mj-lt"/>
+              </a:rPr>
+              <a:t>. "Certain properties and applications of shallow bosonic circuits.„</a:t>
+            </a:r>
+            <a:r>
+              <a:rPr lang="hu-HU" sz="1200" dirty="0">
+                <a:solidFill>
+                  <a:schemeClr val="tx1">
+                    <a:lumMod val="50000"/>
+                    <a:lumOff val="50000"/>
+                  </a:schemeClr>
+                </a:solidFill>
+                <a:latin typeface="+mj-lt"/>
+              </a:rPr>
+              <a:t> 2021</a:t>
+            </a:r>
+          </a:p>
+        </p:txBody>
+      </p:sp>
+      <p:cxnSp>
+        <p:nvCxnSpPr>
+          <p:cNvPr id="22" name="Straight Arrow Connector 21">
+            <a:extLst>
+              <a:ext uri="{FF2B5EF4-FFF2-40B4-BE49-F238E27FC236}">
+                <a16:creationId xmlns:a16="http://schemas.microsoft.com/office/drawing/2014/main" id="{968FDE57-CA3E-4F60-A0DD-496F25357599}"/>
+              </a:ext>
+            </a:extLst>
+          </p:cNvPr>
+          <p:cNvCxnSpPr/>
+          <p:nvPr/>
+        </p:nvCxnSpPr>
+        <p:spPr>
+          <a:xfrm flipV="1">
+            <a:off x="2415540" y="3162300"/>
+            <a:ext cx="335280" cy="1379220"/>
+          </a:xfrm>
+          <a:prstGeom prst="straightConnector1">
+            <a:avLst/>
+          </a:prstGeom>
+          <a:ln>
+            <a:solidFill>
+              <a:srgbClr val="FF0000"/>
+            </a:solidFill>
+            <a:tailEnd type="triangle"/>
+          </a:ln>
+        </p:spPr>
+        <p:style>
+          <a:lnRef idx="1">
+            <a:schemeClr val="accent1"/>
+          </a:lnRef>
+          <a:fillRef idx="0">
+            <a:schemeClr val="accent1"/>
+          </a:fillRef>
+          <a:effectRef idx="0">
+            <a:schemeClr val="accent1"/>
+          </a:effectRef>
+          <a:fontRef idx="minor">
+            <a:schemeClr val="tx1"/>
+          </a:fontRef>
+        </p:style>
+      </p:cxnSp>
+      <p:cxnSp>
+        <p:nvCxnSpPr>
+          <p:cNvPr id="23" name="Straight Arrow Connector 22">
+            <a:extLst>
+              <a:ext uri="{FF2B5EF4-FFF2-40B4-BE49-F238E27FC236}">
+                <a16:creationId xmlns:a16="http://schemas.microsoft.com/office/drawing/2014/main" id="{A256F1A3-ADDB-4111-84E1-58BC933BDDC7}"/>
+              </a:ext>
+            </a:extLst>
+          </p:cNvPr>
+          <p:cNvCxnSpPr>
+            <a:cxnSpLocks/>
+          </p:cNvCxnSpPr>
+          <p:nvPr/>
+        </p:nvCxnSpPr>
+        <p:spPr>
+          <a:xfrm flipH="1" flipV="1">
+            <a:off x="2248236" y="2902049"/>
+            <a:ext cx="160355" cy="1633502"/>
+          </a:xfrm>
+          <a:prstGeom prst="straightConnector1">
+            <a:avLst/>
+          </a:prstGeom>
+          <a:ln>
+            <a:solidFill>
+              <a:srgbClr val="FF0000"/>
+            </a:solidFill>
+            <a:tailEnd type="triangle"/>
+          </a:ln>
+        </p:spPr>
+        <p:style>
+          <a:lnRef idx="1">
+            <a:schemeClr val="accent1"/>
+          </a:lnRef>
+          <a:fillRef idx="0">
+            <a:schemeClr val="accent1"/>
+          </a:fillRef>
+          <a:effectRef idx="0">
+            <a:schemeClr val="accent1"/>
+          </a:effectRef>
+          <a:fontRef idx="minor">
+            <a:schemeClr val="tx1"/>
+          </a:fontRef>
+        </p:style>
+      </p:cxnSp>
+      <p:cxnSp>
+        <p:nvCxnSpPr>
+          <p:cNvPr id="25" name="Straight Arrow Connector 24">
+            <a:extLst>
+              <a:ext uri="{FF2B5EF4-FFF2-40B4-BE49-F238E27FC236}">
+                <a16:creationId xmlns:a16="http://schemas.microsoft.com/office/drawing/2014/main" id="{EBEE719C-31D9-4E2C-972D-D2F94428CE9A}"/>
+              </a:ext>
+            </a:extLst>
+          </p:cNvPr>
+          <p:cNvCxnSpPr>
+            <a:cxnSpLocks/>
+          </p:cNvCxnSpPr>
+          <p:nvPr/>
+        </p:nvCxnSpPr>
+        <p:spPr>
+          <a:xfrm flipH="1" flipV="1">
+            <a:off x="3452195" y="3569798"/>
+            <a:ext cx="441625" cy="1078660"/>
+          </a:xfrm>
+          <a:prstGeom prst="straightConnector1">
+            <a:avLst/>
+          </a:prstGeom>
+          <a:ln>
+            <a:solidFill>
+              <a:srgbClr val="FF0000"/>
+            </a:solidFill>
+            <a:tailEnd type="triangle"/>
+          </a:ln>
+        </p:spPr>
+        <p:style>
+          <a:lnRef idx="1">
+            <a:schemeClr val="accent1"/>
+          </a:lnRef>
+          <a:fillRef idx="0">
+            <a:schemeClr val="accent1"/>
+          </a:fillRef>
+          <a:effectRef idx="0">
+            <a:schemeClr val="accent1"/>
+          </a:effectRef>
+          <a:fontRef idx="minor">
+            <a:schemeClr val="tx1"/>
+          </a:fontRef>
+        </p:style>
+      </p:cxnSp>
+      <p:cxnSp>
+        <p:nvCxnSpPr>
+          <p:cNvPr id="27" name="Straight Arrow Connector 26">
+            <a:extLst>
+              <a:ext uri="{FF2B5EF4-FFF2-40B4-BE49-F238E27FC236}">
+                <a16:creationId xmlns:a16="http://schemas.microsoft.com/office/drawing/2014/main" id="{5ACD8C0A-0F3D-42A8-BEE8-D7756EA5CE55}"/>
+              </a:ext>
+            </a:extLst>
+          </p:cNvPr>
+          <p:cNvCxnSpPr>
+            <a:cxnSpLocks/>
+          </p:cNvCxnSpPr>
+          <p:nvPr/>
+        </p:nvCxnSpPr>
+        <p:spPr>
+          <a:xfrm flipV="1">
+            <a:off x="3893820" y="3345180"/>
+            <a:ext cx="0" cy="1303278"/>
+          </a:xfrm>
+          <a:prstGeom prst="straightConnector1">
+            <a:avLst/>
+          </a:prstGeom>
+          <a:ln>
+            <a:solidFill>
+              <a:srgbClr val="FF0000"/>
+            </a:solidFill>
+            <a:tailEnd type="triangle"/>
+          </a:ln>
+        </p:spPr>
+        <p:style>
+          <a:lnRef idx="1">
+            <a:schemeClr val="accent1"/>
+          </a:lnRef>
+          <a:fillRef idx="0">
+            <a:schemeClr val="accent1"/>
+          </a:fillRef>
+          <a:effectRef idx="0">
+            <a:schemeClr val="accent1"/>
+          </a:effectRef>
+          <a:fontRef idx="minor">
+            <a:schemeClr val="tx1"/>
+          </a:fontRef>
+        </p:style>
+      </p:cxnSp>
+      <p:sp>
+        <p:nvSpPr>
+          <p:cNvPr id="33" name="Rectangle 32">
+            <a:extLst>
+              <a:ext uri="{FF2B5EF4-FFF2-40B4-BE49-F238E27FC236}">
+                <a16:creationId xmlns:a16="http://schemas.microsoft.com/office/drawing/2014/main" id="{F153A9B0-1780-43F5-843B-A461C458B83A}"/>
+              </a:ext>
+            </a:extLst>
+          </p:cNvPr>
+          <p:cNvSpPr/>
+          <p:nvPr/>
+        </p:nvSpPr>
+        <p:spPr>
+          <a:xfrm>
+            <a:off x="8200354" y="2529840"/>
+            <a:ext cx="1377986" cy="830580"/>
+          </a:xfrm>
+          <a:prstGeom prst="rect">
+            <a:avLst/>
+          </a:prstGeom>
+          <a:solidFill>
+            <a:schemeClr val="bg1"/>
+          </a:solidFill>
+          <a:ln>
+            <a:solidFill>
+              <a:schemeClr val="bg1"/>
+            </a:solidFill>
+          </a:ln>
+        </p:spPr>
+        <p:style>
+          <a:lnRef idx="2">
+            <a:schemeClr val="accent1">
+              <a:shade val="50000"/>
+            </a:schemeClr>
+          </a:lnRef>
+          <a:fillRef idx="1">
+            <a:schemeClr val="accent1"/>
+          </a:fillRef>
+          <a:effectRef idx="0">
+            <a:schemeClr val="accent1"/>
+          </a:effectRef>
+          <a:fontRef idx="minor">
+            <a:schemeClr val="lt1"/>
+          </a:fontRef>
+        </p:style>
+        <p:txBody>
+          <a:bodyPr rtlCol="0" anchor="ctr"/>
+          <a:lstStyle/>
+          <a:p>
+            <a:pPr algn="ctr"/>
+            <a:endParaRPr lang="hu-HU"/>
+          </a:p>
+        </p:txBody>
+      </p:sp>
+      <p:pic>
+        <p:nvPicPr>
+          <p:cNvPr id="32" name="Picture 31">
+            <a:extLst>
+              <a:ext uri="{FF2B5EF4-FFF2-40B4-BE49-F238E27FC236}">
+                <a16:creationId xmlns:a16="http://schemas.microsoft.com/office/drawing/2014/main" id="{7409E128-E2B6-4917-8320-CFAA84DA45D0}"/>
+              </a:ext>
+            </a:extLst>
+          </p:cNvPr>
+          <p:cNvPicPr>
+            <a:picLocks noChangeAspect="1"/>
+          </p:cNvPicPr>
+          <p:nvPr/>
+        </p:nvPicPr>
+        <p:blipFill>
+          <a:blip r:embed="rId5"/>
+          <a:stretch>
+            <a:fillRect/>
+          </a:stretch>
+        </p:blipFill>
+        <p:spPr>
+          <a:xfrm>
+            <a:off x="8261314" y="2600177"/>
+            <a:ext cx="767290" cy="608541"/>
+          </a:xfrm>
+          <a:prstGeom prst="rect">
+            <a:avLst/>
+          </a:prstGeom>
+        </p:spPr>
+      </p:pic>
+      <p:sp>
+        <p:nvSpPr>
+          <p:cNvPr id="36" name="TextBox 35">
+            <a:extLst>
+              <a:ext uri="{FF2B5EF4-FFF2-40B4-BE49-F238E27FC236}">
+                <a16:creationId xmlns:a16="http://schemas.microsoft.com/office/drawing/2014/main" id="{EB28E279-48A9-45E8-88D0-9D092C2B4B27}"/>
+              </a:ext>
+            </a:extLst>
+          </p:cNvPr>
+          <p:cNvSpPr txBox="1"/>
+          <p:nvPr/>
+        </p:nvSpPr>
+        <p:spPr>
+          <a:xfrm>
+            <a:off x="2180272" y="1059477"/>
+            <a:ext cx="2249805" cy="461665"/>
+          </a:xfrm>
+          <a:prstGeom prst="rect">
+            <a:avLst/>
+          </a:prstGeom>
+          <a:noFill/>
+        </p:spPr>
+        <p:txBody>
+          <a:bodyPr wrap="square" rtlCol="0">
+            <a:spAutoFit/>
+          </a:bodyPr>
+          <a:lstStyle/>
+          <a:p>
+            <a:r>
+              <a:rPr lang="hu-HU" sz="2400" cap="small" dirty="0"/>
+              <a:t>Interferometer</a:t>
+            </a:r>
+          </a:p>
+        </p:txBody>
+      </p:sp>
+    </p:spTree>
+    <p:extLst>
+      <p:ext uri="{BB962C8B-B14F-4D97-AF65-F5344CB8AC3E}">
+        <p14:creationId xmlns:p14="http://schemas.microsoft.com/office/powerpoint/2010/main" val="1329334704"/>
       </p:ext>
     </p:extLst>
   </p:cSld>
